--- a/lectures/Lect08_SVM.pptx
+++ b/lectures/Lect08_SVM.pptx
@@ -5,7 +5,7 @@
     <p:sldMasterId id="2147483648" r:id="rId1"/>
   </p:sldMasterIdLst>
   <p:notesMasterIdLst>
-    <p:notesMasterId r:id="rId51"/>
+    <p:notesMasterId r:id="rId55"/>
   </p:notesMasterIdLst>
   <p:sldIdLst>
     <p:sldId id="258" r:id="rId2"/>
@@ -24,39 +24,43 @@
     <p:sldId id="287" r:id="rId15"/>
     <p:sldId id="288" r:id="rId16"/>
     <p:sldId id="289" r:id="rId17"/>
-    <p:sldId id="291" r:id="rId18"/>
-    <p:sldId id="290" r:id="rId19"/>
-    <p:sldId id="292" r:id="rId20"/>
-    <p:sldId id="293" r:id="rId21"/>
-    <p:sldId id="294" r:id="rId22"/>
-    <p:sldId id="295" r:id="rId23"/>
-    <p:sldId id="297" r:id="rId24"/>
-    <p:sldId id="298" r:id="rId25"/>
-    <p:sldId id="302" r:id="rId26"/>
-    <p:sldId id="304" r:id="rId27"/>
-    <p:sldId id="303" r:id="rId28"/>
-    <p:sldId id="305" r:id="rId29"/>
-    <p:sldId id="306" r:id="rId30"/>
-    <p:sldId id="299" r:id="rId31"/>
-    <p:sldId id="300" r:id="rId32"/>
-    <p:sldId id="301" r:id="rId33"/>
-    <p:sldId id="307" r:id="rId34"/>
-    <p:sldId id="309" r:id="rId35"/>
-    <p:sldId id="308" r:id="rId36"/>
-    <p:sldId id="310" r:id="rId37"/>
-    <p:sldId id="312" r:id="rId38"/>
-    <p:sldId id="313" r:id="rId39"/>
-    <p:sldId id="314" r:id="rId40"/>
-    <p:sldId id="311" r:id="rId41"/>
-    <p:sldId id="315" r:id="rId42"/>
-    <p:sldId id="316" r:id="rId43"/>
-    <p:sldId id="317" r:id="rId44"/>
-    <p:sldId id="318" r:id="rId45"/>
-    <p:sldId id="319" r:id="rId46"/>
-    <p:sldId id="320" r:id="rId47"/>
-    <p:sldId id="322" r:id="rId48"/>
-    <p:sldId id="321" r:id="rId49"/>
-    <p:sldId id="323" r:id="rId50"/>
+    <p:sldId id="363" r:id="rId18"/>
+    <p:sldId id="364" r:id="rId19"/>
+    <p:sldId id="291" r:id="rId20"/>
+    <p:sldId id="324" r:id="rId21"/>
+    <p:sldId id="290" r:id="rId22"/>
+    <p:sldId id="292" r:id="rId23"/>
+    <p:sldId id="293" r:id="rId24"/>
+    <p:sldId id="294" r:id="rId25"/>
+    <p:sldId id="295" r:id="rId26"/>
+    <p:sldId id="297" r:id="rId27"/>
+    <p:sldId id="298" r:id="rId28"/>
+    <p:sldId id="302" r:id="rId29"/>
+    <p:sldId id="304" r:id="rId30"/>
+    <p:sldId id="303" r:id="rId31"/>
+    <p:sldId id="305" r:id="rId32"/>
+    <p:sldId id="306" r:id="rId33"/>
+    <p:sldId id="299" r:id="rId34"/>
+    <p:sldId id="300" r:id="rId35"/>
+    <p:sldId id="301" r:id="rId36"/>
+    <p:sldId id="307" r:id="rId37"/>
+    <p:sldId id="309" r:id="rId38"/>
+    <p:sldId id="308" r:id="rId39"/>
+    <p:sldId id="310" r:id="rId40"/>
+    <p:sldId id="312" r:id="rId41"/>
+    <p:sldId id="314" r:id="rId42"/>
+    <p:sldId id="313" r:id="rId43"/>
+    <p:sldId id="311" r:id="rId44"/>
+    <p:sldId id="315" r:id="rId45"/>
+    <p:sldId id="316" r:id="rId46"/>
+    <p:sldId id="317" r:id="rId47"/>
+    <p:sldId id="318" r:id="rId48"/>
+    <p:sldId id="319" r:id="rId49"/>
+    <p:sldId id="320" r:id="rId50"/>
+    <p:sldId id="322" r:id="rId51"/>
+    <p:sldId id="321" r:id="rId52"/>
+    <p:sldId id="323" r:id="rId53"/>
+    <p:sldId id="365" r:id="rId54"/>
   </p:sldIdLst>
   <p:sldSz cx="12192000" cy="6858000"/>
   <p:notesSz cx="7315200" cy="9601200"/>
@@ -174,10 +178,6 @@
 </p:presentation>
 </file>
 
-<file path=ppt/revisionInfo.xml><?xml version="1.0" encoding="utf-8"?>
-<p1510:revInfo xmlns:a="http://schemas.openxmlformats.org/drawingml/2006/main" xmlns:r="http://schemas.openxmlformats.org/officeDocument/2006/relationships" xmlns:p1510="http://schemas.microsoft.com/office/powerpoint/2015/10/main"/>
-</file>
-
 <file path=ppt/notesMasters/notesMaster1.xml><?xml version="1.0" encoding="utf-8"?>
 <p:notesMaster xmlns:a="http://schemas.openxmlformats.org/drawingml/2006/main" xmlns:r="http://schemas.openxmlformats.org/officeDocument/2006/relationships" xmlns:p="http://schemas.openxmlformats.org/presentationml/2006/main">
   <p:cSld>
@@ -260,7 +260,7 @@
           <a:p>
             <a:fld id="{B7D6DDD3-D7E9-488B-B626-1E8285E424D8}" type="datetimeFigureOut">
               <a:rPr lang="en-US" smtClean="0"/>
-              <a:t>10/26/2017</a:t>
+              <a:t>3/18/18</a:t>
             </a:fld>
             <a:endParaRPr lang="en-US"/>
           </a:p>
@@ -4090,7 +4090,23 @@
           <a:p>
             <a:r>
               <a:rPr lang="en-US" dirty="0"/>
-              <a:t>Prof. Sundeep rangan</a:t>
+              <a:t>Prof. </a:t>
+            </a:r>
+            <a:r>
+              <a:rPr lang="en-US" dirty="0" err="1"/>
+              <a:t>Sundeep</a:t>
+            </a:r>
+            <a:r>
+              <a:rPr lang="en-US" dirty="0"/>
+              <a:t> </a:t>
+            </a:r>
+            <a:r>
+              <a:rPr lang="en-US" dirty="0" err="1"/>
+              <a:t>rangan</a:t>
+            </a:r>
+            <a:r>
+              <a:rPr lang="en-US" dirty="0"/>
+              <a:t>, With Modification by Yao Wang</a:t>
             </a:r>
           </a:p>
         </p:txBody>
@@ -5936,8 +5952,8 @@
           </a:p>
         </p:txBody>
       </p:sp>
-      <mc:AlternateContent xmlns:mc="http://schemas.openxmlformats.org/markup-compatibility/2006" xmlns:a14="http://schemas.microsoft.com/office/drawing/2010/main">
-        <mc:Choice Requires="a14">
+      <mc:AlternateContent xmlns:mc="http://schemas.openxmlformats.org/markup-compatibility/2006">
+        <mc:Choice xmlns:a14="http://schemas.microsoft.com/office/drawing/2010/main" Requires="a14">
           <p:sp>
             <p:nvSpPr>
               <p:cNvPr id="3" name="Content Placeholder 2"/>
@@ -6495,10 +6511,10 @@
                       <m:t>=</m:t>
                     </m:r>
                     <m:r>
-                      <a:rPr lang="en-US" b="1" i="1" smtClean="0">
-                        <a:latin typeface="Cambria Math" panose="02040503050406030204" pitchFamily="18" charset="0"/>
-                      </a:rPr>
-                      <m:t>𝜶</m:t>
+                      <a:rPr lang="en-US" b="0" i="1" smtClean="0">
+                        <a:latin typeface="Cambria Math" panose="02040503050406030204" pitchFamily="18" charset="0"/>
+                      </a:rPr>
+                      <m:t>𝛼</m:t>
                     </m:r>
                     <m:sSub>
                       <m:sSubPr>
@@ -6616,7 +6632,7 @@
             </p:txBody>
           </p:sp>
         </mc:Choice>
-        <mc:Fallback xmlns="">
+        <mc:Fallback>
           <p:sp>
             <p:nvSpPr>
               <p:cNvPr id="3" name="Content Placeholder 2"/>
@@ -6631,7 +6647,7 @@
               <a:blipFill>
                 <a:blip r:embed="rId2"/>
                 <a:stretch>
-                  <a:fillRect l="-1455" t="-1268"/>
+                  <a:fillRect l="-1261" t="-1170"/>
                 </a:stretch>
               </a:blipFill>
             </p:spPr>
@@ -6909,7 +6925,7 @@
         <p:spPr>
           <a:xfrm>
             <a:off x="7319373" y="3242520"/>
-            <a:ext cx="3836307" cy="923330"/>
+            <a:ext cx="3818481" cy="923330"/>
           </a:xfrm>
           <a:prstGeom prst="rect">
             <a:avLst/>
@@ -7299,12 +7315,1016 @@
         </p:nvSpPr>
         <p:spPr/>
         <p:txBody>
+          <a:bodyPr>
+            <a:normAutofit fontScale="90000"/>
+          </a:bodyPr>
+          <a:lstStyle/>
+          <a:p>
+            <a:r>
+              <a:rPr lang="en-US" dirty="0"/>
+              <a:t>Linear </a:t>
+            </a:r>
+            <a:r>
+              <a:rPr lang="en-US" dirty="0" err="1"/>
+              <a:t>Separability</a:t>
+            </a:r>
+            <a:r>
+              <a:rPr lang="en-US" dirty="0"/>
+              <a:t> and Non-Uniqueness of Separating plane</a:t>
+            </a:r>
+          </a:p>
+        </p:txBody>
+      </p:sp>
+      <p:sp>
+        <p:nvSpPr>
+          <p:cNvPr id="3" name="Content Placeholder 2"/>
+          <p:cNvSpPr>
+            <a:spLocks noGrp="1"/>
+          </p:cNvSpPr>
+          <p:nvPr>
+            <p:ph idx="1"/>
+          </p:nvPr>
+        </p:nvSpPr>
+        <p:spPr>
+          <a:xfrm>
+            <a:off x="1097279" y="1539277"/>
+            <a:ext cx="6797784" cy="4329817"/>
+          </a:xfrm>
+        </p:spPr>
+        <p:txBody>
           <a:bodyPr/>
           <a:lstStyle/>
           <a:p>
             <a:r>
               <a:rPr lang="en-US" dirty="0"/>
-              <a:t>Recap:  Linear </a:t>
+              <a:t>When the samples are linearly separable, one can find a separating hyper-plane as a linear classifier.</a:t>
+            </a:r>
+          </a:p>
+          <a:p>
+            <a:r>
+              <a:rPr lang="en-US" dirty="0"/>
+              <a:t>Separating hyper-plane is not unique</a:t>
+            </a:r>
+          </a:p>
+          <a:p>
+            <a:r>
+              <a:rPr lang="en-US" dirty="0"/>
+              <a:t>Fig. on right:  Many separating planes</a:t>
+            </a:r>
+          </a:p>
+          <a:p>
+            <a:r>
+              <a:rPr lang="en-US" dirty="0"/>
+              <a:t>Which one is optimal?</a:t>
+            </a:r>
+          </a:p>
+          <a:p>
+            <a:pPr marL="0" indent="0">
+              <a:buNone/>
+            </a:pPr>
+            <a:endParaRPr lang="en-US" dirty="0"/>
+          </a:p>
+        </p:txBody>
+      </p:sp>
+      <p:sp>
+        <p:nvSpPr>
+          <p:cNvPr id="4" name="Slide Number Placeholder 3"/>
+          <p:cNvSpPr>
+            <a:spLocks noGrp="1"/>
+          </p:cNvSpPr>
+          <p:nvPr>
+            <p:ph type="sldNum" sz="quarter" idx="12"/>
+          </p:nvPr>
+        </p:nvSpPr>
+        <p:spPr/>
+        <p:txBody>
+          <a:bodyPr/>
+          <a:lstStyle/>
+          <a:p>
+            <a:fld id="{629637A9-119A-49DA-BD12-AAC58B377D80}" type="slidenum">
+              <a:rPr lang="en-US" smtClean="0"/>
+              <a:t>17</a:t>
+            </a:fld>
+            <a:endParaRPr lang="en-US" dirty="0"/>
+          </a:p>
+        </p:txBody>
+      </p:sp>
+      <p:pic>
+        <p:nvPicPr>
+          <p:cNvPr id="5" name="Picture 4"/>
+          <p:cNvPicPr>
+            <a:picLocks noChangeAspect="1"/>
+          </p:cNvPicPr>
+          <p:nvPr/>
+        </p:nvPicPr>
+        <p:blipFill>
+          <a:blip r:embed="rId2"/>
+          <a:stretch>
+            <a:fillRect/>
+          </a:stretch>
+        </p:blipFill>
+        <p:spPr>
+          <a:xfrm>
+            <a:off x="6486869" y="1875385"/>
+            <a:ext cx="4171950" cy="3657600"/>
+          </a:xfrm>
+          <a:prstGeom prst="rect">
+            <a:avLst/>
+          </a:prstGeom>
+        </p:spPr>
+      </p:pic>
+    </p:spTree>
+    <p:extLst>
+      <p:ext uri="{BB962C8B-B14F-4D97-AF65-F5344CB8AC3E}">
+        <p14:creationId xmlns:p14="http://schemas.microsoft.com/office/powerpoint/2010/main" val="272234515"/>
+      </p:ext>
+    </p:extLst>
+  </p:cSld>
+  <p:clrMapOvr>
+    <a:masterClrMapping/>
+  </p:clrMapOvr>
+</p:sld>
+</file>
+
+<file path=ppt/slides/slide18.xml><?xml version="1.0" encoding="utf-8"?>
+<p:sld xmlns:a="http://schemas.openxmlformats.org/drawingml/2006/main" xmlns:r="http://schemas.openxmlformats.org/officeDocument/2006/relationships" xmlns:p="http://schemas.openxmlformats.org/presentationml/2006/main">
+  <p:cSld>
+    <p:spTree>
+      <p:nvGrpSpPr>
+        <p:cNvPr id="1" name=""/>
+        <p:cNvGrpSpPr/>
+        <p:nvPr/>
+      </p:nvGrpSpPr>
+      <p:grpSpPr>
+        <a:xfrm>
+          <a:off x="0" y="0"/>
+          <a:ext cx="0" cy="0"/>
+          <a:chOff x="0" y="0"/>
+          <a:chExt cx="0" cy="0"/>
+        </a:xfrm>
+      </p:grpSpPr>
+      <p:sp>
+        <p:nvSpPr>
+          <p:cNvPr id="2" name="Title 1">
+            <a:extLst>
+              <a:ext uri="{FF2B5EF4-FFF2-40B4-BE49-F238E27FC236}">
+                <a16:creationId xmlns:a16="http://schemas.microsoft.com/office/drawing/2014/main" id="{BF8F08EE-8EB1-FA40-9B4E-8D1249A756E7}"/>
+              </a:ext>
+            </a:extLst>
+          </p:cNvPr>
+          <p:cNvSpPr>
+            <a:spLocks noGrp="1"/>
+          </p:cNvSpPr>
+          <p:nvPr>
+            <p:ph type="title"/>
+          </p:nvPr>
+        </p:nvSpPr>
+        <p:spPr/>
+        <p:txBody>
+          <a:bodyPr/>
+          <a:lstStyle/>
+          <a:p>
+            <a:r>
+              <a:rPr lang="en-US" dirty="0"/>
+              <a:t>Hyperplane Basics</a:t>
+            </a:r>
+          </a:p>
+        </p:txBody>
+      </p:sp>
+      <mc:AlternateContent xmlns:mc="http://schemas.openxmlformats.org/markup-compatibility/2006">
+        <mc:Choice xmlns:a14="http://schemas.microsoft.com/office/drawing/2010/main" Requires="a14">
+          <p:sp>
+            <p:nvSpPr>
+              <p:cNvPr id="3" name="Content Placeholder 2">
+                <a:extLst>
+                  <a:ext uri="{FF2B5EF4-FFF2-40B4-BE49-F238E27FC236}">
+                    <a16:creationId xmlns:a16="http://schemas.microsoft.com/office/drawing/2014/main" id="{C660992C-6D9B-684D-9648-F3AD0462877F}"/>
+                  </a:ext>
+                </a:extLst>
+              </p:cNvPr>
+              <p:cNvSpPr>
+                <a:spLocks noGrp="1"/>
+              </p:cNvSpPr>
+              <p:nvPr>
+                <p:ph idx="1"/>
+              </p:nvPr>
+            </p:nvSpPr>
+            <p:spPr/>
+            <p:txBody>
+              <a:bodyPr>
+                <a:normAutofit/>
+              </a:bodyPr>
+              <a:lstStyle/>
+              <a:p>
+                <a:r>
+                  <a:rPr lang="en-US" dirty="0"/>
+                  <a:t>A hyperplane in d-dimensional space is defined by</a:t>
+                </a:r>
+              </a:p>
+              <a:p>
+                <a:pPr marL="0" indent="0">
+                  <a:buNone/>
+                </a:pPr>
+                <a:endParaRPr lang="en-US" dirty="0"/>
+              </a:p>
+              <a:p>
+                <a:r>
+                  <a:rPr lang="en-US" dirty="0"/>
+                  <a:t>The parameters are unique only to a scaling factor: </a:t>
+                </a:r>
+              </a:p>
+              <a:p>
+                <a:pPr lvl="1"/>
+                <a14:m>
+                  <m:oMath xmlns:m="http://schemas.openxmlformats.org/officeDocument/2006/math">
+                    <m:r>
+                      <a:rPr lang="en-US" b="0" i="1" dirty="0" smtClean="0">
+                        <a:latin typeface="Cambria Math" panose="02040503050406030204" pitchFamily="18" charset="0"/>
+                      </a:rPr>
+                      <m:t>(</m:t>
+                    </m:r>
+                    <m:r>
+                      <a:rPr lang="en-US" b="0" i="1" dirty="0" smtClean="0">
+                        <a:latin typeface="Cambria Math" panose="02040503050406030204" pitchFamily="18" charset="0"/>
+                      </a:rPr>
+                      <m:t>𝑏</m:t>
+                    </m:r>
+                    <m:r>
+                      <a:rPr lang="en-US" b="0" i="1" dirty="0" smtClean="0">
+                        <a:latin typeface="Cambria Math" panose="02040503050406030204" pitchFamily="18" charset="0"/>
+                      </a:rPr>
+                      <m:t>,</m:t>
+                    </m:r>
+                    <m:r>
+                      <a:rPr lang="en-US" b="1" i="1" dirty="0" smtClean="0">
+                        <a:latin typeface="Cambria Math" panose="02040503050406030204" pitchFamily="18" charset="0"/>
+                      </a:rPr>
+                      <m:t>𝒘</m:t>
+                    </m:r>
+                    <m:r>
+                      <a:rPr lang="en-US" b="0" i="1" dirty="0" smtClean="0">
+                        <a:latin typeface="Cambria Math" panose="02040503050406030204" pitchFamily="18" charset="0"/>
+                      </a:rPr>
+                      <m:t>)</m:t>
+                    </m:r>
+                  </m:oMath>
+                </a14:m>
+                <a:r>
+                  <a:rPr lang="en-US" dirty="0"/>
+                  <a:t> and </a:t>
+                </a:r>
+                <a14:m>
+                  <m:oMath xmlns:m="http://schemas.openxmlformats.org/officeDocument/2006/math">
+                    <m:r>
+                      <a:rPr lang="en-US" b="0" i="1" smtClean="0">
+                        <a:latin typeface="Cambria Math" panose="02040503050406030204" pitchFamily="18" charset="0"/>
+                      </a:rPr>
+                      <m:t>(</m:t>
+                    </m:r>
+                    <m:r>
+                      <a:rPr lang="en-US" b="0" i="1" smtClean="0">
+                        <a:latin typeface="Cambria Math" panose="02040503050406030204" pitchFamily="18" charset="0"/>
+                        <a:ea typeface="Cambria Math" panose="02040503050406030204" pitchFamily="18" charset="0"/>
+                      </a:rPr>
+                      <m:t>𝛼</m:t>
+                    </m:r>
+                    <m:r>
+                      <a:rPr lang="en-US" b="0" i="1" smtClean="0">
+                        <a:latin typeface="Cambria Math" panose="02040503050406030204" pitchFamily="18" charset="0"/>
+                        <a:ea typeface="Cambria Math" panose="02040503050406030204" pitchFamily="18" charset="0"/>
+                      </a:rPr>
+                      <m:t>𝑏</m:t>
+                    </m:r>
+                    <m:r>
+                      <a:rPr lang="en-US" b="0" i="1" smtClean="0">
+                        <a:latin typeface="Cambria Math" panose="02040503050406030204" pitchFamily="18" charset="0"/>
+                        <a:ea typeface="Cambria Math" panose="02040503050406030204" pitchFamily="18" charset="0"/>
+                      </a:rPr>
+                      <m:t>,</m:t>
+                    </m:r>
+                    <m:r>
+                      <a:rPr lang="en-US" b="0" i="1" smtClean="0">
+                        <a:latin typeface="Cambria Math" panose="02040503050406030204" pitchFamily="18" charset="0"/>
+                        <a:ea typeface="Cambria Math" panose="02040503050406030204" pitchFamily="18" charset="0"/>
+                      </a:rPr>
+                      <m:t>𝛼</m:t>
+                    </m:r>
+                    <m:r>
+                      <a:rPr lang="en-US" b="1" i="1" smtClean="0">
+                        <a:latin typeface="Cambria Math" panose="02040503050406030204" pitchFamily="18" charset="0"/>
+                        <a:ea typeface="Cambria Math" panose="02040503050406030204" pitchFamily="18" charset="0"/>
+                      </a:rPr>
+                      <m:t>𝒘</m:t>
+                    </m:r>
+                    <m:r>
+                      <a:rPr lang="en-US" b="0" i="1" smtClean="0">
+                        <a:latin typeface="Cambria Math" panose="02040503050406030204" pitchFamily="18" charset="0"/>
+                        <a:ea typeface="Cambria Math" panose="02040503050406030204" pitchFamily="18" charset="0"/>
+                      </a:rPr>
+                      <m:t>)</m:t>
+                    </m:r>
+                  </m:oMath>
+                </a14:m>
+                <a:r>
+                  <a:rPr lang="en-US" dirty="0"/>
+                  <a:t> define the same plane.</a:t>
+                </a:r>
+              </a:p>
+              <a:p>
+                <a:pPr lvl="1"/>
+                <a:r>
+                  <a:rPr lang="en-US" dirty="0"/>
+                  <a:t>For unique definition, we can require </a:t>
+                </a:r>
+                <a14:m>
+                  <m:oMath xmlns:m="http://schemas.openxmlformats.org/officeDocument/2006/math">
+                    <m:d>
+                      <m:dPr>
+                        <m:begChr m:val="‖"/>
+                        <m:endChr m:val="‖"/>
+                        <m:ctrlPr>
+                          <a:rPr lang="en-US" i="1" smtClean="0">
+                            <a:latin typeface="Cambria Math" panose="02040503050406030204" pitchFamily="18" charset="0"/>
+                          </a:rPr>
+                        </m:ctrlPr>
+                      </m:dPr>
+                      <m:e>
+                        <m:r>
+                          <a:rPr lang="en-US" b="1" i="1" smtClean="0">
+                            <a:latin typeface="Cambria Math" panose="02040503050406030204" pitchFamily="18" charset="0"/>
+                          </a:rPr>
+                          <m:t>𝒘</m:t>
+                        </m:r>
+                        <m:r>
+                          <a:rPr lang="en-US" b="0" i="1" smtClean="0">
+                            <a:latin typeface="Cambria Math" panose="02040503050406030204" pitchFamily="18" charset="0"/>
+                          </a:rPr>
+                          <m:t> </m:t>
+                        </m:r>
+                      </m:e>
+                    </m:d>
+                  </m:oMath>
+                </a14:m>
+                <a:r>
+                  <a:rPr lang="en-US" dirty="0"/>
+                  <a:t>=1.</a:t>
+                </a:r>
+              </a:p>
+              <a:p>
+                <a:r>
+                  <a:rPr lang="en-US" dirty="0"/>
+                  <a:t>The norm vector to the hyperplane is </a:t>
+                </a:r>
+                <a14:m>
+                  <m:oMath xmlns:m="http://schemas.openxmlformats.org/officeDocument/2006/math">
+                    <m:r>
+                      <a:rPr lang="en-US" b="1" i="1" smtClean="0">
+                        <a:latin typeface="Cambria Math" panose="02040503050406030204" pitchFamily="18" charset="0"/>
+                      </a:rPr>
+                      <m:t>𝒘</m:t>
+                    </m:r>
+                    <m:r>
+                      <a:rPr lang="en-US" b="0" i="1" smtClean="0">
+                        <a:latin typeface="Cambria Math" panose="02040503050406030204" pitchFamily="18" charset="0"/>
+                      </a:rPr>
+                      <m:t>/</m:t>
+                    </m:r>
+                    <m:d>
+                      <m:dPr>
+                        <m:begChr m:val="‖"/>
+                        <m:endChr m:val="‖"/>
+                        <m:ctrlPr>
+                          <a:rPr lang="en-US" i="1">
+                            <a:latin typeface="Cambria Math" panose="02040503050406030204" pitchFamily="18" charset="0"/>
+                          </a:rPr>
+                        </m:ctrlPr>
+                      </m:dPr>
+                      <m:e>
+                        <m:r>
+                          <a:rPr lang="en-US" b="1" i="1">
+                            <a:latin typeface="Cambria Math" panose="02040503050406030204" pitchFamily="18" charset="0"/>
+                          </a:rPr>
+                          <m:t>𝒘</m:t>
+                        </m:r>
+                        <m:r>
+                          <a:rPr lang="en-US" b="0" i="1" smtClean="0">
+                            <a:latin typeface="Cambria Math" panose="02040503050406030204" pitchFamily="18" charset="0"/>
+                          </a:rPr>
+                          <m:t> </m:t>
+                        </m:r>
+                      </m:e>
+                    </m:d>
+                  </m:oMath>
+                </a14:m>
+                <a:r>
+                  <a:rPr lang="en-US" dirty="0"/>
+                  <a:t>.</a:t>
+                </a:r>
+              </a:p>
+              <a:p>
+                <a:r>
+                  <a:rPr lang="en-US" dirty="0"/>
+                  <a:t>Distance of any point </a:t>
+                </a:r>
+                <a:r>
+                  <a:rPr lang="en-US" b="1" dirty="0"/>
+                  <a:t>x</a:t>
+                </a:r>
+                <a:r>
+                  <a:rPr lang="en-US" dirty="0"/>
+                  <a:t> to the hyperplane is </a:t>
+                </a:r>
+                <a14:m>
+                  <m:oMath xmlns:m="http://schemas.openxmlformats.org/officeDocument/2006/math">
+                    <m:r>
+                      <a:rPr lang="en-US" b="0" i="1" smtClean="0">
+                        <a:latin typeface="Cambria Math" panose="02040503050406030204" pitchFamily="18" charset="0"/>
+                      </a:rPr>
+                      <m:t>𝑓</m:t>
+                    </m:r>
+                    <m:r>
+                      <a:rPr lang="en-US" b="0" i="1" smtClean="0">
+                        <a:latin typeface="Cambria Math" panose="02040503050406030204" pitchFamily="18" charset="0"/>
+                      </a:rPr>
+                      <m:t>(</m:t>
+                    </m:r>
+                    <m:r>
+                      <a:rPr lang="en-US" b="1" i="1" smtClean="0">
+                        <a:latin typeface="Cambria Math" panose="02040503050406030204" pitchFamily="18" charset="0"/>
+                      </a:rPr>
+                      <m:t>𝒙</m:t>
+                    </m:r>
+                    <m:r>
+                      <a:rPr lang="en-US" b="0" i="1" smtClean="0">
+                        <a:latin typeface="Cambria Math" panose="02040503050406030204" pitchFamily="18" charset="0"/>
+                      </a:rPr>
+                      <m:t>)</m:t>
+                    </m:r>
+                    <m:r>
+                      <a:rPr lang="en-US" i="1">
+                        <a:latin typeface="Cambria Math" panose="02040503050406030204" pitchFamily="18" charset="0"/>
+                      </a:rPr>
+                      <m:t>/</m:t>
+                    </m:r>
+                    <m:d>
+                      <m:dPr>
+                        <m:begChr m:val="‖"/>
+                        <m:endChr m:val="‖"/>
+                        <m:ctrlPr>
+                          <a:rPr lang="en-US" i="1">
+                            <a:latin typeface="Cambria Math" panose="02040503050406030204" pitchFamily="18" charset="0"/>
+                          </a:rPr>
+                        </m:ctrlPr>
+                      </m:dPr>
+                      <m:e>
+                        <m:r>
+                          <a:rPr lang="en-US" b="1" i="1">
+                            <a:latin typeface="Cambria Math" panose="02040503050406030204" pitchFamily="18" charset="0"/>
+                          </a:rPr>
+                          <m:t>𝒘</m:t>
+                        </m:r>
+                        <m:r>
+                          <a:rPr lang="en-US" b="0" i="1" smtClean="0">
+                            <a:latin typeface="Cambria Math" panose="02040503050406030204" pitchFamily="18" charset="0"/>
+                          </a:rPr>
+                          <m:t> </m:t>
+                        </m:r>
+                      </m:e>
+                    </m:d>
+                  </m:oMath>
+                </a14:m>
+                <a:r>
+                  <a:rPr lang="en-US" dirty="0"/>
+                  <a:t>, where </a:t>
+                </a:r>
+                <a14:m>
+                  <m:oMath xmlns:m="http://schemas.openxmlformats.org/officeDocument/2006/math">
+                    <m:r>
+                      <a:rPr lang="en-US" i="1">
+                        <a:latin typeface="Cambria Math" panose="02040503050406030204" pitchFamily="18" charset="0"/>
+                      </a:rPr>
+                      <m:t>𝑓</m:t>
+                    </m:r>
+                    <m:d>
+                      <m:dPr>
+                        <m:ctrlPr>
+                          <a:rPr lang="en-US" i="1">
+                            <a:latin typeface="Cambria Math" panose="02040503050406030204" pitchFamily="18" charset="0"/>
+                          </a:rPr>
+                        </m:ctrlPr>
+                      </m:dPr>
+                      <m:e>
+                        <m:r>
+                          <a:rPr lang="en-US" b="1" i="1">
+                            <a:latin typeface="Cambria Math" panose="02040503050406030204" pitchFamily="18" charset="0"/>
+                          </a:rPr>
+                          <m:t>𝒙</m:t>
+                        </m:r>
+                      </m:e>
+                    </m:d>
+                    <m:r>
+                      <a:rPr lang="en-US" b="0" i="1" smtClean="0">
+                        <a:latin typeface="Cambria Math" panose="02040503050406030204" pitchFamily="18" charset="0"/>
+                      </a:rPr>
+                      <m:t>=</m:t>
+                    </m:r>
+                    <m:r>
+                      <a:rPr lang="en-US" b="0" i="1" smtClean="0">
+                        <a:latin typeface="Cambria Math" panose="02040503050406030204" pitchFamily="18" charset="0"/>
+                      </a:rPr>
+                      <m:t>𝑏</m:t>
+                    </m:r>
+                    <m:r>
+                      <a:rPr lang="en-US" b="0" i="1" smtClean="0">
+                        <a:latin typeface="Cambria Math" panose="02040503050406030204" pitchFamily="18" charset="0"/>
+                      </a:rPr>
+                      <m:t>+</m:t>
+                    </m:r>
+                    <m:sSup>
+                      <m:sSupPr>
+                        <m:ctrlPr>
+                          <a:rPr lang="en-US" b="0" i="1" smtClean="0">
+                            <a:latin typeface="Cambria Math" panose="02040503050406030204" pitchFamily="18" charset="0"/>
+                          </a:rPr>
+                        </m:ctrlPr>
+                      </m:sSupPr>
+                      <m:e>
+                        <m:r>
+                          <a:rPr lang="en-US" b="1" i="1">
+                            <a:latin typeface="Cambria Math" panose="02040503050406030204" pitchFamily="18" charset="0"/>
+                          </a:rPr>
+                          <m:t>𝒘</m:t>
+                        </m:r>
+                      </m:e>
+                      <m:sup>
+                        <m:r>
+                          <a:rPr lang="en-US" b="0" i="1" smtClean="0">
+                            <a:latin typeface="Cambria Math" panose="02040503050406030204" pitchFamily="18" charset="0"/>
+                          </a:rPr>
+                          <m:t>𝑇</m:t>
+                        </m:r>
+                      </m:sup>
+                    </m:sSup>
+                  </m:oMath>
+                </a14:m>
+                <a:r>
+                  <a:rPr lang="en-US" b="1" dirty="0"/>
+                  <a:t> </a:t>
+                </a:r>
+                <a14:m>
+                  <m:oMath xmlns:m="http://schemas.openxmlformats.org/officeDocument/2006/math">
+                    <m:r>
+                      <a:rPr lang="en-US" b="1" i="1">
+                        <a:latin typeface="Cambria Math" panose="02040503050406030204" pitchFamily="18" charset="0"/>
+                      </a:rPr>
+                      <m:t>𝒙</m:t>
+                    </m:r>
+                  </m:oMath>
+                </a14:m>
+                <a:r>
+                  <a:rPr lang="en-US" dirty="0"/>
+                  <a:t>.</a:t>
+                </a:r>
+              </a:p>
+              <a:p>
+                <a:r>
+                  <a:rPr lang="en-US" dirty="0"/>
+                  <a:t>See ESL Sec. 4.5.</a:t>
+                </a:r>
+              </a:p>
+              <a:p>
+                <a:endParaRPr lang="en-US" dirty="0"/>
+              </a:p>
+              <a:p>
+                <a:r>
+                  <a:rPr lang="en-US" dirty="0"/>
+                  <a:t>ESL: Hastie, </a:t>
+                </a:r>
+                <a:r>
+                  <a:rPr lang="en-US" dirty="0" err="1"/>
+                  <a:t>Tibshirani</a:t>
+                </a:r>
+                <a:r>
+                  <a:rPr lang="en-US" dirty="0"/>
+                  <a:t>, Friedman, “The Elements of Statistical Learning”. 2</a:t>
+                </a:r>
+                <a:r>
+                  <a:rPr lang="en-US" baseline="30000" dirty="0"/>
+                  <a:t>nd</a:t>
+                </a:r>
+                <a:r>
+                  <a:rPr lang="en-US" dirty="0"/>
+                  <a:t> Ed. Springer.</a:t>
+                </a:r>
+              </a:p>
+              <a:p>
+                <a:pPr marL="0" indent="0">
+                  <a:buNone/>
+                </a:pPr>
+                <a:endParaRPr lang="en-US" dirty="0"/>
+              </a:p>
+              <a:p>
+                <a:endParaRPr lang="en-US" dirty="0"/>
+              </a:p>
+            </p:txBody>
+          </p:sp>
+        </mc:Choice>
+        <mc:Fallback>
+          <p:sp>
+            <p:nvSpPr>
+              <p:cNvPr id="3" name="Content Placeholder 2">
+                <a:extLst>
+                  <a:ext uri="{FF2B5EF4-FFF2-40B4-BE49-F238E27FC236}">
+                    <a16:creationId xmlns:a16="http://schemas.microsoft.com/office/drawing/2014/main" id="{C660992C-6D9B-684D-9648-F3AD0462877F}"/>
+                  </a:ext>
+                </a:extLst>
+              </p:cNvPr>
+              <p:cNvSpPr>
+                <a:spLocks noGrp="1" noRot="1" noChangeAspect="1" noMove="1" noResize="1" noEditPoints="1" noAdjustHandles="1" noChangeArrowheads="1" noChangeShapeType="1" noTextEdit="1"/>
+              </p:cNvSpPr>
+              <p:nvPr>
+                <p:ph idx="1"/>
+              </p:nvPr>
+            </p:nvSpPr>
+            <p:spPr>
+              <a:blipFill>
+                <a:blip r:embed="rId2"/>
+                <a:stretch>
+                  <a:fillRect l="-1261" t="-1462"/>
+                </a:stretch>
+              </a:blipFill>
+            </p:spPr>
+            <p:txBody>
+              <a:bodyPr/>
+              <a:lstStyle/>
+              <a:p>
+                <a:r>
+                  <a:rPr lang="en-US">
+                    <a:noFill/>
+                  </a:rPr>
+                  <a:t> </a:t>
+                </a:r>
+              </a:p>
+            </p:txBody>
+          </p:sp>
+        </mc:Fallback>
+      </mc:AlternateContent>
+      <p:sp>
+        <p:nvSpPr>
+          <p:cNvPr id="4" name="Slide Number Placeholder 3">
+            <a:extLst>
+              <a:ext uri="{FF2B5EF4-FFF2-40B4-BE49-F238E27FC236}">
+                <a16:creationId xmlns:a16="http://schemas.microsoft.com/office/drawing/2014/main" id="{641806F9-7937-DF48-ACF6-9B14DD109D3D}"/>
+              </a:ext>
+            </a:extLst>
+          </p:cNvPr>
+          <p:cNvSpPr>
+            <a:spLocks noGrp="1"/>
+          </p:cNvSpPr>
+          <p:nvPr>
+            <p:ph type="sldNum" sz="quarter" idx="12"/>
+          </p:nvPr>
+        </p:nvSpPr>
+        <p:spPr/>
+        <p:txBody>
+          <a:bodyPr/>
+          <a:lstStyle/>
+          <a:p>
+            <a:fld id="{629637A9-119A-49DA-BD12-AAC58B377D80}" type="slidenum">
+              <a:rPr lang="en-US" smtClean="0"/>
+              <a:t>18</a:t>
+            </a:fld>
+            <a:endParaRPr lang="en-US" dirty="0"/>
+          </a:p>
+        </p:txBody>
+      </p:sp>
+      <mc:AlternateContent xmlns:mc="http://schemas.openxmlformats.org/markup-compatibility/2006">
+        <mc:Choice xmlns:a14="http://schemas.microsoft.com/office/drawing/2010/main" Requires="a14">
+          <p:sp>
+            <p:nvSpPr>
+              <p:cNvPr id="6" name="Rectangle 5">
+                <a:extLst>
+                  <a:ext uri="{FF2B5EF4-FFF2-40B4-BE49-F238E27FC236}">
+                    <a16:creationId xmlns:a16="http://schemas.microsoft.com/office/drawing/2014/main" id="{10618259-A60A-B441-B917-475184B1DF3F}"/>
+                  </a:ext>
+                </a:extLst>
+              </p:cNvPr>
+              <p:cNvSpPr/>
+              <p:nvPr/>
+            </p:nvSpPr>
+            <p:spPr>
+              <a:xfrm>
+                <a:off x="2657168" y="2005843"/>
+                <a:ext cx="4311052" cy="369332"/>
+              </a:xfrm>
+              <a:prstGeom prst="rect">
+                <a:avLst/>
+              </a:prstGeom>
+            </p:spPr>
+            <p:txBody>
+              <a:bodyPr wrap="none">
+                <a:spAutoFit/>
+              </a:bodyPr>
+              <a:lstStyle/>
+              <a:p>
+                <a14:m>
+                  <m:oMathPara xmlns:m="http://schemas.openxmlformats.org/officeDocument/2006/math">
+                    <m:oMathParaPr>
+                      <m:jc m:val="centerGroup"/>
+                    </m:oMathParaPr>
+                    <m:oMath xmlns:m="http://schemas.openxmlformats.org/officeDocument/2006/math">
+                      <m:r>
+                        <a:rPr lang="en-US" i="1" smtClean="0">
+                          <a:latin typeface="Cambria Math" panose="02040503050406030204" pitchFamily="18" charset="0"/>
+                        </a:rPr>
+                        <m:t>𝑏</m:t>
+                      </m:r>
+                      <m:r>
+                        <a:rPr lang="en-US">
+                          <a:latin typeface="Cambria Math" panose="02040503050406030204" pitchFamily="18" charset="0"/>
+                        </a:rPr>
+                        <m:t>+</m:t>
+                      </m:r>
+                      <m:sSub>
+                        <m:sSubPr>
+                          <m:ctrlPr>
+                            <a:rPr lang="en-US" i="1">
+                              <a:latin typeface="Cambria Math" panose="02040503050406030204" pitchFamily="18" charset="0"/>
+                            </a:rPr>
+                          </m:ctrlPr>
+                        </m:sSubPr>
+                        <m:e>
+                          <m:r>
+                            <a:rPr lang="en-US" i="1">
+                              <a:latin typeface="Cambria Math" panose="02040503050406030204" pitchFamily="18" charset="0"/>
+                            </a:rPr>
+                            <m:t>𝑤</m:t>
+                          </m:r>
+                        </m:e>
+                        <m:sub>
+                          <m:r>
+                            <a:rPr lang="en-US" i="1">
+                              <a:latin typeface="Cambria Math" panose="02040503050406030204" pitchFamily="18" charset="0"/>
+                            </a:rPr>
+                            <m:t>1</m:t>
+                          </m:r>
+                        </m:sub>
+                      </m:sSub>
+                      <m:sSub>
+                        <m:sSubPr>
+                          <m:ctrlPr>
+                            <a:rPr lang="en-US" i="1">
+                              <a:latin typeface="Cambria Math" panose="02040503050406030204" pitchFamily="18" charset="0"/>
+                            </a:rPr>
+                          </m:ctrlPr>
+                        </m:sSubPr>
+                        <m:e>
+                          <m:r>
+                            <a:rPr lang="en-US" i="1">
+                              <a:latin typeface="Cambria Math" panose="02040503050406030204" pitchFamily="18" charset="0"/>
+                            </a:rPr>
+                            <m:t>𝑥</m:t>
+                          </m:r>
+                        </m:e>
+                        <m:sub>
+                          <m:r>
+                            <a:rPr lang="en-US" i="1">
+                              <a:latin typeface="Cambria Math" panose="02040503050406030204" pitchFamily="18" charset="0"/>
+                            </a:rPr>
+                            <m:t>1</m:t>
+                          </m:r>
+                        </m:sub>
+                      </m:sSub>
+                      <m:r>
+                        <a:rPr lang="en-US" i="1">
+                          <a:latin typeface="Cambria Math" panose="02040503050406030204" pitchFamily="18" charset="0"/>
+                        </a:rPr>
+                        <m:t>+⋯</m:t>
+                      </m:r>
+                      <m:sSub>
+                        <m:sSubPr>
+                          <m:ctrlPr>
+                            <a:rPr lang="en-US" i="1">
+                              <a:latin typeface="Cambria Math" panose="02040503050406030204" pitchFamily="18" charset="0"/>
+                            </a:rPr>
+                          </m:ctrlPr>
+                        </m:sSubPr>
+                        <m:e>
+                          <m:r>
+                            <a:rPr lang="en-US" i="1">
+                              <a:latin typeface="Cambria Math" panose="02040503050406030204" pitchFamily="18" charset="0"/>
+                            </a:rPr>
+                            <m:t>𝑤</m:t>
+                          </m:r>
+                        </m:e>
+                        <m:sub>
+                          <m:r>
+                            <a:rPr lang="en-US" i="1">
+                              <a:latin typeface="Cambria Math" panose="02040503050406030204" pitchFamily="18" charset="0"/>
+                            </a:rPr>
+                            <m:t>𝑑</m:t>
+                          </m:r>
+                        </m:sub>
+                      </m:sSub>
+                      <m:sSub>
+                        <m:sSubPr>
+                          <m:ctrlPr>
+                            <a:rPr lang="en-US" i="1">
+                              <a:latin typeface="Cambria Math" panose="02040503050406030204" pitchFamily="18" charset="0"/>
+                            </a:rPr>
+                          </m:ctrlPr>
+                        </m:sSubPr>
+                        <m:e>
+                          <m:r>
+                            <a:rPr lang="en-US" i="1">
+                              <a:latin typeface="Cambria Math" panose="02040503050406030204" pitchFamily="18" charset="0"/>
+                            </a:rPr>
+                            <m:t>𝑥</m:t>
+                          </m:r>
+                        </m:e>
+                        <m:sub>
+                          <m:r>
+                            <a:rPr lang="en-US" i="1">
+                              <a:latin typeface="Cambria Math" panose="02040503050406030204" pitchFamily="18" charset="0"/>
+                            </a:rPr>
+                            <m:t>𝑑</m:t>
+                          </m:r>
+                        </m:sub>
+                      </m:sSub>
+                      <m:r>
+                        <a:rPr lang="en-US" b="0" i="0" smtClean="0">
+                          <a:latin typeface="Cambria Math" panose="02040503050406030204" pitchFamily="18" charset="0"/>
+                        </a:rPr>
+                        <m:t>=</m:t>
+                      </m:r>
+                      <m:r>
+                        <a:rPr lang="en-US" b="0" i="1" smtClean="0">
+                          <a:latin typeface="Cambria Math" panose="02040503050406030204" pitchFamily="18" charset="0"/>
+                        </a:rPr>
+                        <m:t>0  </m:t>
+                      </m:r>
+                      <m:r>
+                        <a:rPr lang="en-US" b="0" i="1" smtClean="0">
+                          <a:latin typeface="Cambria Math" panose="02040503050406030204" pitchFamily="18" charset="0"/>
+                        </a:rPr>
+                        <m:t>𝑜𝑟</m:t>
+                      </m:r>
+                      <m:r>
+                        <a:rPr lang="en-US" b="0" i="1" smtClean="0">
+                          <a:latin typeface="Cambria Math" panose="02040503050406030204" pitchFamily="18" charset="0"/>
+                        </a:rPr>
+                        <m:t>  </m:t>
+                      </m:r>
+                      <m:r>
+                        <a:rPr lang="en-US" i="1">
+                          <a:latin typeface="Cambria Math" panose="02040503050406030204" pitchFamily="18" charset="0"/>
+                        </a:rPr>
+                        <m:t>𝑏</m:t>
+                      </m:r>
+                      <m:r>
+                        <a:rPr lang="en-US" b="0" i="0" smtClean="0">
+                          <a:latin typeface="Cambria Math" panose="02040503050406030204" pitchFamily="18" charset="0"/>
+                        </a:rPr>
+                        <m:t>+</m:t>
+                      </m:r>
+                      <m:sSup>
+                        <m:sSupPr>
+                          <m:ctrlPr>
+                            <a:rPr lang="en-US" b="0" i="1" smtClean="0">
+                              <a:latin typeface="Cambria Math" panose="02040503050406030204" pitchFamily="18" charset="0"/>
+                            </a:rPr>
+                          </m:ctrlPr>
+                        </m:sSupPr>
+                        <m:e>
+                          <m:r>
+                            <a:rPr lang="en-US" b="1" i="1" smtClean="0">
+                              <a:latin typeface="Cambria Math" panose="02040503050406030204" pitchFamily="18" charset="0"/>
+                            </a:rPr>
+                            <m:t>𝒘</m:t>
+                          </m:r>
+                        </m:e>
+                        <m:sup>
+                          <m:r>
+                            <a:rPr lang="en-US" b="0" i="1" smtClean="0">
+                              <a:latin typeface="Cambria Math" panose="02040503050406030204" pitchFamily="18" charset="0"/>
+                            </a:rPr>
+                            <m:t>𝑇</m:t>
+                          </m:r>
+                        </m:sup>
+                      </m:sSup>
+                      <m:r>
+                        <a:rPr lang="en-US" b="1" i="1" smtClean="0">
+                          <a:latin typeface="Cambria Math" panose="02040503050406030204" pitchFamily="18" charset="0"/>
+                        </a:rPr>
+                        <m:t>𝒙</m:t>
+                      </m:r>
+                      <m:r>
+                        <a:rPr lang="en-US" b="0" i="0" smtClean="0">
+                          <a:latin typeface="Cambria Math" panose="02040503050406030204" pitchFamily="18" charset="0"/>
+                        </a:rPr>
+                        <m:t>=0</m:t>
+                      </m:r>
+                    </m:oMath>
+                  </m:oMathPara>
+                </a14:m>
+                <a:endParaRPr lang="en-US" dirty="0"/>
+              </a:p>
+            </p:txBody>
+          </p:sp>
+        </mc:Choice>
+        <mc:Fallback>
+          <p:sp>
+            <p:nvSpPr>
+              <p:cNvPr id="6" name="Rectangle 5">
+                <a:extLst>
+                  <a:ext uri="{FF2B5EF4-FFF2-40B4-BE49-F238E27FC236}">
+                    <a16:creationId xmlns:a16="http://schemas.microsoft.com/office/drawing/2014/main" id="{10618259-A60A-B441-B917-475184B1DF3F}"/>
+                  </a:ext>
+                </a:extLst>
+              </p:cNvPr>
+              <p:cNvSpPr>
+                <a:spLocks noRot="1" noChangeAspect="1" noMove="1" noResize="1" noEditPoints="1" noAdjustHandles="1" noChangeArrowheads="1" noChangeShapeType="1" noTextEdit="1"/>
+              </p:cNvSpPr>
+              <p:nvPr/>
+            </p:nvSpPr>
+            <p:spPr>
+              <a:xfrm>
+                <a:off x="2657168" y="2005843"/>
+                <a:ext cx="4311052" cy="369332"/>
+              </a:xfrm>
+              <a:prstGeom prst="rect">
+                <a:avLst/>
+              </a:prstGeom>
+              <a:blipFill>
+                <a:blip r:embed="rId3"/>
+                <a:stretch>
+                  <a:fillRect b="-16667"/>
+                </a:stretch>
+              </a:blipFill>
+            </p:spPr>
+            <p:txBody>
+              <a:bodyPr/>
+              <a:lstStyle/>
+              <a:p>
+                <a:r>
+                  <a:rPr lang="en-US">
+                    <a:noFill/>
+                  </a:rPr>
+                  <a:t> </a:t>
+                </a:r>
+              </a:p>
+            </p:txBody>
+          </p:sp>
+        </mc:Fallback>
+      </mc:AlternateContent>
+    </p:spTree>
+    <p:extLst>
+      <p:ext uri="{BB962C8B-B14F-4D97-AF65-F5344CB8AC3E}">
+        <p14:creationId xmlns:p14="http://schemas.microsoft.com/office/powerpoint/2010/main" val="113862100"/>
+      </p:ext>
+    </p:extLst>
+  </p:cSld>
+  <p:clrMapOvr>
+    <a:masterClrMapping/>
+  </p:clrMapOvr>
+</p:sld>
+</file>
+
+<file path=ppt/slides/slide19.xml><?xml version="1.0" encoding="utf-8"?>
+<p:sld xmlns:a="http://schemas.openxmlformats.org/drawingml/2006/main" xmlns:r="http://schemas.openxmlformats.org/officeDocument/2006/relationships" xmlns:p="http://schemas.openxmlformats.org/presentationml/2006/main">
+  <p:cSld>
+    <p:spTree>
+      <p:nvGrpSpPr>
+        <p:cNvPr id="1" name=""/>
+        <p:cNvGrpSpPr/>
+        <p:nvPr/>
+      </p:nvGrpSpPr>
+      <p:grpSpPr>
+        <a:xfrm>
+          <a:off x="0" y="0"/>
+          <a:ext cx="0" cy="0"/>
+          <a:chOff x="0" y="0"/>
+          <a:chExt cx="0" cy="0"/>
+        </a:xfrm>
+      </p:grpSpPr>
+      <p:sp>
+        <p:nvSpPr>
+          <p:cNvPr id="2" name="Title 1"/>
+          <p:cNvSpPr>
+            <a:spLocks noGrp="1"/>
+          </p:cNvSpPr>
+          <p:nvPr>
+            <p:ph type="title"/>
+          </p:nvPr>
+        </p:nvSpPr>
+        <p:spPr/>
+        <p:txBody>
+          <a:bodyPr/>
+          <a:lstStyle/>
+          <a:p>
+            <a:r>
+              <a:rPr lang="en-US" dirty="0"/>
+              <a:t>Recap: Linear </a:t>
             </a:r>
             <a:r>
               <a:rPr lang="en-US" dirty="0" err="1"/>
@@ -7317,8 +8337,8 @@
           </a:p>
         </p:txBody>
       </p:sp>
-      <mc:AlternateContent xmlns:mc="http://schemas.openxmlformats.org/markup-compatibility/2006" xmlns:a14="http://schemas.microsoft.com/office/drawing/2010/main">
-        <mc:Choice Requires="a14">
+      <mc:AlternateContent xmlns:mc="http://schemas.openxmlformats.org/markup-compatibility/2006">
+        <mc:Choice xmlns:a14="http://schemas.microsoft.com/office/drawing/2010/main" Requires="a14">
           <p:sp>
             <p:nvSpPr>
               <p:cNvPr id="3" name="Content Placeholder 2"/>
@@ -7332,7 +8352,7 @@
             <p:spPr>
               <a:xfrm>
                 <a:off x="1097280" y="1539277"/>
-                <a:ext cx="7656427" cy="4329817"/>
+                <a:ext cx="8249514" cy="4337541"/>
               </a:xfrm>
             </p:spPr>
             <p:txBody>
@@ -7590,11 +8610,37 @@
                 </a14:m>
                 <a:r>
                   <a:rPr lang="en-US" dirty="0"/>
-                  <a:t> </a:t>
+                  <a:t> and </a:t>
+                </a:r>
+                <a14:m>
+                  <m:oMath xmlns:m="http://schemas.openxmlformats.org/officeDocument/2006/math">
+                    <m:r>
+                      <a:rPr lang="en-US" i="1">
+                        <a:latin typeface="Cambria Math" panose="02040503050406030204" pitchFamily="18" charset="0"/>
+                      </a:rPr>
+                      <m:t>𝛾</m:t>
+                    </m:r>
+                    <m:r>
+                      <a:rPr lang="en-US" b="0" i="1" smtClean="0">
+                        <a:latin typeface="Cambria Math" panose="02040503050406030204" pitchFamily="18" charset="0"/>
+                      </a:rPr>
+                      <m:t>&gt;0</m:t>
+                    </m:r>
+                    <m:r>
+                      <a:rPr lang="en-US" i="1">
+                        <a:latin typeface="Cambria Math" panose="02040503050406030204" pitchFamily="18" charset="0"/>
+                      </a:rPr>
+                      <m:t> </m:t>
+                    </m:r>
+                  </m:oMath>
+                </a14:m>
+                <a:r>
+                  <a:rPr lang="en-US" dirty="0"/>
+                  <a:t>s</a:t>
                 </a:r>
                 <a:r>
                   <a:rPr lang="en-US" dirty="0" err="1"/>
-                  <a:t>s.t.</a:t>
+                  <a:t>.t.</a:t>
                 </a:r>
                 <a:r>
                   <a:rPr lang="en-US" dirty="0"/>
@@ -8018,7 +9064,31 @@
                       <a:rPr lang="en-US" b="1" i="1" smtClean="0">
                         <a:latin typeface="Cambria Math" panose="02040503050406030204" pitchFamily="18" charset="0"/>
                       </a:rPr>
+                      <m:t>(</m:t>
+                    </m:r>
+                    <m:r>
+                      <a:rPr lang="en-US" b="1" i="1" smtClean="0">
+                        <a:latin typeface="Cambria Math" panose="02040503050406030204" pitchFamily="18" charset="0"/>
+                      </a:rPr>
                       <m:t>𝒘</m:t>
+                    </m:r>
+                    <m:r>
+                      <a:rPr lang="en-US" b="1" i="1" smtClean="0">
+                        <a:latin typeface="Cambria Math" panose="02040503050406030204" pitchFamily="18" charset="0"/>
+                      </a:rPr>
+                      <m:t>,</m:t>
+                    </m:r>
+                    <m:r>
+                      <a:rPr lang="en-US" b="0" i="1" smtClean="0">
+                        <a:latin typeface="Cambria Math" panose="02040503050406030204" pitchFamily="18" charset="0"/>
+                      </a:rPr>
+                      <m:t>𝑏</m:t>
+                    </m:r>
+                    <m:r>
+                      <a:rPr lang="en-US" b="0" i="1" smtClean="0">
+                        <a:latin typeface="Cambria Math" panose="02040503050406030204" pitchFamily="18" charset="0"/>
+                      </a:rPr>
+                      <m:t>)</m:t>
                     </m:r>
                   </m:oMath>
                 </a14:m>
@@ -8032,7 +9102,7 @@
                   <a:rPr lang="en-US" dirty="0">
                     <a:cs typeface="Arial" panose="020B0604020202020204" pitchFamily="34" charset="0"/>
                   </a:rPr>
-                  <a:t>is the </a:t>
+                  <a:t>defines the </a:t>
                 </a:r>
                 <a:r>
                   <a:rPr lang="en-US" dirty="0">
@@ -8046,11 +9116,16 @@
                   </a:rPr>
                   <a:t>separating hyperplane</a:t>
                 </a:r>
-                <a:r>
-                  <a:rPr lang="en-US" dirty="0">
+                <a:endParaRPr lang="en-US" dirty="0">
+                  <a:cs typeface="Arial" panose="020B0604020202020204" pitchFamily="34" charset="0"/>
+                </a:endParaRPr>
+              </a:p>
+              <a:p>
+                <a:r>
+                  <a:rPr lang="en-US" b="0" dirty="0">
                     <a:cs typeface="Arial" panose="020B0604020202020204" pitchFamily="34" charset="0"/>
                   </a:rPr>
-                  <a:t>, </a:t>
+                  <a:t> </a:t>
                 </a:r>
                 <a14:m>
                   <m:oMath xmlns:m="http://schemas.openxmlformats.org/officeDocument/2006/math">
@@ -8075,30 +9150,15 @@
                       </a:schemeClr>
                     </a:solidFill>
                   </a:rPr>
-                  <a:t>margin</a:t>
-                </a:r>
-              </a:p>
-              <a:p>
-                <a14:m>
-                  <m:oMath xmlns:m="http://schemas.openxmlformats.org/officeDocument/2006/math">
-                    <m:r>
-                      <a:rPr lang="en-US" i="1" dirty="0" smtClean="0">
-                        <a:solidFill>
-                          <a:schemeClr val="tx1"/>
-                        </a:solidFill>
-                        <a:latin typeface="Cambria Math" panose="02040503050406030204" pitchFamily="18" charset="0"/>
-                      </a:rPr>
-                      <m:t>𝑏</m:t>
-                    </m:r>
-                  </m:oMath>
-                </a14:m>
+                  <a:t>margin: </a:t>
+                </a:r>
                 <a:r>
                   <a:rPr lang="en-US" dirty="0">
                     <a:solidFill>
                       <a:schemeClr val="tx1"/>
                     </a:solidFill>
                   </a:rPr>
-                  <a:t> is the </a:t>
+                  <a:t>the</a:t>
                 </a:r>
                 <a:r>
                   <a:rPr lang="en-US" dirty="0">
@@ -8109,7 +9169,15 @@
                       </a:schemeClr>
                     </a:solidFill>
                   </a:rPr>
-                  <a:t>bias</a:t>
+                  <a:t> </a:t>
+                </a:r>
+                <a:r>
+                  <a:rPr lang="en-US" dirty="0">
+                    <a:solidFill>
+                      <a:schemeClr val="tx1"/>
+                    </a:solidFill>
+                  </a:rPr>
+                  <a:t>minimal distance of a sample to the plane</a:t>
                 </a:r>
               </a:p>
               <a:p>
@@ -8371,7 +9439,7 @@
             </p:txBody>
           </p:sp>
         </mc:Choice>
-        <mc:Fallback xmlns="">
+        <mc:Fallback>
           <p:sp>
             <p:nvSpPr>
               <p:cNvPr id="3" name="Content Placeholder 2"/>
@@ -8385,12 +9453,12 @@
             <p:spPr>
               <a:xfrm>
                 <a:off x="1097280" y="1539277"/>
-                <a:ext cx="7656427" cy="4329817"/>
+                <a:ext cx="8249514" cy="4337541"/>
               </a:xfrm>
               <a:blipFill>
                 <a:blip r:embed="rId2"/>
                 <a:stretch>
-                  <a:fillRect l="-1911" t="-1549"/>
+                  <a:fillRect l="-1536" t="-1458" r="-1229"/>
                 </a:stretch>
               </a:blipFill>
             </p:spPr>
@@ -8426,38 +9494,14 @@
           <a:p>
             <a:fld id="{629637A9-119A-49DA-BD12-AAC58B377D80}" type="slidenum">
               <a:rPr lang="en-US" smtClean="0"/>
-              <a:t>17</a:t>
+              <a:t>19</a:t>
             </a:fld>
             <a:endParaRPr lang="en-US" dirty="0"/>
           </a:p>
         </p:txBody>
       </p:sp>
-      <p:pic>
-        <p:nvPicPr>
-          <p:cNvPr id="5" name="Picture 4"/>
-          <p:cNvPicPr>
-            <a:picLocks noChangeAspect="1"/>
-          </p:cNvPicPr>
-          <p:nvPr/>
-        </p:nvPicPr>
-        <p:blipFill>
-          <a:blip r:embed="rId3"/>
-          <a:stretch>
-            <a:fillRect/>
-          </a:stretch>
-        </p:blipFill>
-        <p:spPr>
-          <a:xfrm>
-            <a:off x="8304999" y="2008768"/>
-            <a:ext cx="3582201" cy="3007570"/>
-          </a:xfrm>
-          <a:prstGeom prst="rect">
-            <a:avLst/>
-          </a:prstGeom>
-        </p:spPr>
-      </p:pic>
-      <mc:AlternateContent xmlns:mc="http://schemas.openxmlformats.org/markup-compatibility/2006" xmlns:a14="http://schemas.microsoft.com/office/drawing/2010/main">
-        <mc:Choice Requires="a14">
+      <mc:AlternateContent xmlns:mc="http://schemas.openxmlformats.org/markup-compatibility/2006">
+        <mc:Choice xmlns:a14="http://schemas.microsoft.com/office/drawing/2010/main" Requires="a14">
           <p:sp>
             <p:nvSpPr>
               <p:cNvPr id="6" name="TextBox 5"/>
@@ -8466,7 +9510,7 @@
             </p:nvSpPr>
             <p:spPr>
               <a:xfrm>
-                <a:off x="10013138" y="1510683"/>
+                <a:off x="10352185" y="2280043"/>
                 <a:ext cx="1187056" cy="603820"/>
               </a:xfrm>
               <a:prstGeom prst="rect">
@@ -8548,7 +9592,7 @@
             </p:txBody>
           </p:sp>
         </mc:Choice>
-        <mc:Fallback xmlns="">
+        <mc:Fallback>
           <p:sp>
             <p:nvSpPr>
               <p:cNvPr id="6" name="TextBox 5"/>
@@ -8559,14 +9603,14 @@
             </p:nvSpPr>
             <p:spPr>
               <a:xfrm>
-                <a:off x="10013138" y="1510683"/>
+                <a:off x="10352185" y="2280043"/>
                 <a:ext cx="1187056" cy="603820"/>
               </a:xfrm>
               <a:prstGeom prst="rect">
                 <a:avLst/>
               </a:prstGeom>
               <a:blipFill>
-                <a:blip r:embed="rId4"/>
+                <a:blip r:embed="rId3"/>
                 <a:stretch>
                   <a:fillRect/>
                 </a:stretch>
@@ -8587,110 +9631,329 @@
           </p:sp>
         </mc:Fallback>
       </mc:AlternateContent>
-      <p:sp>
-        <p:nvSpPr>
-          <p:cNvPr id="7" name="Rectangle 6"/>
-          <p:cNvSpPr/>
+      <p:grpSp>
+        <p:nvGrpSpPr>
+          <p:cNvPr id="10" name="Group 9">
+            <a:extLst>
+              <a:ext uri="{FF2B5EF4-FFF2-40B4-BE49-F238E27FC236}">
+                <a16:creationId xmlns:a16="http://schemas.microsoft.com/office/drawing/2014/main" id="{8BD86394-225D-1C43-B002-20EC2BCB9CAA}"/>
+              </a:ext>
+            </a:extLst>
+          </p:cNvPr>
+          <p:cNvGrpSpPr/>
           <p:nvPr/>
-        </p:nvSpPr>
-        <p:spPr>
+        </p:nvGrpSpPr>
+        <p:grpSpPr>
           <a:xfrm>
-            <a:off x="9422780" y="2447256"/>
-            <a:ext cx="212555" cy="298424"/>
+            <a:off x="8222037" y="2883863"/>
+            <a:ext cx="3582201" cy="3007570"/>
+            <a:chOff x="8304999" y="2008768"/>
+            <a:chExt cx="3582201" cy="3007570"/>
           </a:xfrm>
-          <a:prstGeom prst="rect">
-            <a:avLst/>
-          </a:prstGeom>
-          <a:solidFill>
-            <a:schemeClr val="bg1"/>
-          </a:solidFill>
-          <a:ln>
-            <a:noFill/>
-          </a:ln>
-        </p:spPr>
-        <p:style>
-          <a:lnRef idx="2">
-            <a:schemeClr val="accent1">
-              <a:shade val="50000"/>
-            </a:schemeClr>
-          </a:lnRef>
-          <a:fillRef idx="1">
-            <a:schemeClr val="accent1"/>
-          </a:fillRef>
-          <a:effectRef idx="0">
-            <a:schemeClr val="accent1"/>
-          </a:effectRef>
-          <a:fontRef idx="minor">
-            <a:schemeClr val="lt1"/>
-          </a:fontRef>
-        </p:style>
-        <p:txBody>
-          <a:bodyPr rtlCol="0" anchor="ctr"/>
-          <a:lstStyle/>
-          <a:p>
-            <a:pPr algn="ctr"/>
-            <a:endParaRPr lang="en-US"/>
-          </a:p>
-        </p:txBody>
-      </p:sp>
-      <p:sp>
-        <p:nvSpPr>
-          <p:cNvPr id="8" name="Rectangle 7"/>
-          <p:cNvSpPr/>
-          <p:nvPr/>
-        </p:nvSpPr>
-        <p:spPr>
-          <a:xfrm>
-            <a:off x="9110532" y="2852256"/>
-            <a:ext cx="150914" cy="238233"/>
-          </a:xfrm>
-          <a:prstGeom prst="rect">
-            <a:avLst/>
-          </a:prstGeom>
-          <a:solidFill>
-            <a:schemeClr val="bg1"/>
-          </a:solidFill>
-          <a:ln>
-            <a:noFill/>
-          </a:ln>
-        </p:spPr>
-        <p:style>
-          <a:lnRef idx="2">
-            <a:schemeClr val="accent1">
-              <a:shade val="50000"/>
-            </a:schemeClr>
-          </a:lnRef>
-          <a:fillRef idx="1">
-            <a:schemeClr val="accent1"/>
-          </a:fillRef>
-          <a:effectRef idx="0">
-            <a:schemeClr val="accent1"/>
-          </a:effectRef>
-          <a:fontRef idx="minor">
-            <a:schemeClr val="lt1"/>
-          </a:fontRef>
-        </p:style>
-        <p:txBody>
-          <a:bodyPr rtlCol="0" anchor="ctr"/>
-          <a:lstStyle/>
-          <a:p>
-            <a:pPr algn="ctr"/>
-            <a:endParaRPr lang="en-US"/>
-          </a:p>
-        </p:txBody>
-      </p:sp>
-      <mc:AlternateContent xmlns:mc="http://schemas.openxmlformats.org/markup-compatibility/2006" xmlns:a14="http://schemas.microsoft.com/office/drawing/2010/main">
-        <mc:Choice Requires="a14">
+        </p:grpSpPr>
+        <p:pic>
+          <p:nvPicPr>
+            <p:cNvPr id="5" name="Picture 4"/>
+            <p:cNvPicPr>
+              <a:picLocks noChangeAspect="1"/>
+            </p:cNvPicPr>
+            <p:nvPr/>
+          </p:nvPicPr>
+          <p:blipFill>
+            <a:blip r:embed="rId4"/>
+            <a:stretch>
+              <a:fillRect/>
+            </a:stretch>
+          </p:blipFill>
+          <p:spPr>
+            <a:xfrm>
+              <a:off x="8304999" y="2008768"/>
+              <a:ext cx="3582201" cy="3007570"/>
+            </a:xfrm>
+            <a:prstGeom prst="rect">
+              <a:avLst/>
+            </a:prstGeom>
+          </p:spPr>
+        </p:pic>
+        <p:sp>
+          <p:nvSpPr>
+            <p:cNvPr id="7" name="Rectangle 6"/>
+            <p:cNvSpPr/>
+            <p:nvPr/>
+          </p:nvSpPr>
+          <p:spPr>
+            <a:xfrm>
+              <a:off x="9422780" y="2447256"/>
+              <a:ext cx="212555" cy="298424"/>
+            </a:xfrm>
+            <a:prstGeom prst="rect">
+              <a:avLst/>
+            </a:prstGeom>
+            <a:solidFill>
+              <a:schemeClr val="bg1"/>
+            </a:solidFill>
+            <a:ln>
+              <a:noFill/>
+            </a:ln>
+          </p:spPr>
+          <p:style>
+            <a:lnRef idx="2">
+              <a:schemeClr val="accent1">
+                <a:shade val="50000"/>
+              </a:schemeClr>
+            </a:lnRef>
+            <a:fillRef idx="1">
+              <a:schemeClr val="accent1"/>
+            </a:fillRef>
+            <a:effectRef idx="0">
+              <a:schemeClr val="accent1"/>
+            </a:effectRef>
+            <a:fontRef idx="minor">
+              <a:schemeClr val="lt1"/>
+            </a:fontRef>
+          </p:style>
+          <p:txBody>
+            <a:bodyPr rtlCol="0" anchor="ctr"/>
+            <a:lstStyle/>
+            <a:p>
+              <a:pPr algn="ctr"/>
+              <a:endParaRPr lang="en-US"/>
+            </a:p>
+          </p:txBody>
+        </p:sp>
+        <p:sp>
+          <p:nvSpPr>
+            <p:cNvPr id="8" name="Rectangle 7"/>
+            <p:cNvSpPr/>
+            <p:nvPr/>
+          </p:nvSpPr>
+          <p:spPr>
+            <a:xfrm>
+              <a:off x="9110532" y="2852256"/>
+              <a:ext cx="150914" cy="238233"/>
+            </a:xfrm>
+            <a:prstGeom prst="rect">
+              <a:avLst/>
+            </a:prstGeom>
+            <a:solidFill>
+              <a:schemeClr val="bg1"/>
+            </a:solidFill>
+            <a:ln>
+              <a:noFill/>
+            </a:ln>
+          </p:spPr>
+          <p:style>
+            <a:lnRef idx="2">
+              <a:schemeClr val="accent1">
+                <a:shade val="50000"/>
+              </a:schemeClr>
+            </a:lnRef>
+            <a:fillRef idx="1">
+              <a:schemeClr val="accent1"/>
+            </a:fillRef>
+            <a:effectRef idx="0">
+              <a:schemeClr val="accent1"/>
+            </a:effectRef>
+            <a:fontRef idx="minor">
+              <a:schemeClr val="lt1"/>
+            </a:fontRef>
+          </p:style>
+          <p:txBody>
+            <a:bodyPr rtlCol="0" anchor="ctr"/>
+            <a:lstStyle/>
+            <a:p>
+              <a:pPr algn="ctr"/>
+              <a:endParaRPr lang="en-US"/>
+            </a:p>
+          </p:txBody>
+        </p:sp>
+        <mc:AlternateContent xmlns:mc="http://schemas.openxmlformats.org/markup-compatibility/2006">
+          <mc:Choice xmlns:a14="http://schemas.microsoft.com/office/drawing/2010/main" Requires="a14">
+            <p:sp>
+              <p:nvSpPr>
+                <p:cNvPr id="14" name="TextBox 13"/>
+                <p:cNvSpPr txBox="1"/>
+                <p:nvPr/>
+              </p:nvSpPr>
+              <p:spPr>
+                <a:xfrm>
+                  <a:off x="9207669" y="2376348"/>
+                  <a:ext cx="435504" cy="369332"/>
+                </a:xfrm>
+                <a:prstGeom prst="rect">
+                  <a:avLst/>
+                </a:prstGeom>
+                <a:noFill/>
+              </p:spPr>
+              <p:txBody>
+                <a:bodyPr wrap="none" rtlCol="0">
+                  <a:spAutoFit/>
+                </a:bodyPr>
+                <a:lstStyle/>
+                <a:p>
+                  <a:pPr/>
+                  <a14:m>
+                    <m:oMathPara xmlns:m="http://schemas.openxmlformats.org/officeDocument/2006/math">
+                      <m:oMathParaPr>
+                        <m:jc m:val="centerGroup"/>
+                      </m:oMathParaPr>
+                      <m:oMath xmlns:m="http://schemas.openxmlformats.org/officeDocument/2006/math">
+                        <m:r>
+                          <a:rPr lang="en-US" b="0" i="1" smtClean="0">
+                            <a:latin typeface="Cambria Math" panose="02040503050406030204" pitchFamily="18" charset="0"/>
+                          </a:rPr>
+                          <m:t>𝑚</m:t>
+                        </m:r>
+                      </m:oMath>
+                    </m:oMathPara>
+                  </a14:m>
+                  <a:endParaRPr lang="en-US" dirty="0"/>
+                </a:p>
+              </p:txBody>
+            </p:sp>
+          </mc:Choice>
+          <mc:Fallback>
+            <p:sp>
+              <p:nvSpPr>
+                <p:cNvPr id="14" name="TextBox 13"/>
+                <p:cNvSpPr txBox="1">
+                  <a:spLocks noRot="1" noChangeAspect="1" noMove="1" noResize="1" noEditPoints="1" noAdjustHandles="1" noChangeArrowheads="1" noChangeShapeType="1" noTextEdit="1"/>
+                </p:cNvSpPr>
+                <p:nvPr/>
+              </p:nvSpPr>
+              <p:spPr>
+                <a:xfrm>
+                  <a:off x="9207669" y="2376348"/>
+                  <a:ext cx="435504" cy="369332"/>
+                </a:xfrm>
+                <a:prstGeom prst="rect">
+                  <a:avLst/>
+                </a:prstGeom>
+                <a:blipFill>
+                  <a:blip r:embed="rId5"/>
+                  <a:stretch>
+                    <a:fillRect/>
+                  </a:stretch>
+                </a:blipFill>
+              </p:spPr>
+              <p:txBody>
+                <a:bodyPr/>
+                <a:lstStyle/>
+                <a:p>
+                  <a:r>
+                    <a:rPr lang="en-US">
+                      <a:noFill/>
+                    </a:rPr>
+                    <a:t> </a:t>
+                  </a:r>
+                </a:p>
+              </p:txBody>
+            </p:sp>
+          </mc:Fallback>
+        </mc:AlternateContent>
+        <mc:AlternateContent xmlns:mc="http://schemas.openxmlformats.org/markup-compatibility/2006">
+          <mc:Choice xmlns:a14="http://schemas.microsoft.com/office/drawing/2010/main" Requires="a14">
+            <p:sp>
+              <p:nvSpPr>
+                <p:cNvPr id="15" name="TextBox 14"/>
+                <p:cNvSpPr txBox="1"/>
+                <p:nvPr/>
+              </p:nvSpPr>
+              <p:spPr>
+                <a:xfrm>
+                  <a:off x="8911290" y="2721157"/>
+                  <a:ext cx="435504" cy="369332"/>
+                </a:xfrm>
+                <a:prstGeom prst="rect">
+                  <a:avLst/>
+                </a:prstGeom>
+                <a:noFill/>
+              </p:spPr>
+              <p:txBody>
+                <a:bodyPr wrap="none" rtlCol="0">
+                  <a:spAutoFit/>
+                </a:bodyPr>
+                <a:lstStyle/>
+                <a:p>
+                  <a:pPr/>
+                  <a14:m>
+                    <m:oMathPara xmlns:m="http://schemas.openxmlformats.org/officeDocument/2006/math">
+                      <m:oMathParaPr>
+                        <m:jc m:val="centerGroup"/>
+                      </m:oMathParaPr>
+                      <m:oMath xmlns:m="http://schemas.openxmlformats.org/officeDocument/2006/math">
+                        <m:r>
+                          <a:rPr lang="en-US" b="0" i="1" smtClean="0">
+                            <a:latin typeface="Cambria Math" panose="02040503050406030204" pitchFamily="18" charset="0"/>
+                          </a:rPr>
+                          <m:t>𝑚</m:t>
+                        </m:r>
+                      </m:oMath>
+                    </m:oMathPara>
+                  </a14:m>
+                  <a:endParaRPr lang="en-US" dirty="0"/>
+                </a:p>
+              </p:txBody>
+            </p:sp>
+          </mc:Choice>
+          <mc:Fallback>
+            <p:sp>
+              <p:nvSpPr>
+                <p:cNvPr id="15" name="TextBox 14"/>
+                <p:cNvSpPr txBox="1">
+                  <a:spLocks noRot="1" noChangeAspect="1" noMove="1" noResize="1" noEditPoints="1" noAdjustHandles="1" noChangeArrowheads="1" noChangeShapeType="1" noTextEdit="1"/>
+                </p:cNvSpPr>
+                <p:nvPr/>
+              </p:nvSpPr>
+              <p:spPr>
+                <a:xfrm>
+                  <a:off x="8911290" y="2721157"/>
+                  <a:ext cx="435504" cy="369332"/>
+                </a:xfrm>
+                <a:prstGeom prst="rect">
+                  <a:avLst/>
+                </a:prstGeom>
+                <a:blipFill>
+                  <a:blip r:embed="rId6"/>
+                  <a:stretch>
+                    <a:fillRect/>
+                  </a:stretch>
+                </a:blipFill>
+              </p:spPr>
+              <p:txBody>
+                <a:bodyPr/>
+                <a:lstStyle/>
+                <a:p>
+                  <a:r>
+                    <a:rPr lang="en-US">
+                      <a:noFill/>
+                    </a:rPr>
+                    <a:t> </a:t>
+                  </a:r>
+                </a:p>
+              </p:txBody>
+            </p:sp>
+          </mc:Fallback>
+        </mc:AlternateContent>
+      </p:grpSp>
+      <mc:AlternateContent xmlns:mc="http://schemas.openxmlformats.org/markup-compatibility/2006">
+        <mc:Choice xmlns:a14="http://schemas.microsoft.com/office/drawing/2010/main" Requires="a14">
           <p:sp>
             <p:nvSpPr>
-              <p:cNvPr id="14" name="TextBox 13"/>
+              <p:cNvPr id="9" name="TextBox 8">
+                <a:extLst>
+                  <a:ext uri="{FF2B5EF4-FFF2-40B4-BE49-F238E27FC236}">
+                    <a16:creationId xmlns:a16="http://schemas.microsoft.com/office/drawing/2014/main" id="{25A807B6-2AD6-2249-B0E4-503DEFE852BB}"/>
+                  </a:ext>
+                </a:extLst>
+              </p:cNvPr>
               <p:cNvSpPr txBox="1"/>
               <p:nvPr/>
             </p:nvSpPr>
             <p:spPr>
               <a:xfrm>
-                <a:off x="9207669" y="2376348"/>
-                <a:ext cx="435504" cy="369332"/>
+                <a:off x="1212574" y="5317435"/>
+                <a:ext cx="6421181" cy="646331"/>
               </a:xfrm>
               <a:prstGeom prst="rect">
                 <a:avLst/>
@@ -8703,31 +9966,283 @@
               </a:bodyPr>
               <a:lstStyle/>
               <a:p>
-                <a:pPr/>
+                <a:r>
+                  <a:rPr lang="en-US" dirty="0">
+                    <a:solidFill>
+                      <a:schemeClr val="tx1"/>
+                    </a:solidFill>
+                  </a:rPr>
+                  <a:t>Recall that the distance of a point x to the line is </a:t>
+                </a:r>
                 <a14:m>
-                  <m:oMathPara xmlns:m="http://schemas.openxmlformats.org/officeDocument/2006/math">
-                    <m:oMathParaPr>
-                      <m:jc m:val="centerGroup"/>
-                    </m:oMathParaPr>
-                    <m:oMath xmlns:m="http://schemas.openxmlformats.org/officeDocument/2006/math">
-                      <m:r>
-                        <a:rPr lang="en-US" b="0" i="1" smtClean="0">
-                          <a:latin typeface="Cambria Math" panose="02040503050406030204" pitchFamily="18" charset="0"/>
-                        </a:rPr>
-                        <m:t>𝑚</m:t>
-                      </m:r>
-                    </m:oMath>
-                  </m:oMathPara>
+                  <m:oMath xmlns:m="http://schemas.openxmlformats.org/officeDocument/2006/math">
+                    <m:r>
+                      <a:rPr lang="en-US" b="0" i="1" dirty="0" smtClean="0">
+                        <a:solidFill>
+                          <a:schemeClr val="tx1"/>
+                        </a:solidFill>
+                        <a:latin typeface="Cambria Math" panose="02040503050406030204" pitchFamily="18" charset="0"/>
+                      </a:rPr>
+                      <m:t>(</m:t>
+                    </m:r>
+                    <m:r>
+                      <a:rPr lang="en-US" b="0" i="1" dirty="0" smtClean="0">
+                        <a:solidFill>
+                          <a:schemeClr val="tx1"/>
+                        </a:solidFill>
+                        <a:latin typeface="Cambria Math" panose="02040503050406030204" pitchFamily="18" charset="0"/>
+                      </a:rPr>
+                      <m:t>𝑏</m:t>
+                    </m:r>
+                    <m:r>
+                      <a:rPr lang="en-US" b="0" i="1" dirty="0" smtClean="0">
+                        <a:solidFill>
+                          <a:schemeClr val="tx1"/>
+                        </a:solidFill>
+                        <a:latin typeface="Cambria Math" panose="02040503050406030204" pitchFamily="18" charset="0"/>
+                      </a:rPr>
+                      <m:t>+</m:t>
+                    </m:r>
+                    <m:sSup>
+                      <m:sSupPr>
+                        <m:ctrlPr>
+                          <a:rPr lang="en-US" b="0" i="1" dirty="0" smtClean="0">
+                            <a:solidFill>
+                              <a:schemeClr val="tx1"/>
+                            </a:solidFill>
+                            <a:latin typeface="Cambria Math" panose="02040503050406030204" pitchFamily="18" charset="0"/>
+                          </a:rPr>
+                        </m:ctrlPr>
+                      </m:sSupPr>
+                      <m:e>
+                        <m:r>
+                          <a:rPr lang="en-US" b="0" i="1" dirty="0" smtClean="0">
+                            <a:solidFill>
+                              <a:schemeClr val="tx1"/>
+                            </a:solidFill>
+                            <a:latin typeface="Cambria Math" panose="02040503050406030204" pitchFamily="18" charset="0"/>
+                          </a:rPr>
+                          <m:t>𝑤</m:t>
+                        </m:r>
+                      </m:e>
+                      <m:sup>
+                        <m:r>
+                          <a:rPr lang="en-US" b="0" i="1" dirty="0" smtClean="0">
+                            <a:solidFill>
+                              <a:schemeClr val="tx1"/>
+                            </a:solidFill>
+                            <a:latin typeface="Cambria Math" panose="02040503050406030204" pitchFamily="18" charset="0"/>
+                          </a:rPr>
+                          <m:t>𝑇</m:t>
+                        </m:r>
+                      </m:sup>
+                    </m:sSup>
+                    <m:r>
+                      <a:rPr lang="en-US" b="1" i="1" smtClean="0">
+                        <a:solidFill>
+                          <a:schemeClr val="tx1"/>
+                        </a:solidFill>
+                        <a:latin typeface="Cambria Math" panose="02040503050406030204" pitchFamily="18" charset="0"/>
+                      </a:rPr>
+                      <m:t>𝒙</m:t>
+                    </m:r>
+                    <m:r>
+                      <a:rPr lang="en-US" b="1" i="1" smtClean="0">
+                        <a:solidFill>
+                          <a:schemeClr val="tx1"/>
+                        </a:solidFill>
+                        <a:latin typeface="Cambria Math" panose="02040503050406030204" pitchFamily="18" charset="0"/>
+                      </a:rPr>
+                      <m:t>)/</m:t>
+                    </m:r>
+                    <m:d>
+                      <m:dPr>
+                        <m:begChr m:val="‖"/>
+                        <m:endChr m:val="‖"/>
+                        <m:ctrlPr>
+                          <a:rPr lang="en-US" i="1" dirty="0" smtClean="0">
+                            <a:solidFill>
+                              <a:schemeClr val="tx1"/>
+                            </a:solidFill>
+                            <a:latin typeface="Cambria Math" panose="02040503050406030204" pitchFamily="18" charset="0"/>
+                          </a:rPr>
+                        </m:ctrlPr>
+                      </m:dPr>
+                      <m:e>
+                        <m:r>
+                          <a:rPr lang="en-US" b="1" i="1">
+                            <a:solidFill>
+                              <a:schemeClr val="tx1"/>
+                            </a:solidFill>
+                            <a:latin typeface="Cambria Math" panose="02040503050406030204" pitchFamily="18" charset="0"/>
+                          </a:rPr>
+                          <m:t>𝒘</m:t>
+                        </m:r>
+                      </m:e>
+                    </m:d>
+                  </m:oMath>
                 </a14:m>
-                <a:endParaRPr lang="en-US" dirty="0"/>
+                <a:r>
+                  <a:rPr lang="en-US" dirty="0">
+                    <a:solidFill>
+                      <a:schemeClr val="tx1"/>
+                    </a:solidFill>
+                  </a:rPr>
+                  <a:t>.</a:t>
+                </a:r>
+              </a:p>
+              <a:p>
+                <a:r>
+                  <a:rPr lang="en-US" dirty="0"/>
+                  <a:t>For points on the margin line, </a:t>
+                </a:r>
+                <a14:m>
+                  <m:oMath xmlns:m="http://schemas.openxmlformats.org/officeDocument/2006/math">
+                    <m:r>
+                      <a:rPr lang="en-US" i="1" dirty="0">
+                        <a:latin typeface="Cambria Math" panose="02040503050406030204" pitchFamily="18" charset="0"/>
+                      </a:rPr>
+                      <m:t>𝑏</m:t>
+                    </m:r>
+                    <m:r>
+                      <a:rPr lang="en-US" i="1" dirty="0">
+                        <a:latin typeface="Cambria Math" panose="02040503050406030204" pitchFamily="18" charset="0"/>
+                      </a:rPr>
+                      <m:t>+</m:t>
+                    </m:r>
+                    <m:sSup>
+                      <m:sSupPr>
+                        <m:ctrlPr>
+                          <a:rPr lang="en-US" i="1" dirty="0">
+                            <a:latin typeface="Cambria Math" panose="02040503050406030204" pitchFamily="18" charset="0"/>
+                          </a:rPr>
+                        </m:ctrlPr>
+                      </m:sSupPr>
+                      <m:e>
+                        <m:r>
+                          <a:rPr lang="en-US" i="1" dirty="0">
+                            <a:latin typeface="Cambria Math" panose="02040503050406030204" pitchFamily="18" charset="0"/>
+                          </a:rPr>
+                          <m:t>𝑤</m:t>
+                        </m:r>
+                      </m:e>
+                      <m:sup>
+                        <m:r>
+                          <a:rPr lang="en-US" i="1" dirty="0">
+                            <a:latin typeface="Cambria Math" panose="02040503050406030204" pitchFamily="18" charset="0"/>
+                          </a:rPr>
+                          <m:t>𝑇</m:t>
+                        </m:r>
+                      </m:sup>
+                    </m:sSup>
+                    <m:r>
+                      <a:rPr lang="en-US" b="1" i="1">
+                        <a:latin typeface="Cambria Math" panose="02040503050406030204" pitchFamily="18" charset="0"/>
+                      </a:rPr>
+                      <m:t>𝒙</m:t>
+                    </m:r>
+                    <m:r>
+                      <a:rPr lang="en-US" b="1" i="1" smtClean="0">
+                        <a:latin typeface="Cambria Math" panose="02040503050406030204" pitchFamily="18" charset="0"/>
+                      </a:rPr>
+                      <m:t>=</m:t>
+                    </m:r>
+                  </m:oMath>
+                </a14:m>
+                <a:r>
+                  <a:rPr lang="en-US" dirty="0"/>
+                  <a:t> </a:t>
+                </a:r>
+                <a14:m>
+                  <m:oMath xmlns:m="http://schemas.openxmlformats.org/officeDocument/2006/math">
+                    <m:r>
+                      <a:rPr lang="en-US" i="1">
+                        <a:latin typeface="Cambria Math" panose="02040503050406030204" pitchFamily="18" charset="0"/>
+                      </a:rPr>
+                      <m:t>𝛾</m:t>
+                    </m:r>
+                  </m:oMath>
+                </a14:m>
+                <a:r>
+                  <a:rPr lang="en-US" dirty="0">
+                    <a:solidFill>
+                      <a:schemeClr val="tx1"/>
+                    </a:solidFill>
+                  </a:rPr>
+                  <a:t>, distance m=</a:t>
+                </a:r>
+                <a:r>
+                  <a:rPr lang="en-US" dirty="0"/>
+                  <a:t> </a:t>
+                </a:r>
+                <a14:m>
+                  <m:oMath xmlns:m="http://schemas.openxmlformats.org/officeDocument/2006/math">
+                    <m:r>
+                      <a:rPr lang="en-US" i="1">
+                        <a:latin typeface="Cambria Math" panose="02040503050406030204" pitchFamily="18" charset="0"/>
+                      </a:rPr>
+                      <m:t>𝛾</m:t>
+                    </m:r>
+                  </m:oMath>
+                </a14:m>
+                <a:r>
+                  <a:rPr lang="en-US" dirty="0">
+                    <a:solidFill>
+                      <a:schemeClr val="tx1"/>
+                    </a:solidFill>
+                  </a:rPr>
+                  <a:t>/</a:t>
+                </a:r>
+                <a:r>
+                  <a:rPr lang="en-US" dirty="0"/>
+                  <a:t> </a:t>
+                </a:r>
+                <a14:m>
+                  <m:oMath xmlns:m="http://schemas.openxmlformats.org/officeDocument/2006/math">
+                    <m:d>
+                      <m:dPr>
+                        <m:begChr m:val="‖"/>
+                        <m:endChr m:val="‖"/>
+                        <m:ctrlPr>
+                          <a:rPr lang="en-US" i="1" dirty="0">
+                            <a:latin typeface="Cambria Math" panose="02040503050406030204" pitchFamily="18" charset="0"/>
+                          </a:rPr>
+                        </m:ctrlPr>
+                      </m:dPr>
+                      <m:e>
+                        <m:r>
+                          <a:rPr lang="en-US" b="1" i="1">
+                            <a:latin typeface="Cambria Math" panose="02040503050406030204" pitchFamily="18" charset="0"/>
+                          </a:rPr>
+                          <m:t>𝒘</m:t>
+                        </m:r>
+                      </m:e>
+                    </m:d>
+                  </m:oMath>
+                </a14:m>
+                <a:r>
+                  <a:rPr lang="en-US" dirty="0"/>
+                  <a:t>.  </a:t>
+                </a:r>
+                <a:endParaRPr lang="en-US" dirty="0">
+                  <a:solidFill>
+                    <a:schemeClr val="tx1"/>
+                  </a:solidFill>
+                </a:endParaRPr>
               </a:p>
             </p:txBody>
           </p:sp>
         </mc:Choice>
-        <mc:Fallback xmlns="">
+        <mc:Fallback>
           <p:sp>
             <p:nvSpPr>
-              <p:cNvPr id="14" name="TextBox 13"/>
+              <p:cNvPr id="9" name="TextBox 8">
+                <a:extLst>
+                  <a:ext uri="{FF2B5EF4-FFF2-40B4-BE49-F238E27FC236}">
+                    <a16:creationId xmlns:a16="http://schemas.microsoft.com/office/drawing/2014/main" id="{25A807B6-2AD6-2249-B0E4-503DEFE852BB}"/>
+                  </a:ext>
+                </a:extLst>
+              </p:cNvPr>
               <p:cNvSpPr txBox="1">
                 <a:spLocks noRot="1" noChangeAspect="1" noMove="1" noResize="1" noEditPoints="1" noAdjustHandles="1" noChangeArrowheads="1" noChangeShapeType="1" noTextEdit="1"/>
               </p:cNvSpPr>
@@ -8735,100 +10250,16 @@
             </p:nvSpPr>
             <p:spPr>
               <a:xfrm>
-                <a:off x="9207669" y="2376348"/>
-                <a:ext cx="435504" cy="369332"/>
+                <a:off x="1212574" y="5317435"/>
+                <a:ext cx="6421181" cy="646331"/>
               </a:xfrm>
               <a:prstGeom prst="rect">
                 <a:avLst/>
               </a:prstGeom>
               <a:blipFill>
-                <a:blip r:embed="rId5"/>
+                <a:blip r:embed="rId7"/>
                 <a:stretch>
-                  <a:fillRect/>
-                </a:stretch>
-              </a:blipFill>
-            </p:spPr>
-            <p:txBody>
-              <a:bodyPr/>
-              <a:lstStyle/>
-              <a:p>
-                <a:r>
-                  <a:rPr lang="en-US">
-                    <a:noFill/>
-                  </a:rPr>
-                  <a:t> </a:t>
-                </a:r>
-              </a:p>
-            </p:txBody>
-          </p:sp>
-        </mc:Fallback>
-      </mc:AlternateContent>
-      <mc:AlternateContent xmlns:mc="http://schemas.openxmlformats.org/markup-compatibility/2006" xmlns:a14="http://schemas.microsoft.com/office/drawing/2010/main">
-        <mc:Choice Requires="a14">
-          <p:sp>
-            <p:nvSpPr>
-              <p:cNvPr id="15" name="TextBox 14"/>
-              <p:cNvSpPr txBox="1"/>
-              <p:nvPr/>
-            </p:nvSpPr>
-            <p:spPr>
-              <a:xfrm>
-                <a:off x="8911290" y="2721157"/>
-                <a:ext cx="435504" cy="369332"/>
-              </a:xfrm>
-              <a:prstGeom prst="rect">
-                <a:avLst/>
-              </a:prstGeom>
-              <a:noFill/>
-            </p:spPr>
-            <p:txBody>
-              <a:bodyPr wrap="none" rtlCol="0">
-                <a:spAutoFit/>
-              </a:bodyPr>
-              <a:lstStyle/>
-              <a:p>
-                <a:pPr/>
-                <a14:m>
-                  <m:oMathPara xmlns:m="http://schemas.openxmlformats.org/officeDocument/2006/math">
-                    <m:oMathParaPr>
-                      <m:jc m:val="centerGroup"/>
-                    </m:oMathParaPr>
-                    <m:oMath xmlns:m="http://schemas.openxmlformats.org/officeDocument/2006/math">
-                      <m:r>
-                        <a:rPr lang="en-US" b="0" i="1" smtClean="0">
-                          <a:latin typeface="Cambria Math" panose="02040503050406030204" pitchFamily="18" charset="0"/>
-                        </a:rPr>
-                        <m:t>𝑚</m:t>
-                      </m:r>
-                    </m:oMath>
-                  </m:oMathPara>
-                </a14:m>
-                <a:endParaRPr lang="en-US" dirty="0"/>
-              </a:p>
-            </p:txBody>
-          </p:sp>
-        </mc:Choice>
-        <mc:Fallback xmlns="">
-          <p:sp>
-            <p:nvSpPr>
-              <p:cNvPr id="15" name="TextBox 14"/>
-              <p:cNvSpPr txBox="1">
-                <a:spLocks noRot="1" noChangeAspect="1" noMove="1" noResize="1" noEditPoints="1" noAdjustHandles="1" noChangeArrowheads="1" noChangeShapeType="1" noTextEdit="1"/>
-              </p:cNvSpPr>
-              <p:nvPr/>
-            </p:nvSpPr>
-            <p:spPr>
-              <a:xfrm>
-                <a:off x="8911290" y="2721157"/>
-                <a:ext cx="435504" cy="369332"/>
-              </a:xfrm>
-              <a:prstGeom prst="rect">
-                <a:avLst/>
-              </a:prstGeom>
-              <a:blipFill>
-                <a:blip r:embed="rId6"/>
-                <a:stretch>
-                  <a:fillRect/>
+                  <a:fillRect l="-592" t="-3846" b="-13462"/>
                 </a:stretch>
               </a:blipFill>
             </p:spPr>
@@ -8851,809 +10282,6 @@
     <p:extLst>
       <p:ext uri="{BB962C8B-B14F-4D97-AF65-F5344CB8AC3E}">
         <p14:creationId xmlns:p14="http://schemas.microsoft.com/office/powerpoint/2010/main" val="1505418304"/>
-      </p:ext>
-    </p:extLst>
-  </p:cSld>
-  <p:clrMapOvr>
-    <a:masterClrMapping/>
-  </p:clrMapOvr>
-</p:sld>
-</file>
-
-<file path=ppt/slides/slide18.xml><?xml version="1.0" encoding="utf-8"?>
-<p:sld xmlns:a="http://schemas.openxmlformats.org/drawingml/2006/main" xmlns:r="http://schemas.openxmlformats.org/officeDocument/2006/relationships" xmlns:p="http://schemas.openxmlformats.org/presentationml/2006/main">
-  <p:cSld>
-    <p:spTree>
-      <p:nvGrpSpPr>
-        <p:cNvPr id="1" name=""/>
-        <p:cNvGrpSpPr/>
-        <p:nvPr/>
-      </p:nvGrpSpPr>
-      <p:grpSpPr>
-        <a:xfrm>
-          <a:off x="0" y="0"/>
-          <a:ext cx="0" cy="0"/>
-          <a:chOff x="0" y="0"/>
-          <a:chExt cx="0" cy="0"/>
-        </a:xfrm>
-      </p:grpSpPr>
-      <p:sp>
-        <p:nvSpPr>
-          <p:cNvPr id="2" name="Title 1"/>
-          <p:cNvSpPr>
-            <a:spLocks noGrp="1"/>
-          </p:cNvSpPr>
-          <p:nvPr>
-            <p:ph type="title"/>
-          </p:nvPr>
-        </p:nvSpPr>
-        <p:spPr/>
-        <p:txBody>
-          <a:bodyPr/>
-          <a:lstStyle/>
-          <a:p>
-            <a:r>
-              <a:rPr lang="en-US" dirty="0"/>
-              <a:t>Maximum Margin Classifier</a:t>
-            </a:r>
-          </a:p>
-        </p:txBody>
-      </p:sp>
-      <mc:AlternateContent xmlns:mc="http://schemas.openxmlformats.org/markup-compatibility/2006" xmlns:a14="http://schemas.microsoft.com/office/drawing/2010/main">
-        <mc:Choice Requires="a14">
-          <p:sp>
-            <p:nvSpPr>
-              <p:cNvPr id="3" name="Content Placeholder 2"/>
-              <p:cNvSpPr>
-                <a:spLocks noGrp="1"/>
-              </p:cNvSpPr>
-              <p:nvPr>
-                <p:ph idx="1"/>
-              </p:nvPr>
-            </p:nvSpPr>
-            <p:spPr/>
-            <p:txBody>
-              <a:bodyPr/>
-              <a:lstStyle/>
-              <a:p>
-                <a:r>
-                  <a:rPr lang="en-US" dirty="0"/>
-                  <a:t>Suppose data is perfectly linearly separable.</a:t>
-                </a:r>
-              </a:p>
-              <a:p>
-                <a:r>
-                  <a:rPr lang="en-US" dirty="0"/>
-                  <a:t>Define maximum margin classifier</a:t>
-                </a:r>
-              </a:p>
-              <a:p>
-                <a:pPr marL="201168" lvl="1" indent="0">
-                  <a:buNone/>
-                </a:pPr>
-                <a14:m>
-                  <m:oMath xmlns:m="http://schemas.openxmlformats.org/officeDocument/2006/math">
-                    <m:limLow>
-                      <m:limLowPr>
-                        <m:ctrlPr>
-                          <a:rPr lang="en-US" i="1">
-                            <a:latin typeface="Cambria Math" panose="02040503050406030204" pitchFamily="18" charset="0"/>
-                          </a:rPr>
-                        </m:ctrlPr>
-                      </m:limLowPr>
-                      <m:e>
-                        <m:r>
-                          <m:rPr>
-                            <m:sty m:val="p"/>
-                          </m:rPr>
-                          <a:rPr lang="en-US">
-                            <a:latin typeface="Cambria Math" panose="02040503050406030204" pitchFamily="18" charset="0"/>
-                          </a:rPr>
-                          <m:t>max</m:t>
-                        </m:r>
-                      </m:e>
-                      <m:lim>
-                        <m:r>
-                          <a:rPr lang="en-US" i="1">
-                            <a:latin typeface="Cambria Math" panose="02040503050406030204" pitchFamily="18" charset="0"/>
-                          </a:rPr>
-                          <m:t>𝑤</m:t>
-                        </m:r>
-                        <m:r>
-                          <a:rPr lang="en-US" i="1">
-                            <a:latin typeface="Cambria Math" panose="02040503050406030204" pitchFamily="18" charset="0"/>
-                          </a:rPr>
-                          <m:t>, </m:t>
-                        </m:r>
-                        <m:r>
-                          <a:rPr lang="en-US" i="1">
-                            <a:latin typeface="Cambria Math" panose="02040503050406030204" pitchFamily="18" charset="0"/>
-                          </a:rPr>
-                          <m:t>𝛾</m:t>
-                        </m:r>
-                      </m:lim>
-                    </m:limLow>
-                    <m:r>
-                      <a:rPr lang="en-US" i="1">
-                        <a:latin typeface="Cambria Math" panose="02040503050406030204" pitchFamily="18" charset="0"/>
-                      </a:rPr>
-                      <m:t> </m:t>
-                    </m:r>
-                    <m:r>
-                      <a:rPr lang="en-US" i="1">
-                        <a:latin typeface="Cambria Math" panose="02040503050406030204" pitchFamily="18" charset="0"/>
-                      </a:rPr>
-                      <m:t>𝛾</m:t>
-                    </m:r>
-                  </m:oMath>
-                </a14:m>
-                <a:r>
-                  <a:rPr lang="en-US" i="1" dirty="0">
-                    <a:latin typeface="Cambria Math" panose="02040503050406030204" pitchFamily="18" charset="0"/>
-                  </a:rPr>
-                  <a:t> </a:t>
-                </a:r>
-              </a:p>
-              <a:p>
-                <a:pPr lvl="1"/>
-                <a:r>
-                  <a:rPr lang="en-US" dirty="0"/>
-                  <a:t>Such that </a:t>
-                </a:r>
-                <a14:m>
-                  <m:oMath xmlns:m="http://schemas.openxmlformats.org/officeDocument/2006/math">
-                    <m:sSub>
-                      <m:sSubPr>
-                        <m:ctrlPr>
-                          <a:rPr lang="en-US" b="0" i="1" smtClean="0">
-                            <a:latin typeface="Cambria Math" panose="02040503050406030204" pitchFamily="18" charset="0"/>
-                          </a:rPr>
-                        </m:ctrlPr>
-                      </m:sSubPr>
-                      <m:e>
-                        <m:r>
-                          <a:rPr lang="en-US" b="0" i="1" smtClean="0">
-                            <a:latin typeface="Cambria Math" panose="02040503050406030204" pitchFamily="18" charset="0"/>
-                          </a:rPr>
-                          <m:t>𝑦</m:t>
-                        </m:r>
-                      </m:e>
-                      <m:sub>
-                        <m:r>
-                          <a:rPr lang="en-US" b="0" i="1" smtClean="0">
-                            <a:latin typeface="Cambria Math" panose="02040503050406030204" pitchFamily="18" charset="0"/>
-                          </a:rPr>
-                          <m:t>𝑖</m:t>
-                        </m:r>
-                      </m:sub>
-                    </m:sSub>
-                    <m:d>
-                      <m:dPr>
-                        <m:ctrlPr>
-                          <a:rPr lang="en-US" b="0" i="1" smtClean="0">
-                            <a:latin typeface="Cambria Math" panose="02040503050406030204" pitchFamily="18" charset="0"/>
-                          </a:rPr>
-                        </m:ctrlPr>
-                      </m:dPr>
-                      <m:e>
-                        <m:r>
-                          <a:rPr lang="en-US" b="0" i="1" smtClean="0">
-                            <a:latin typeface="Cambria Math" panose="02040503050406030204" pitchFamily="18" charset="0"/>
-                          </a:rPr>
-                          <m:t>𝑏</m:t>
-                        </m:r>
-                        <m:r>
-                          <a:rPr lang="en-US" b="0" i="1" smtClean="0">
-                            <a:latin typeface="Cambria Math" panose="02040503050406030204" pitchFamily="18" charset="0"/>
-                          </a:rPr>
-                          <m:t>+</m:t>
-                        </m:r>
-                        <m:sSup>
-                          <m:sSupPr>
-                            <m:ctrlPr>
-                              <a:rPr lang="en-US" b="0" i="1" smtClean="0">
-                                <a:latin typeface="Cambria Math" panose="02040503050406030204" pitchFamily="18" charset="0"/>
-                              </a:rPr>
-                            </m:ctrlPr>
-                          </m:sSupPr>
-                          <m:e>
-                            <m:r>
-                              <a:rPr lang="en-US" b="1" i="1" smtClean="0">
-                                <a:latin typeface="Cambria Math" panose="02040503050406030204" pitchFamily="18" charset="0"/>
-                              </a:rPr>
-                              <m:t>𝒘</m:t>
-                            </m:r>
-                          </m:e>
-                          <m:sup>
-                            <m:r>
-                              <a:rPr lang="en-US" b="0" i="1" smtClean="0">
-                                <a:latin typeface="Cambria Math" panose="02040503050406030204" pitchFamily="18" charset="0"/>
-                              </a:rPr>
-                              <m:t>𝑇</m:t>
-                            </m:r>
-                          </m:sup>
-                        </m:sSup>
-                        <m:r>
-                          <a:rPr lang="en-US" b="1" i="1" smtClean="0">
-                            <a:latin typeface="Cambria Math" panose="02040503050406030204" pitchFamily="18" charset="0"/>
-                          </a:rPr>
-                          <m:t>𝒙</m:t>
-                        </m:r>
-                      </m:e>
-                    </m:d>
-                    <m:r>
-                      <a:rPr lang="en-US" b="0" i="1" smtClean="0">
-                        <a:latin typeface="Cambria Math" panose="02040503050406030204" pitchFamily="18" charset="0"/>
-                      </a:rPr>
-                      <m:t>≥</m:t>
-                    </m:r>
-                    <m:r>
-                      <a:rPr lang="en-US" b="0" i="1" smtClean="0">
-                        <a:latin typeface="Cambria Math" panose="02040503050406030204" pitchFamily="18" charset="0"/>
-                      </a:rPr>
-                      <m:t>𝛾</m:t>
-                    </m:r>
-                    <m:r>
-                      <a:rPr lang="en-US" b="0" i="1" smtClean="0">
-                        <a:latin typeface="Cambria Math" panose="02040503050406030204" pitchFamily="18" charset="0"/>
-                      </a:rPr>
-                      <m:t>   </m:t>
-                    </m:r>
-                    <m:r>
-                      <m:rPr>
-                        <m:nor/>
-                      </m:rPr>
-                      <a:rPr lang="en-US" b="0" i="0" smtClean="0">
-                        <a:latin typeface="Cambria Math" panose="02040503050406030204" pitchFamily="18" charset="0"/>
-                      </a:rPr>
-                      <m:t>for</m:t>
-                    </m:r>
-                    <m:r>
-                      <m:rPr>
-                        <m:nor/>
-                      </m:rPr>
-                      <a:rPr lang="en-US" b="0" i="0" smtClean="0">
-                        <a:latin typeface="Cambria Math" panose="02040503050406030204" pitchFamily="18" charset="0"/>
-                      </a:rPr>
-                      <m:t> </m:t>
-                    </m:r>
-                    <m:r>
-                      <m:rPr>
-                        <m:nor/>
-                      </m:rPr>
-                      <a:rPr lang="en-US" b="0" i="0" smtClean="0">
-                        <a:latin typeface="Cambria Math" panose="02040503050406030204" pitchFamily="18" charset="0"/>
-                      </a:rPr>
-                      <m:t>all</m:t>
-                    </m:r>
-                    <m:r>
-                      <a:rPr lang="en-US" b="0" i="1" smtClean="0">
-                        <a:latin typeface="Cambria Math" panose="02040503050406030204" pitchFamily="18" charset="0"/>
-                      </a:rPr>
-                      <m:t> </m:t>
-                    </m:r>
-                    <m:r>
-                      <a:rPr lang="en-US" b="0" i="1" smtClean="0">
-                        <a:latin typeface="Cambria Math" panose="02040503050406030204" pitchFamily="18" charset="0"/>
-                      </a:rPr>
-                      <m:t>𝑖</m:t>
-                    </m:r>
-                  </m:oMath>
-                </a14:m>
-                <a:endParaRPr lang="en-US" b="0" i="1" dirty="0">
-                  <a:latin typeface="Cambria Math" panose="02040503050406030204" pitchFamily="18" charset="0"/>
-                </a:endParaRPr>
-              </a:p>
-              <a:p>
-                <a:pPr lvl="1"/>
-                <a:r>
-                  <a:rPr lang="en-US" b="0" dirty="0"/>
-                  <a:t>                  </a:t>
-                </a:r>
-                <a14:m>
-                  <m:oMath xmlns:m="http://schemas.openxmlformats.org/officeDocument/2006/math">
-                    <m:nary>
-                      <m:naryPr>
-                        <m:chr m:val="∑"/>
-                        <m:limLoc m:val="subSup"/>
-                        <m:ctrlPr>
-                          <a:rPr lang="en-US" b="0" i="1" smtClean="0">
-                            <a:latin typeface="Cambria Math" panose="02040503050406030204" pitchFamily="18" charset="0"/>
-                          </a:rPr>
-                        </m:ctrlPr>
-                      </m:naryPr>
-                      <m:sub>
-                        <m:r>
-                          <m:rPr>
-                            <m:brk m:alnAt="25"/>
-                          </m:rPr>
-                          <a:rPr lang="en-US" b="0" i="1" smtClean="0">
-                            <a:latin typeface="Cambria Math" panose="02040503050406030204" pitchFamily="18" charset="0"/>
-                          </a:rPr>
-                          <m:t>𝑗</m:t>
-                        </m:r>
-                        <m:r>
-                          <a:rPr lang="en-US" b="0" i="1" smtClean="0">
-                            <a:latin typeface="Cambria Math" panose="02040503050406030204" pitchFamily="18" charset="0"/>
-                          </a:rPr>
-                          <m:t>=1</m:t>
-                        </m:r>
-                      </m:sub>
-                      <m:sup>
-                        <m:r>
-                          <a:rPr lang="en-US" b="0" i="1" smtClean="0">
-                            <a:latin typeface="Cambria Math" panose="02040503050406030204" pitchFamily="18" charset="0"/>
-                          </a:rPr>
-                          <m:t>𝑑</m:t>
-                        </m:r>
-                      </m:sup>
-                      <m:e>
-                        <m:sSubSup>
-                          <m:sSubSupPr>
-                            <m:ctrlPr>
-                              <a:rPr lang="en-US" b="0" i="1" smtClean="0">
-                                <a:latin typeface="Cambria Math" panose="02040503050406030204" pitchFamily="18" charset="0"/>
-                              </a:rPr>
-                            </m:ctrlPr>
-                          </m:sSubSupPr>
-                          <m:e>
-                            <m:r>
-                              <a:rPr lang="en-US" b="0" i="1" smtClean="0">
-                                <a:latin typeface="Cambria Math" panose="02040503050406030204" pitchFamily="18" charset="0"/>
-                              </a:rPr>
-                              <m:t>𝑤</m:t>
-                            </m:r>
-                          </m:e>
-                          <m:sub>
-                            <m:r>
-                              <a:rPr lang="en-US" b="0" i="1" smtClean="0">
-                                <a:latin typeface="Cambria Math" panose="02040503050406030204" pitchFamily="18" charset="0"/>
-                              </a:rPr>
-                              <m:t>𝑗</m:t>
-                            </m:r>
-                          </m:sub>
-                          <m:sup>
-                            <m:r>
-                              <a:rPr lang="en-US" b="0" i="1" smtClean="0">
-                                <a:latin typeface="Cambria Math" panose="02040503050406030204" pitchFamily="18" charset="0"/>
-                              </a:rPr>
-                              <m:t>2</m:t>
-                            </m:r>
-                          </m:sup>
-                        </m:sSubSup>
-                      </m:e>
-                    </m:nary>
-                    <m:r>
-                      <a:rPr lang="en-US" b="0" i="1" smtClean="0">
-                        <a:latin typeface="Cambria Math" panose="02040503050406030204" pitchFamily="18" charset="0"/>
-                      </a:rPr>
-                      <m:t>≤1</m:t>
-                    </m:r>
-                  </m:oMath>
-                </a14:m>
-                <a:r>
-                  <a:rPr lang="en-US" b="0" dirty="0"/>
-                  <a:t> </a:t>
-                </a:r>
-              </a:p>
-              <a:p>
-                <a:pPr lvl="1"/>
-                <a:endParaRPr lang="en-US" dirty="0"/>
-              </a:p>
-              <a:p>
-                <a:r>
-                  <a:rPr lang="en-US" b="0" dirty="0"/>
-                  <a:t>Called a constrained optimization</a:t>
-                </a:r>
-              </a:p>
-              <a:p>
-                <a:pPr lvl="1"/>
-                <a:r>
-                  <a:rPr lang="en-US" dirty="0"/>
-                  <a:t>Objective function and constraints</a:t>
-                </a:r>
-              </a:p>
-              <a:p>
-                <a:pPr lvl="1"/>
-                <a:r>
-                  <a:rPr lang="en-US" b="0" dirty="0"/>
-                  <a:t>More on this later.</a:t>
-                </a:r>
-              </a:p>
-              <a:p>
-                <a:pPr marL="0" indent="0">
-                  <a:buNone/>
-                </a:pPr>
-                <a:endParaRPr lang="en-US" dirty="0"/>
-              </a:p>
-            </p:txBody>
-          </p:sp>
-        </mc:Choice>
-        <mc:Fallback xmlns="">
-          <p:sp>
-            <p:nvSpPr>
-              <p:cNvPr id="3" name="Content Placeholder 2"/>
-              <p:cNvSpPr>
-                <a:spLocks noGrp="1" noRot="1" noChangeAspect="1" noMove="1" noResize="1" noEditPoints="1" noAdjustHandles="1" noChangeArrowheads="1" noChangeShapeType="1" noTextEdit="1"/>
-              </p:cNvSpPr>
-              <p:nvPr>
-                <p:ph idx="1"/>
-              </p:nvPr>
-            </p:nvSpPr>
-            <p:spPr>
-              <a:blipFill>
-                <a:blip r:embed="rId2"/>
-                <a:stretch>
-                  <a:fillRect l="-1455" t="-1549"/>
-                </a:stretch>
-              </a:blipFill>
-            </p:spPr>
-            <p:txBody>
-              <a:bodyPr/>
-              <a:lstStyle/>
-              <a:p>
-                <a:r>
-                  <a:rPr lang="en-US">
-                    <a:noFill/>
-                  </a:rPr>
-                  <a:t> </a:t>
-                </a:r>
-              </a:p>
-            </p:txBody>
-          </p:sp>
-        </mc:Fallback>
-      </mc:AlternateContent>
-      <p:sp>
-        <p:nvSpPr>
-          <p:cNvPr id="4" name="Slide Number Placeholder 3"/>
-          <p:cNvSpPr>
-            <a:spLocks noGrp="1"/>
-          </p:cNvSpPr>
-          <p:nvPr>
-            <p:ph type="sldNum" sz="quarter" idx="12"/>
-          </p:nvPr>
-        </p:nvSpPr>
-        <p:spPr/>
-        <p:txBody>
-          <a:bodyPr/>
-          <a:lstStyle/>
-          <a:p>
-            <a:fld id="{629637A9-119A-49DA-BD12-AAC58B377D80}" type="slidenum">
-              <a:rPr lang="en-US" smtClean="0"/>
-              <a:t>18</a:t>
-            </a:fld>
-            <a:endParaRPr lang="en-US" dirty="0"/>
-          </a:p>
-        </p:txBody>
-      </p:sp>
-      <p:cxnSp>
-        <p:nvCxnSpPr>
-          <p:cNvPr id="6" name="Straight Arrow Connector 5"/>
-          <p:cNvCxnSpPr/>
-          <p:nvPr/>
-        </p:nvCxnSpPr>
-        <p:spPr>
-          <a:xfrm flipH="1">
-            <a:off x="5259897" y="2919369"/>
-            <a:ext cx="1107347" cy="8389"/>
-          </a:xfrm>
-          <a:prstGeom prst="straightConnector1">
-            <a:avLst/>
-          </a:prstGeom>
-          <a:ln>
-            <a:tailEnd type="triangle"/>
-          </a:ln>
-        </p:spPr>
-        <p:style>
-          <a:lnRef idx="1">
-            <a:schemeClr val="accent1"/>
-          </a:lnRef>
-          <a:fillRef idx="0">
-            <a:schemeClr val="accent1"/>
-          </a:fillRef>
-          <a:effectRef idx="0">
-            <a:schemeClr val="accent1"/>
-          </a:effectRef>
-          <a:fontRef idx="minor">
-            <a:schemeClr val="tx1"/>
-          </a:fontRef>
-        </p:style>
-      </p:cxnSp>
-      <p:cxnSp>
-        <p:nvCxnSpPr>
-          <p:cNvPr id="7" name="Straight Arrow Connector 6"/>
-          <p:cNvCxnSpPr/>
-          <p:nvPr/>
-        </p:nvCxnSpPr>
-        <p:spPr>
-          <a:xfrm flipH="1">
-            <a:off x="3751278" y="3271706"/>
-            <a:ext cx="2615966" cy="18176"/>
-          </a:xfrm>
-          <a:prstGeom prst="straightConnector1">
-            <a:avLst/>
-          </a:prstGeom>
-          <a:ln>
-            <a:tailEnd type="triangle"/>
-          </a:ln>
-        </p:spPr>
-        <p:style>
-          <a:lnRef idx="1">
-            <a:schemeClr val="accent1"/>
-          </a:lnRef>
-          <a:fillRef idx="0">
-            <a:schemeClr val="accent1"/>
-          </a:fillRef>
-          <a:effectRef idx="0">
-            <a:schemeClr val="accent1"/>
-          </a:effectRef>
-          <a:fontRef idx="minor">
-            <a:schemeClr val="tx1"/>
-          </a:fontRef>
-        </p:style>
-      </p:cxnSp>
-      <p:cxnSp>
-        <p:nvCxnSpPr>
-          <p:cNvPr id="9" name="Straight Arrow Connector 8"/>
-          <p:cNvCxnSpPr/>
-          <p:nvPr/>
-        </p:nvCxnSpPr>
-        <p:spPr>
-          <a:xfrm flipH="1">
-            <a:off x="2100045" y="2525086"/>
-            <a:ext cx="4267199" cy="19574"/>
-          </a:xfrm>
-          <a:prstGeom prst="straightConnector1">
-            <a:avLst/>
-          </a:prstGeom>
-          <a:ln>
-            <a:tailEnd type="triangle"/>
-          </a:ln>
-        </p:spPr>
-        <p:style>
-          <a:lnRef idx="1">
-            <a:schemeClr val="accent1"/>
-          </a:lnRef>
-          <a:fillRef idx="0">
-            <a:schemeClr val="accent1"/>
-          </a:fillRef>
-          <a:effectRef idx="0">
-            <a:schemeClr val="accent1"/>
-          </a:effectRef>
-          <a:fontRef idx="minor">
-            <a:schemeClr val="tx1"/>
-          </a:fontRef>
-        </p:style>
-      </p:cxnSp>
-      <p:sp>
-        <p:nvSpPr>
-          <p:cNvPr id="11" name="TextBox 10"/>
-          <p:cNvSpPr txBox="1"/>
-          <p:nvPr/>
-        </p:nvSpPr>
-        <p:spPr>
-          <a:xfrm>
-            <a:off x="6573585" y="2289529"/>
-            <a:ext cx="2246897" cy="369332"/>
-          </a:xfrm>
-          <a:prstGeom prst="rect">
-            <a:avLst/>
-          </a:prstGeom>
-          <a:noFill/>
-        </p:spPr>
-        <p:txBody>
-          <a:bodyPr wrap="none" rtlCol="0">
-            <a:spAutoFit/>
-          </a:bodyPr>
-          <a:lstStyle/>
-          <a:p>
-            <a:r>
-              <a:rPr lang="en-US" dirty="0"/>
-              <a:t>Maximizes the margin</a:t>
-            </a:r>
-          </a:p>
-        </p:txBody>
-      </p:sp>
-      <p:sp>
-        <p:nvSpPr>
-          <p:cNvPr id="12" name="TextBox 11"/>
-          <p:cNvSpPr txBox="1"/>
-          <p:nvPr/>
-        </p:nvSpPr>
-        <p:spPr>
-          <a:xfrm>
-            <a:off x="6573585" y="2734703"/>
-            <a:ext cx="3956276" cy="369332"/>
-          </a:xfrm>
-          <a:prstGeom prst="rect">
-            <a:avLst/>
-          </a:prstGeom>
-          <a:noFill/>
-        </p:spPr>
-        <p:txBody>
-          <a:bodyPr wrap="none" rtlCol="0">
-            <a:spAutoFit/>
-          </a:bodyPr>
-          <a:lstStyle/>
-          <a:p>
-            <a:r>
-              <a:rPr lang="en-US" dirty="0"/>
-              <a:t>Ensures all points are correctly classified</a:t>
-            </a:r>
-          </a:p>
-        </p:txBody>
-      </p:sp>
-      <p:sp>
-        <p:nvSpPr>
-          <p:cNvPr id="13" name="TextBox 12"/>
-          <p:cNvSpPr txBox="1"/>
-          <p:nvPr/>
-        </p:nvSpPr>
-        <p:spPr>
-          <a:xfrm>
-            <a:off x="6573585" y="3131832"/>
-            <a:ext cx="1909818" cy="369332"/>
-          </a:xfrm>
-          <a:prstGeom prst="rect">
-            <a:avLst/>
-          </a:prstGeom>
-          <a:noFill/>
-        </p:spPr>
-        <p:txBody>
-          <a:bodyPr wrap="none" rtlCol="0">
-            <a:spAutoFit/>
-          </a:bodyPr>
-          <a:lstStyle/>
-          <a:p>
-            <a:r>
-              <a:rPr lang="en-US" dirty="0"/>
-              <a:t>Scaling on weights</a:t>
-            </a:r>
-          </a:p>
-        </p:txBody>
-      </p:sp>
-    </p:spTree>
-    <p:extLst>
-      <p:ext uri="{BB962C8B-B14F-4D97-AF65-F5344CB8AC3E}">
-        <p14:creationId xmlns:p14="http://schemas.microsoft.com/office/powerpoint/2010/main" val="1461891519"/>
-      </p:ext>
-    </p:extLst>
-  </p:cSld>
-  <p:clrMapOvr>
-    <a:masterClrMapping/>
-  </p:clrMapOvr>
-</p:sld>
-</file>
-
-<file path=ppt/slides/slide19.xml><?xml version="1.0" encoding="utf-8"?>
-<p:sld xmlns:a="http://schemas.openxmlformats.org/drawingml/2006/main" xmlns:r="http://schemas.openxmlformats.org/officeDocument/2006/relationships" xmlns:p="http://schemas.openxmlformats.org/presentationml/2006/main">
-  <p:cSld>
-    <p:spTree>
-      <p:nvGrpSpPr>
-        <p:cNvPr id="1" name=""/>
-        <p:cNvGrpSpPr/>
-        <p:nvPr/>
-      </p:nvGrpSpPr>
-      <p:grpSpPr>
-        <a:xfrm>
-          <a:off x="0" y="0"/>
-          <a:ext cx="0" cy="0"/>
-          <a:chOff x="0" y="0"/>
-          <a:chExt cx="0" cy="0"/>
-        </a:xfrm>
-      </p:grpSpPr>
-      <p:sp>
-        <p:nvSpPr>
-          <p:cNvPr id="2" name="Title 1"/>
-          <p:cNvSpPr>
-            <a:spLocks noGrp="1"/>
-          </p:cNvSpPr>
-          <p:nvPr>
-            <p:ph type="title"/>
-          </p:nvPr>
-        </p:nvSpPr>
-        <p:spPr/>
-        <p:txBody>
-          <a:bodyPr/>
-          <a:lstStyle/>
-          <a:p>
-            <a:r>
-              <a:rPr lang="en-US" dirty="0"/>
-              <a:t>Visualizing Maximum Margin Classifier</a:t>
-            </a:r>
-          </a:p>
-        </p:txBody>
-      </p:sp>
-      <p:sp>
-        <p:nvSpPr>
-          <p:cNvPr id="3" name="Content Placeholder 2"/>
-          <p:cNvSpPr>
-            <a:spLocks noGrp="1"/>
-          </p:cNvSpPr>
-          <p:nvPr>
-            <p:ph idx="1"/>
-          </p:nvPr>
-        </p:nvSpPr>
-        <p:spPr>
-          <a:xfrm>
-            <a:off x="5691672" y="1735494"/>
-            <a:ext cx="5355772" cy="3783745"/>
-          </a:xfrm>
-        </p:spPr>
-        <p:txBody>
-          <a:bodyPr/>
-          <a:lstStyle/>
-          <a:p>
-            <a:r>
-              <a:rPr lang="en-US" dirty="0"/>
-              <a:t>Fig. 9.3 of ISL</a:t>
-            </a:r>
-          </a:p>
-          <a:p>
-            <a:r>
-              <a:rPr lang="en-US" dirty="0"/>
-              <a:t>Margin determined by closest points to the line</a:t>
-            </a:r>
-          </a:p>
-          <a:p>
-            <a:r>
-              <a:rPr lang="en-US" dirty="0"/>
-              <a:t>In this figure, there are 3 points at the margin</a:t>
-            </a:r>
-          </a:p>
-        </p:txBody>
-      </p:sp>
-      <p:sp>
-        <p:nvSpPr>
-          <p:cNvPr id="4" name="Slide Number Placeholder 3"/>
-          <p:cNvSpPr>
-            <a:spLocks noGrp="1"/>
-          </p:cNvSpPr>
-          <p:nvPr>
-            <p:ph type="sldNum" sz="quarter" idx="12"/>
-          </p:nvPr>
-        </p:nvSpPr>
-        <p:spPr/>
-        <p:txBody>
-          <a:bodyPr/>
-          <a:lstStyle/>
-          <a:p>
-            <a:fld id="{629637A9-119A-49DA-BD12-AAC58B377D80}" type="slidenum">
-              <a:rPr lang="en-US" smtClean="0"/>
-              <a:t>19</a:t>
-            </a:fld>
-            <a:endParaRPr lang="en-US" dirty="0"/>
-          </a:p>
-        </p:txBody>
-      </p:sp>
-      <p:pic>
-        <p:nvPicPr>
-          <p:cNvPr id="5" name="Picture 4"/>
-          <p:cNvPicPr>
-            <a:picLocks noChangeAspect="1"/>
-          </p:cNvPicPr>
-          <p:nvPr/>
-        </p:nvPicPr>
-        <p:blipFill>
-          <a:blip r:embed="rId2"/>
-          <a:stretch>
-            <a:fillRect/>
-          </a:stretch>
-        </p:blipFill>
-        <p:spPr>
-          <a:xfrm>
-            <a:off x="888411" y="1735494"/>
-            <a:ext cx="4109776" cy="3713355"/>
-          </a:xfrm>
-          <a:prstGeom prst="rect">
-            <a:avLst/>
-          </a:prstGeom>
-        </p:spPr>
-      </p:pic>
-    </p:spTree>
-    <p:extLst>
-      <p:ext uri="{BB962C8B-B14F-4D97-AF65-F5344CB8AC3E}">
-        <p14:creationId xmlns:p14="http://schemas.microsoft.com/office/powerpoint/2010/main" val="1731337654"/>
       </p:ext>
     </p:extLst>
   </p:cSld>
@@ -9721,12 +10349,6 @@
           <a:p>
             <a:r>
               <a:rPr lang="en-US" dirty="0"/>
-              <a:t>Describe image classification as an classification problem</a:t>
-            </a:r>
-          </a:p>
-          <a:p>
-            <a:r>
-              <a:rPr lang="en-US" dirty="0"/>
               <a:t>Interpret weights in linear classification of images</a:t>
             </a:r>
           </a:p>
@@ -9840,6 +10462,1157 @@
       </p:grpSpPr>
       <p:sp>
         <p:nvSpPr>
+          <p:cNvPr id="2" name="Title 1">
+            <a:extLst>
+              <a:ext uri="{FF2B5EF4-FFF2-40B4-BE49-F238E27FC236}">
+                <a16:creationId xmlns:a16="http://schemas.microsoft.com/office/drawing/2014/main" id="{550340BC-3304-1047-82F6-A3B7F20E143A}"/>
+              </a:ext>
+            </a:extLst>
+          </p:cNvPr>
+          <p:cNvSpPr>
+            <a:spLocks noGrp="1"/>
+          </p:cNvSpPr>
+          <p:nvPr>
+            <p:ph type="title"/>
+          </p:nvPr>
+        </p:nvSpPr>
+        <p:spPr/>
+        <p:txBody>
+          <a:bodyPr/>
+          <a:lstStyle/>
+          <a:p>
+            <a:r>
+              <a:rPr lang="en-US" dirty="0"/>
+              <a:t>Which separating plane is better ?</a:t>
+            </a:r>
+          </a:p>
+        </p:txBody>
+      </p:sp>
+      <p:pic>
+        <p:nvPicPr>
+          <p:cNvPr id="6" name="Content Placeholder 5">
+            <a:extLst>
+              <a:ext uri="{FF2B5EF4-FFF2-40B4-BE49-F238E27FC236}">
+                <a16:creationId xmlns:a16="http://schemas.microsoft.com/office/drawing/2014/main" id="{878C3A43-6FA8-5740-A15D-A7D952D8B67C}"/>
+              </a:ext>
+            </a:extLst>
+          </p:cNvPr>
+          <p:cNvPicPr>
+            <a:picLocks noGrp="1" noChangeAspect="1"/>
+          </p:cNvPicPr>
+          <p:nvPr>
+            <p:ph idx="1"/>
+          </p:nvPr>
+        </p:nvPicPr>
+        <p:blipFill>
+          <a:blip r:embed="rId2"/>
+          <a:stretch>
+            <a:fillRect/>
+          </a:stretch>
+        </p:blipFill>
+        <p:spPr>
+          <a:xfrm>
+            <a:off x="1727260" y="1642531"/>
+            <a:ext cx="3587339" cy="3565858"/>
+          </a:xfrm>
+        </p:spPr>
+      </p:pic>
+      <p:sp>
+        <p:nvSpPr>
+          <p:cNvPr id="4" name="Slide Number Placeholder 3">
+            <a:extLst>
+              <a:ext uri="{FF2B5EF4-FFF2-40B4-BE49-F238E27FC236}">
+                <a16:creationId xmlns:a16="http://schemas.microsoft.com/office/drawing/2014/main" id="{AA6CE04F-A9FC-B041-A939-2C83C48644C5}"/>
+              </a:ext>
+            </a:extLst>
+          </p:cNvPr>
+          <p:cNvSpPr>
+            <a:spLocks noGrp="1"/>
+          </p:cNvSpPr>
+          <p:nvPr>
+            <p:ph type="sldNum" sz="quarter" idx="12"/>
+          </p:nvPr>
+        </p:nvSpPr>
+        <p:spPr/>
+        <p:txBody>
+          <a:bodyPr/>
+          <a:lstStyle/>
+          <a:p>
+            <a:fld id="{629637A9-119A-49DA-BD12-AAC58B377D80}" type="slidenum">
+              <a:rPr lang="en-US" smtClean="0"/>
+              <a:t>20</a:t>
+            </a:fld>
+            <a:endParaRPr lang="en-US" dirty="0"/>
+          </a:p>
+        </p:txBody>
+      </p:sp>
+      <p:pic>
+        <p:nvPicPr>
+          <p:cNvPr id="7" name="Picture 6">
+            <a:extLst>
+              <a:ext uri="{FF2B5EF4-FFF2-40B4-BE49-F238E27FC236}">
+                <a16:creationId xmlns:a16="http://schemas.microsoft.com/office/drawing/2014/main" id="{CAF828F7-909C-C842-8CFF-E07F5B607B42}"/>
+              </a:ext>
+            </a:extLst>
+          </p:cNvPr>
+          <p:cNvPicPr>
+            <a:picLocks noChangeAspect="1"/>
+          </p:cNvPicPr>
+          <p:nvPr/>
+        </p:nvPicPr>
+        <p:blipFill>
+          <a:blip r:embed="rId3"/>
+          <a:stretch>
+            <a:fillRect/>
+          </a:stretch>
+        </p:blipFill>
+        <p:spPr>
+          <a:xfrm>
+            <a:off x="6104964" y="1642531"/>
+            <a:ext cx="4109776" cy="3713355"/>
+          </a:xfrm>
+          <a:prstGeom prst="rect">
+            <a:avLst/>
+          </a:prstGeom>
+        </p:spPr>
+      </p:pic>
+      <p:cxnSp>
+        <p:nvCxnSpPr>
+          <p:cNvPr id="9" name="Straight Connector 8">
+            <a:extLst>
+              <a:ext uri="{FF2B5EF4-FFF2-40B4-BE49-F238E27FC236}">
+                <a16:creationId xmlns:a16="http://schemas.microsoft.com/office/drawing/2014/main" id="{0C39B4C5-9632-FA44-955E-686C63484117}"/>
+              </a:ext>
+            </a:extLst>
+          </p:cNvPr>
+          <p:cNvCxnSpPr/>
+          <p:nvPr/>
+        </p:nvCxnSpPr>
+        <p:spPr>
+          <a:xfrm flipV="1">
+            <a:off x="2073103" y="2471001"/>
+            <a:ext cx="3164441" cy="1982912"/>
+          </a:xfrm>
+          <a:prstGeom prst="line">
+            <a:avLst/>
+          </a:prstGeom>
+          <a:ln w="9525" cap="flat" cmpd="sng" algn="ctr">
+            <a:solidFill>
+              <a:schemeClr val="accent5"/>
+            </a:solidFill>
+            <a:prstDash val="dash"/>
+            <a:round/>
+            <a:headEnd type="none" w="med" len="med"/>
+            <a:tailEnd type="none" w="med" len="med"/>
+          </a:ln>
+        </p:spPr>
+        <p:style>
+          <a:lnRef idx="0">
+            <a:scrgbClr r="0" g="0" b="0"/>
+          </a:lnRef>
+          <a:fillRef idx="0">
+            <a:scrgbClr r="0" g="0" b="0"/>
+          </a:fillRef>
+          <a:effectRef idx="0">
+            <a:scrgbClr r="0" g="0" b="0"/>
+          </a:effectRef>
+          <a:fontRef idx="minor">
+            <a:schemeClr val="tx1"/>
+          </a:fontRef>
+        </p:style>
+      </p:cxnSp>
+      <p:cxnSp>
+        <p:nvCxnSpPr>
+          <p:cNvPr id="10" name="Straight Connector 9">
+            <a:extLst>
+              <a:ext uri="{FF2B5EF4-FFF2-40B4-BE49-F238E27FC236}">
+                <a16:creationId xmlns:a16="http://schemas.microsoft.com/office/drawing/2014/main" id="{396B0014-9A05-704D-B2D1-B247F46120A1}"/>
+              </a:ext>
+            </a:extLst>
+          </p:cNvPr>
+          <p:cNvCxnSpPr/>
+          <p:nvPr/>
+        </p:nvCxnSpPr>
+        <p:spPr>
+          <a:xfrm flipV="1">
+            <a:off x="1996049" y="2848239"/>
+            <a:ext cx="3164441" cy="1982912"/>
+          </a:xfrm>
+          <a:prstGeom prst="line">
+            <a:avLst/>
+          </a:prstGeom>
+          <a:ln w="9525" cap="flat" cmpd="sng" algn="ctr">
+            <a:solidFill>
+              <a:schemeClr val="accent2"/>
+            </a:solidFill>
+            <a:prstDash val="dash"/>
+            <a:round/>
+            <a:headEnd type="none" w="med" len="med"/>
+            <a:tailEnd type="none" w="med" len="med"/>
+          </a:ln>
+        </p:spPr>
+        <p:style>
+          <a:lnRef idx="0">
+            <a:scrgbClr r="0" g="0" b="0"/>
+          </a:lnRef>
+          <a:fillRef idx="0">
+            <a:scrgbClr r="0" g="0" b="0"/>
+          </a:fillRef>
+          <a:effectRef idx="0">
+            <a:scrgbClr r="0" g="0" b="0"/>
+          </a:effectRef>
+          <a:fontRef idx="minor">
+            <a:schemeClr val="tx1"/>
+          </a:fontRef>
+        </p:style>
+      </p:cxnSp>
+      <p:sp>
+        <p:nvSpPr>
+          <p:cNvPr id="12" name="TextBox 11">
+            <a:extLst>
+              <a:ext uri="{FF2B5EF4-FFF2-40B4-BE49-F238E27FC236}">
+                <a16:creationId xmlns:a16="http://schemas.microsoft.com/office/drawing/2014/main" id="{F4C2102F-4CED-0C40-8B05-0ADFCAC5D401}"/>
+              </a:ext>
+            </a:extLst>
+          </p:cNvPr>
+          <p:cNvSpPr txBox="1"/>
+          <p:nvPr/>
+        </p:nvSpPr>
+        <p:spPr>
+          <a:xfrm>
+            <a:off x="4109012" y="5603831"/>
+            <a:ext cx="3125664" cy="369332"/>
+          </a:xfrm>
+          <a:prstGeom prst="rect">
+            <a:avLst/>
+          </a:prstGeom>
+          <a:noFill/>
+        </p:spPr>
+        <p:txBody>
+          <a:bodyPr wrap="none" rtlCol="0">
+            <a:spAutoFit/>
+          </a:bodyPr>
+          <a:lstStyle/>
+          <a:p>
+            <a:r>
+              <a:rPr lang="en-US" dirty="0"/>
+              <a:t>From Fig. 9.2 and Fig. 9.3 in ISL.</a:t>
+            </a:r>
+          </a:p>
+        </p:txBody>
+      </p:sp>
+    </p:spTree>
+    <p:extLst>
+      <p:ext uri="{BB962C8B-B14F-4D97-AF65-F5344CB8AC3E}">
+        <p14:creationId xmlns:p14="http://schemas.microsoft.com/office/powerpoint/2010/main" val="1566068283"/>
+      </p:ext>
+    </p:extLst>
+  </p:cSld>
+  <p:clrMapOvr>
+    <a:masterClrMapping/>
+  </p:clrMapOvr>
+</p:sld>
+</file>
+
+<file path=ppt/slides/slide21.xml><?xml version="1.0" encoding="utf-8"?>
+<p:sld xmlns:a="http://schemas.openxmlformats.org/drawingml/2006/main" xmlns:r="http://schemas.openxmlformats.org/officeDocument/2006/relationships" xmlns:p="http://schemas.openxmlformats.org/presentationml/2006/main">
+  <p:cSld>
+    <p:spTree>
+      <p:nvGrpSpPr>
+        <p:cNvPr id="1" name=""/>
+        <p:cNvGrpSpPr/>
+        <p:nvPr/>
+      </p:nvGrpSpPr>
+      <p:grpSpPr>
+        <a:xfrm>
+          <a:off x="0" y="0"/>
+          <a:ext cx="0" cy="0"/>
+          <a:chOff x="0" y="0"/>
+          <a:chExt cx="0" cy="0"/>
+        </a:xfrm>
+      </p:grpSpPr>
+      <p:sp>
+        <p:nvSpPr>
+          <p:cNvPr id="2" name="Title 1"/>
+          <p:cNvSpPr>
+            <a:spLocks noGrp="1"/>
+          </p:cNvSpPr>
+          <p:nvPr>
+            <p:ph type="title"/>
+          </p:nvPr>
+        </p:nvSpPr>
+        <p:spPr/>
+        <p:txBody>
+          <a:bodyPr/>
+          <a:lstStyle/>
+          <a:p>
+            <a:r>
+              <a:rPr lang="en-US" dirty="0"/>
+              <a:t>Maximum Margin Classifier</a:t>
+            </a:r>
+          </a:p>
+        </p:txBody>
+      </p:sp>
+      <mc:AlternateContent xmlns:mc="http://schemas.openxmlformats.org/markup-compatibility/2006">
+        <mc:Choice xmlns:a14="http://schemas.microsoft.com/office/drawing/2010/main" Requires="a14">
+          <p:sp>
+            <p:nvSpPr>
+              <p:cNvPr id="3" name="Content Placeholder 2"/>
+              <p:cNvSpPr>
+                <a:spLocks noGrp="1"/>
+              </p:cNvSpPr>
+              <p:nvPr>
+                <p:ph idx="1"/>
+              </p:nvPr>
+            </p:nvSpPr>
+            <p:spPr/>
+            <p:txBody>
+              <a:bodyPr>
+                <a:normAutofit/>
+              </a:bodyPr>
+              <a:lstStyle/>
+              <a:p>
+                <a:r>
+                  <a:rPr lang="en-US" dirty="0"/>
+                  <a:t>For the classifier to be more robust to noise, we want to maximize the margin!</a:t>
+                </a:r>
+              </a:p>
+              <a:p>
+                <a:pPr marL="201168" lvl="1" indent="0">
+                  <a:buNone/>
+                </a:pPr>
+                <a:endParaRPr lang="en-US" dirty="0"/>
+              </a:p>
+              <a:p>
+                <a:r>
+                  <a:rPr lang="en-US" dirty="0"/>
+                  <a:t>Define maximum margin classifier</a:t>
+                </a:r>
+              </a:p>
+              <a:p>
+                <a:pPr marL="201168" lvl="1" indent="0">
+                  <a:buNone/>
+                </a:pPr>
+                <a14:m>
+                  <m:oMath xmlns:m="http://schemas.openxmlformats.org/officeDocument/2006/math">
+                    <m:limLow>
+                      <m:limLowPr>
+                        <m:ctrlPr>
+                          <a:rPr lang="en-US" i="1">
+                            <a:latin typeface="Cambria Math" panose="02040503050406030204" pitchFamily="18" charset="0"/>
+                          </a:rPr>
+                        </m:ctrlPr>
+                      </m:limLowPr>
+                      <m:e>
+                        <m:r>
+                          <m:rPr>
+                            <m:sty m:val="p"/>
+                          </m:rPr>
+                          <a:rPr lang="en-US">
+                            <a:latin typeface="Cambria Math" panose="02040503050406030204" pitchFamily="18" charset="0"/>
+                          </a:rPr>
+                          <m:t>max</m:t>
+                        </m:r>
+                      </m:e>
+                      <m:lim>
+                        <m:r>
+                          <a:rPr lang="en-US" i="1">
+                            <a:latin typeface="Cambria Math" panose="02040503050406030204" pitchFamily="18" charset="0"/>
+                          </a:rPr>
+                          <m:t>𝑤</m:t>
+                        </m:r>
+                        <m:r>
+                          <a:rPr lang="en-US" i="1">
+                            <a:latin typeface="Cambria Math" panose="02040503050406030204" pitchFamily="18" charset="0"/>
+                          </a:rPr>
+                          <m:t>, </m:t>
+                        </m:r>
+                        <m:r>
+                          <a:rPr lang="en-US" i="1">
+                            <a:latin typeface="Cambria Math" panose="02040503050406030204" pitchFamily="18" charset="0"/>
+                          </a:rPr>
+                          <m:t>𝛾</m:t>
+                        </m:r>
+                      </m:lim>
+                    </m:limLow>
+                    <m:r>
+                      <a:rPr lang="en-US" i="1">
+                        <a:latin typeface="Cambria Math" panose="02040503050406030204" pitchFamily="18" charset="0"/>
+                      </a:rPr>
+                      <m:t> </m:t>
+                    </m:r>
+                    <m:r>
+                      <a:rPr lang="en-US" i="1">
+                        <a:latin typeface="Cambria Math" panose="02040503050406030204" pitchFamily="18" charset="0"/>
+                      </a:rPr>
+                      <m:t>𝛾</m:t>
+                    </m:r>
+                  </m:oMath>
+                </a14:m>
+                <a:r>
+                  <a:rPr lang="en-US" i="1" dirty="0">
+                    <a:latin typeface="Cambria Math" panose="02040503050406030204" pitchFamily="18" charset="0"/>
+                  </a:rPr>
+                  <a:t> </a:t>
+                </a:r>
+              </a:p>
+              <a:p>
+                <a:pPr lvl="1"/>
+                <a:r>
+                  <a:rPr lang="en-US" dirty="0"/>
+                  <a:t>Such that </a:t>
+                </a:r>
+                <a14:m>
+                  <m:oMath xmlns:m="http://schemas.openxmlformats.org/officeDocument/2006/math">
+                    <m:sSub>
+                      <m:sSubPr>
+                        <m:ctrlPr>
+                          <a:rPr lang="en-US" b="0" i="1" smtClean="0">
+                            <a:latin typeface="Cambria Math" panose="02040503050406030204" pitchFamily="18" charset="0"/>
+                          </a:rPr>
+                        </m:ctrlPr>
+                      </m:sSubPr>
+                      <m:e>
+                        <m:r>
+                          <a:rPr lang="en-US" b="0" i="1" smtClean="0">
+                            <a:latin typeface="Cambria Math" panose="02040503050406030204" pitchFamily="18" charset="0"/>
+                          </a:rPr>
+                          <m:t>𝑦</m:t>
+                        </m:r>
+                      </m:e>
+                      <m:sub>
+                        <m:r>
+                          <a:rPr lang="en-US" b="0" i="1" smtClean="0">
+                            <a:latin typeface="Cambria Math" panose="02040503050406030204" pitchFamily="18" charset="0"/>
+                          </a:rPr>
+                          <m:t>𝑖</m:t>
+                        </m:r>
+                      </m:sub>
+                    </m:sSub>
+                    <m:d>
+                      <m:dPr>
+                        <m:ctrlPr>
+                          <a:rPr lang="en-US" b="0" i="1" smtClean="0">
+                            <a:latin typeface="Cambria Math" panose="02040503050406030204" pitchFamily="18" charset="0"/>
+                          </a:rPr>
+                        </m:ctrlPr>
+                      </m:dPr>
+                      <m:e>
+                        <m:r>
+                          <a:rPr lang="en-US" b="0" i="1" smtClean="0">
+                            <a:latin typeface="Cambria Math" panose="02040503050406030204" pitchFamily="18" charset="0"/>
+                          </a:rPr>
+                          <m:t>𝑏</m:t>
+                        </m:r>
+                        <m:r>
+                          <a:rPr lang="en-US" b="0" i="1" smtClean="0">
+                            <a:latin typeface="Cambria Math" panose="02040503050406030204" pitchFamily="18" charset="0"/>
+                          </a:rPr>
+                          <m:t>+</m:t>
+                        </m:r>
+                        <m:sSup>
+                          <m:sSupPr>
+                            <m:ctrlPr>
+                              <a:rPr lang="en-US" b="0" i="1" smtClean="0">
+                                <a:latin typeface="Cambria Math" panose="02040503050406030204" pitchFamily="18" charset="0"/>
+                              </a:rPr>
+                            </m:ctrlPr>
+                          </m:sSupPr>
+                          <m:e>
+                            <m:r>
+                              <a:rPr lang="en-US" b="1" i="1" smtClean="0">
+                                <a:latin typeface="Cambria Math" panose="02040503050406030204" pitchFamily="18" charset="0"/>
+                              </a:rPr>
+                              <m:t>𝒘</m:t>
+                            </m:r>
+                          </m:e>
+                          <m:sup>
+                            <m:r>
+                              <a:rPr lang="en-US" b="0" i="1" smtClean="0">
+                                <a:latin typeface="Cambria Math" panose="02040503050406030204" pitchFamily="18" charset="0"/>
+                              </a:rPr>
+                              <m:t>𝑇</m:t>
+                            </m:r>
+                          </m:sup>
+                        </m:sSup>
+                        <m:r>
+                          <a:rPr lang="en-US" b="1" i="1" smtClean="0">
+                            <a:latin typeface="Cambria Math" panose="02040503050406030204" pitchFamily="18" charset="0"/>
+                          </a:rPr>
+                          <m:t>𝒙</m:t>
+                        </m:r>
+                      </m:e>
+                    </m:d>
+                    <m:r>
+                      <a:rPr lang="en-US" b="0" i="1" smtClean="0">
+                        <a:latin typeface="Cambria Math" panose="02040503050406030204" pitchFamily="18" charset="0"/>
+                      </a:rPr>
+                      <m:t>≥</m:t>
+                    </m:r>
+                    <m:r>
+                      <a:rPr lang="en-US" b="0" i="1" smtClean="0">
+                        <a:latin typeface="Cambria Math" panose="02040503050406030204" pitchFamily="18" charset="0"/>
+                      </a:rPr>
+                      <m:t>𝛾</m:t>
+                    </m:r>
+                    <m:r>
+                      <a:rPr lang="en-US" b="0" i="1" smtClean="0">
+                        <a:latin typeface="Cambria Math" panose="02040503050406030204" pitchFamily="18" charset="0"/>
+                      </a:rPr>
+                      <m:t>   </m:t>
+                    </m:r>
+                    <m:r>
+                      <m:rPr>
+                        <m:nor/>
+                      </m:rPr>
+                      <a:rPr lang="en-US" b="0" i="0" smtClean="0">
+                        <a:latin typeface="Cambria Math" panose="02040503050406030204" pitchFamily="18" charset="0"/>
+                      </a:rPr>
+                      <m:t>for</m:t>
+                    </m:r>
+                    <m:r>
+                      <m:rPr>
+                        <m:nor/>
+                      </m:rPr>
+                      <a:rPr lang="en-US" b="0" i="0" smtClean="0">
+                        <a:latin typeface="Cambria Math" panose="02040503050406030204" pitchFamily="18" charset="0"/>
+                      </a:rPr>
+                      <m:t> </m:t>
+                    </m:r>
+                    <m:r>
+                      <m:rPr>
+                        <m:nor/>
+                      </m:rPr>
+                      <a:rPr lang="en-US" b="0" i="0" smtClean="0">
+                        <a:latin typeface="Cambria Math" panose="02040503050406030204" pitchFamily="18" charset="0"/>
+                      </a:rPr>
+                      <m:t>all</m:t>
+                    </m:r>
+                    <m:r>
+                      <a:rPr lang="en-US" b="0" i="1" smtClean="0">
+                        <a:latin typeface="Cambria Math" panose="02040503050406030204" pitchFamily="18" charset="0"/>
+                      </a:rPr>
+                      <m:t> </m:t>
+                    </m:r>
+                    <m:r>
+                      <a:rPr lang="en-US" b="0" i="1" smtClean="0">
+                        <a:latin typeface="Cambria Math" panose="02040503050406030204" pitchFamily="18" charset="0"/>
+                      </a:rPr>
+                      <m:t>𝑖</m:t>
+                    </m:r>
+                  </m:oMath>
+                </a14:m>
+                <a:endParaRPr lang="en-US" b="0" i="1" dirty="0">
+                  <a:latin typeface="Cambria Math" panose="02040503050406030204" pitchFamily="18" charset="0"/>
+                </a:endParaRPr>
+              </a:p>
+              <a:p>
+                <a:pPr lvl="1"/>
+                <a:r>
+                  <a:rPr lang="en-US" b="0" dirty="0"/>
+                  <a:t>                  </a:t>
+                </a:r>
+                <a14:m>
+                  <m:oMath xmlns:m="http://schemas.openxmlformats.org/officeDocument/2006/math">
+                    <m:nary>
+                      <m:naryPr>
+                        <m:chr m:val="∑"/>
+                        <m:limLoc m:val="subSup"/>
+                        <m:ctrlPr>
+                          <a:rPr lang="en-US" b="0" i="1" smtClean="0">
+                            <a:latin typeface="Cambria Math" panose="02040503050406030204" pitchFamily="18" charset="0"/>
+                          </a:rPr>
+                        </m:ctrlPr>
+                      </m:naryPr>
+                      <m:sub>
+                        <m:r>
+                          <m:rPr>
+                            <m:brk m:alnAt="25"/>
+                          </m:rPr>
+                          <a:rPr lang="en-US" b="0" i="1" smtClean="0">
+                            <a:latin typeface="Cambria Math" panose="02040503050406030204" pitchFamily="18" charset="0"/>
+                          </a:rPr>
+                          <m:t>𝑗</m:t>
+                        </m:r>
+                        <m:r>
+                          <a:rPr lang="en-US" b="0" i="1" smtClean="0">
+                            <a:latin typeface="Cambria Math" panose="02040503050406030204" pitchFamily="18" charset="0"/>
+                          </a:rPr>
+                          <m:t>=1</m:t>
+                        </m:r>
+                      </m:sub>
+                      <m:sup>
+                        <m:r>
+                          <a:rPr lang="en-US" b="0" i="1" smtClean="0">
+                            <a:latin typeface="Cambria Math" panose="02040503050406030204" pitchFamily="18" charset="0"/>
+                          </a:rPr>
+                          <m:t>𝑑</m:t>
+                        </m:r>
+                      </m:sup>
+                      <m:e>
+                        <m:sSubSup>
+                          <m:sSubSupPr>
+                            <m:ctrlPr>
+                              <a:rPr lang="en-US" b="0" i="1" smtClean="0">
+                                <a:latin typeface="Cambria Math" panose="02040503050406030204" pitchFamily="18" charset="0"/>
+                              </a:rPr>
+                            </m:ctrlPr>
+                          </m:sSubSupPr>
+                          <m:e>
+                            <m:r>
+                              <a:rPr lang="en-US" b="0" i="1" smtClean="0">
+                                <a:latin typeface="Cambria Math" panose="02040503050406030204" pitchFamily="18" charset="0"/>
+                              </a:rPr>
+                              <m:t>𝑤</m:t>
+                            </m:r>
+                          </m:e>
+                          <m:sub>
+                            <m:r>
+                              <a:rPr lang="en-US" b="0" i="1" smtClean="0">
+                                <a:latin typeface="Cambria Math" panose="02040503050406030204" pitchFamily="18" charset="0"/>
+                              </a:rPr>
+                              <m:t>𝑗</m:t>
+                            </m:r>
+                          </m:sub>
+                          <m:sup>
+                            <m:r>
+                              <a:rPr lang="en-US" b="0" i="1" smtClean="0">
+                                <a:latin typeface="Cambria Math" panose="02040503050406030204" pitchFamily="18" charset="0"/>
+                              </a:rPr>
+                              <m:t>2</m:t>
+                            </m:r>
+                          </m:sup>
+                        </m:sSubSup>
+                      </m:e>
+                    </m:nary>
+                    <m:r>
+                      <a:rPr lang="en-US" b="0" i="1" smtClean="0">
+                        <a:latin typeface="Cambria Math" panose="02040503050406030204" pitchFamily="18" charset="0"/>
+                      </a:rPr>
+                      <m:t>≤1</m:t>
+                    </m:r>
+                  </m:oMath>
+                </a14:m>
+                <a:r>
+                  <a:rPr lang="en-US" b="0" dirty="0"/>
+                  <a:t> </a:t>
+                </a:r>
+              </a:p>
+              <a:p>
+                <a:pPr lvl="1"/>
+                <a:endParaRPr lang="en-US" dirty="0"/>
+              </a:p>
+              <a:p>
+                <a:r>
+                  <a:rPr lang="en-US" b="0" dirty="0"/>
+                  <a:t>Called a constrained optimization</a:t>
+                </a:r>
+              </a:p>
+              <a:p>
+                <a:pPr lvl="1"/>
+                <a:r>
+                  <a:rPr lang="en-US" dirty="0"/>
+                  <a:t>Objective function and constraints</a:t>
+                </a:r>
+              </a:p>
+              <a:p>
+                <a:pPr lvl="1"/>
+                <a:r>
+                  <a:rPr lang="en-US" b="0" dirty="0"/>
+                  <a:t>More on this later.</a:t>
+                </a:r>
+              </a:p>
+              <a:p>
+                <a:r>
+                  <a:rPr lang="en-US" dirty="0"/>
+                  <a:t>See closed form solution in Sec. 4.5.2 in ESL. Note notation difference.</a:t>
+                </a:r>
+                <a:endParaRPr lang="en-US" b="0" dirty="0"/>
+              </a:p>
+              <a:p>
+                <a:pPr marL="0" indent="0">
+                  <a:buNone/>
+                </a:pPr>
+                <a:endParaRPr lang="en-US" dirty="0"/>
+              </a:p>
+            </p:txBody>
+          </p:sp>
+        </mc:Choice>
+        <mc:Fallback>
+          <p:sp>
+            <p:nvSpPr>
+              <p:cNvPr id="3" name="Content Placeholder 2"/>
+              <p:cNvSpPr>
+                <a:spLocks noGrp="1" noRot="1" noChangeAspect="1" noMove="1" noResize="1" noEditPoints="1" noAdjustHandles="1" noChangeArrowheads="1" noChangeShapeType="1" noTextEdit="1"/>
+              </p:cNvSpPr>
+              <p:nvPr>
+                <p:ph idx="1"/>
+              </p:nvPr>
+            </p:nvSpPr>
+            <p:spPr>
+              <a:blipFill>
+                <a:blip r:embed="rId2"/>
+                <a:stretch>
+                  <a:fillRect l="-1261" t="-1462"/>
+                </a:stretch>
+              </a:blipFill>
+            </p:spPr>
+            <p:txBody>
+              <a:bodyPr/>
+              <a:lstStyle/>
+              <a:p>
+                <a:r>
+                  <a:rPr lang="en-US">
+                    <a:noFill/>
+                  </a:rPr>
+                  <a:t> </a:t>
+                </a:r>
+              </a:p>
+            </p:txBody>
+          </p:sp>
+        </mc:Fallback>
+      </mc:AlternateContent>
+      <p:sp>
+        <p:nvSpPr>
+          <p:cNvPr id="4" name="Slide Number Placeholder 3"/>
+          <p:cNvSpPr>
+            <a:spLocks noGrp="1"/>
+          </p:cNvSpPr>
+          <p:nvPr>
+            <p:ph type="sldNum" sz="quarter" idx="12"/>
+          </p:nvPr>
+        </p:nvSpPr>
+        <p:spPr/>
+        <p:txBody>
+          <a:bodyPr/>
+          <a:lstStyle/>
+          <a:p>
+            <a:fld id="{629637A9-119A-49DA-BD12-AAC58B377D80}" type="slidenum">
+              <a:rPr lang="en-US" smtClean="0"/>
+              <a:t>21</a:t>
+            </a:fld>
+            <a:endParaRPr lang="en-US" dirty="0"/>
+          </a:p>
+        </p:txBody>
+      </p:sp>
+      <p:cxnSp>
+        <p:nvCxnSpPr>
+          <p:cNvPr id="6" name="Straight Arrow Connector 5"/>
+          <p:cNvCxnSpPr/>
+          <p:nvPr/>
+        </p:nvCxnSpPr>
+        <p:spPr>
+          <a:xfrm flipH="1">
+            <a:off x="5388855" y="3226813"/>
+            <a:ext cx="1107347" cy="8389"/>
+          </a:xfrm>
+          <a:prstGeom prst="straightConnector1">
+            <a:avLst/>
+          </a:prstGeom>
+          <a:ln>
+            <a:tailEnd type="triangle"/>
+          </a:ln>
+        </p:spPr>
+        <p:style>
+          <a:lnRef idx="1">
+            <a:schemeClr val="accent1"/>
+          </a:lnRef>
+          <a:fillRef idx="0">
+            <a:schemeClr val="accent1"/>
+          </a:fillRef>
+          <a:effectRef idx="0">
+            <a:schemeClr val="accent1"/>
+          </a:effectRef>
+          <a:fontRef idx="minor">
+            <a:schemeClr val="tx1"/>
+          </a:fontRef>
+        </p:style>
+      </p:cxnSp>
+      <p:cxnSp>
+        <p:nvCxnSpPr>
+          <p:cNvPr id="7" name="Straight Arrow Connector 6"/>
+          <p:cNvCxnSpPr/>
+          <p:nvPr/>
+        </p:nvCxnSpPr>
+        <p:spPr>
+          <a:xfrm flipH="1">
+            <a:off x="3880236" y="3579150"/>
+            <a:ext cx="2615966" cy="18176"/>
+          </a:xfrm>
+          <a:prstGeom prst="straightConnector1">
+            <a:avLst/>
+          </a:prstGeom>
+          <a:ln>
+            <a:tailEnd type="triangle"/>
+          </a:ln>
+        </p:spPr>
+        <p:style>
+          <a:lnRef idx="1">
+            <a:schemeClr val="accent1"/>
+          </a:lnRef>
+          <a:fillRef idx="0">
+            <a:schemeClr val="accent1"/>
+          </a:fillRef>
+          <a:effectRef idx="0">
+            <a:schemeClr val="accent1"/>
+          </a:effectRef>
+          <a:fontRef idx="minor">
+            <a:schemeClr val="tx1"/>
+          </a:fontRef>
+        </p:style>
+      </p:cxnSp>
+      <p:cxnSp>
+        <p:nvCxnSpPr>
+          <p:cNvPr id="9" name="Straight Arrow Connector 8"/>
+          <p:cNvCxnSpPr/>
+          <p:nvPr/>
+        </p:nvCxnSpPr>
+        <p:spPr>
+          <a:xfrm flipH="1">
+            <a:off x="2229003" y="2832530"/>
+            <a:ext cx="4267199" cy="19574"/>
+          </a:xfrm>
+          <a:prstGeom prst="straightConnector1">
+            <a:avLst/>
+          </a:prstGeom>
+          <a:ln>
+            <a:tailEnd type="triangle"/>
+          </a:ln>
+        </p:spPr>
+        <p:style>
+          <a:lnRef idx="1">
+            <a:schemeClr val="accent1"/>
+          </a:lnRef>
+          <a:fillRef idx="0">
+            <a:schemeClr val="accent1"/>
+          </a:fillRef>
+          <a:effectRef idx="0">
+            <a:schemeClr val="accent1"/>
+          </a:effectRef>
+          <a:fontRef idx="minor">
+            <a:schemeClr val="tx1"/>
+          </a:fontRef>
+        </p:style>
+      </p:cxnSp>
+      <p:sp>
+        <p:nvSpPr>
+          <p:cNvPr id="11" name="TextBox 10"/>
+          <p:cNvSpPr txBox="1"/>
+          <p:nvPr/>
+        </p:nvSpPr>
+        <p:spPr>
+          <a:xfrm>
+            <a:off x="6702543" y="2596973"/>
+            <a:ext cx="2246897" cy="369332"/>
+          </a:xfrm>
+          <a:prstGeom prst="rect">
+            <a:avLst/>
+          </a:prstGeom>
+          <a:noFill/>
+        </p:spPr>
+        <p:txBody>
+          <a:bodyPr wrap="none" rtlCol="0">
+            <a:spAutoFit/>
+          </a:bodyPr>
+          <a:lstStyle/>
+          <a:p>
+            <a:r>
+              <a:rPr lang="en-US" dirty="0"/>
+              <a:t>Maximizes the margin</a:t>
+            </a:r>
+          </a:p>
+        </p:txBody>
+      </p:sp>
+      <p:sp>
+        <p:nvSpPr>
+          <p:cNvPr id="12" name="TextBox 11"/>
+          <p:cNvSpPr txBox="1"/>
+          <p:nvPr/>
+        </p:nvSpPr>
+        <p:spPr>
+          <a:xfrm>
+            <a:off x="6702543" y="3042147"/>
+            <a:ext cx="3956276" cy="369332"/>
+          </a:xfrm>
+          <a:prstGeom prst="rect">
+            <a:avLst/>
+          </a:prstGeom>
+          <a:noFill/>
+        </p:spPr>
+        <p:txBody>
+          <a:bodyPr wrap="none" rtlCol="0">
+            <a:spAutoFit/>
+          </a:bodyPr>
+          <a:lstStyle/>
+          <a:p>
+            <a:r>
+              <a:rPr lang="en-US" dirty="0"/>
+              <a:t>Ensures all points are correctly classified</a:t>
+            </a:r>
+          </a:p>
+        </p:txBody>
+      </p:sp>
+      <p:sp>
+        <p:nvSpPr>
+          <p:cNvPr id="13" name="TextBox 12"/>
+          <p:cNvSpPr txBox="1"/>
+          <p:nvPr/>
+        </p:nvSpPr>
+        <p:spPr>
+          <a:xfrm>
+            <a:off x="6702543" y="3439276"/>
+            <a:ext cx="1909818" cy="369332"/>
+          </a:xfrm>
+          <a:prstGeom prst="rect">
+            <a:avLst/>
+          </a:prstGeom>
+          <a:noFill/>
+        </p:spPr>
+        <p:txBody>
+          <a:bodyPr wrap="none" rtlCol="0">
+            <a:spAutoFit/>
+          </a:bodyPr>
+          <a:lstStyle/>
+          <a:p>
+            <a:r>
+              <a:rPr lang="en-US" dirty="0"/>
+              <a:t>Scaling on weights</a:t>
+            </a:r>
+          </a:p>
+        </p:txBody>
+      </p:sp>
+    </p:spTree>
+    <p:extLst>
+      <p:ext uri="{BB962C8B-B14F-4D97-AF65-F5344CB8AC3E}">
+        <p14:creationId xmlns:p14="http://schemas.microsoft.com/office/powerpoint/2010/main" val="1461891519"/>
+      </p:ext>
+    </p:extLst>
+  </p:cSld>
+  <p:clrMapOvr>
+    <a:masterClrMapping/>
+  </p:clrMapOvr>
+</p:sld>
+</file>
+
+<file path=ppt/slides/slide22.xml><?xml version="1.0" encoding="utf-8"?>
+<p:sld xmlns:a="http://schemas.openxmlformats.org/drawingml/2006/main" xmlns:r="http://schemas.openxmlformats.org/officeDocument/2006/relationships" xmlns:p="http://schemas.openxmlformats.org/presentationml/2006/main">
+  <p:cSld>
+    <p:spTree>
+      <p:nvGrpSpPr>
+        <p:cNvPr id="1" name=""/>
+        <p:cNvGrpSpPr/>
+        <p:nvPr/>
+      </p:nvGrpSpPr>
+      <p:grpSpPr>
+        <a:xfrm>
+          <a:off x="0" y="0"/>
+          <a:ext cx="0" cy="0"/>
+          <a:chOff x="0" y="0"/>
+          <a:chExt cx="0" cy="0"/>
+        </a:xfrm>
+      </p:grpSpPr>
+      <p:sp>
+        <p:nvSpPr>
+          <p:cNvPr id="2" name="Title 1"/>
+          <p:cNvSpPr>
+            <a:spLocks noGrp="1"/>
+          </p:cNvSpPr>
+          <p:nvPr>
+            <p:ph type="title"/>
+          </p:nvPr>
+        </p:nvSpPr>
+        <p:spPr/>
+        <p:txBody>
+          <a:bodyPr/>
+          <a:lstStyle/>
+          <a:p>
+            <a:r>
+              <a:rPr lang="en-US" dirty="0"/>
+              <a:t>Visualizing Maximum Margin Classifier</a:t>
+            </a:r>
+          </a:p>
+        </p:txBody>
+      </p:sp>
+      <p:sp>
+        <p:nvSpPr>
+          <p:cNvPr id="3" name="Content Placeholder 2"/>
+          <p:cNvSpPr>
+            <a:spLocks noGrp="1"/>
+          </p:cNvSpPr>
+          <p:nvPr>
+            <p:ph idx="1"/>
+          </p:nvPr>
+        </p:nvSpPr>
+        <p:spPr>
+          <a:xfrm>
+            <a:off x="5691672" y="1735494"/>
+            <a:ext cx="5355772" cy="3783745"/>
+          </a:xfrm>
+        </p:spPr>
+        <p:txBody>
+          <a:bodyPr/>
+          <a:lstStyle/>
+          <a:p>
+            <a:r>
+              <a:rPr lang="en-US" dirty="0"/>
+              <a:t>Fig. 9.3 of ISL</a:t>
+            </a:r>
+          </a:p>
+          <a:p>
+            <a:r>
+              <a:rPr lang="en-US" dirty="0"/>
+              <a:t>Margin determined by closest points to the line</a:t>
+            </a:r>
+          </a:p>
+          <a:p>
+            <a:pPr lvl="1"/>
+            <a:r>
+              <a:rPr lang="en-US" dirty="0"/>
+              <a:t>The maximal margin hyperplane represents the mid-line of the </a:t>
+            </a:r>
+            <a:r>
+              <a:rPr lang="en-US" dirty="0">
+                <a:solidFill>
+                  <a:srgbClr val="FF0000"/>
+                </a:solidFill>
+              </a:rPr>
+              <a:t>widest “slab” </a:t>
+            </a:r>
+            <a:r>
+              <a:rPr lang="en-US" dirty="0"/>
+              <a:t>that we can insert between two classes</a:t>
+            </a:r>
+          </a:p>
+          <a:p>
+            <a:r>
+              <a:rPr lang="en-US" dirty="0"/>
+              <a:t>In this figure, there are 3 points at the margin</a:t>
+            </a:r>
+          </a:p>
+        </p:txBody>
+      </p:sp>
+      <p:sp>
+        <p:nvSpPr>
+          <p:cNvPr id="4" name="Slide Number Placeholder 3"/>
+          <p:cNvSpPr>
+            <a:spLocks noGrp="1"/>
+          </p:cNvSpPr>
+          <p:nvPr>
+            <p:ph type="sldNum" sz="quarter" idx="12"/>
+          </p:nvPr>
+        </p:nvSpPr>
+        <p:spPr/>
+        <p:txBody>
+          <a:bodyPr/>
+          <a:lstStyle/>
+          <a:p>
+            <a:fld id="{629637A9-119A-49DA-BD12-AAC58B377D80}" type="slidenum">
+              <a:rPr lang="en-US" smtClean="0"/>
+              <a:t>22</a:t>
+            </a:fld>
+            <a:endParaRPr lang="en-US" dirty="0"/>
+          </a:p>
+        </p:txBody>
+      </p:sp>
+      <p:pic>
+        <p:nvPicPr>
+          <p:cNvPr id="5" name="Picture 4"/>
+          <p:cNvPicPr>
+            <a:picLocks noChangeAspect="1"/>
+          </p:cNvPicPr>
+          <p:nvPr/>
+        </p:nvPicPr>
+        <p:blipFill>
+          <a:blip r:embed="rId2"/>
+          <a:stretch>
+            <a:fillRect/>
+          </a:stretch>
+        </p:blipFill>
+        <p:spPr>
+          <a:xfrm>
+            <a:off x="888411" y="1735494"/>
+            <a:ext cx="4109776" cy="3713355"/>
+          </a:xfrm>
+          <a:prstGeom prst="rect">
+            <a:avLst/>
+          </a:prstGeom>
+        </p:spPr>
+      </p:pic>
+      <p:sp>
+        <p:nvSpPr>
+          <p:cNvPr id="6" name="TextBox 5">
+            <a:extLst>
+              <a:ext uri="{FF2B5EF4-FFF2-40B4-BE49-F238E27FC236}">
+                <a16:creationId xmlns:a16="http://schemas.microsoft.com/office/drawing/2014/main" id="{6DDF4945-78EF-EA49-9D71-681955EF47C7}"/>
+              </a:ext>
+            </a:extLst>
+          </p:cNvPr>
+          <p:cNvSpPr txBox="1"/>
+          <p:nvPr/>
+        </p:nvSpPr>
+        <p:spPr>
+          <a:xfrm>
+            <a:off x="5691672" y="4721086"/>
+            <a:ext cx="5702547" cy="646331"/>
+          </a:xfrm>
+          <a:prstGeom prst="rect">
+            <a:avLst/>
+          </a:prstGeom>
+          <a:noFill/>
+        </p:spPr>
+        <p:txBody>
+          <a:bodyPr wrap="square" rtlCol="0">
+            <a:spAutoFit/>
+          </a:bodyPr>
+          <a:lstStyle/>
+          <a:p>
+            <a:r>
+              <a:rPr lang="en-US" dirty="0"/>
+              <a:t>ISL: James, Witten, Hastie, </a:t>
+            </a:r>
+            <a:r>
+              <a:rPr lang="en-US" dirty="0" err="1"/>
+              <a:t>Tibshirani</a:t>
+            </a:r>
+            <a:r>
+              <a:rPr lang="en-US" dirty="0"/>
+              <a:t>, An Introduction to Statistical Learning, Springer. 2013.</a:t>
+            </a:r>
+          </a:p>
+        </p:txBody>
+      </p:sp>
+    </p:spTree>
+    <p:extLst>
+      <p:ext uri="{BB962C8B-B14F-4D97-AF65-F5344CB8AC3E}">
+        <p14:creationId xmlns:p14="http://schemas.microsoft.com/office/powerpoint/2010/main" val="1731337654"/>
+      </p:ext>
+    </p:extLst>
+  </p:cSld>
+  <p:clrMapOvr>
+    <a:masterClrMapping/>
+  </p:clrMapOvr>
+</p:sld>
+</file>
+
+<file path=ppt/slides/slide23.xml><?xml version="1.0" encoding="utf-8"?>
+<p:sld xmlns:a="http://schemas.openxmlformats.org/drawingml/2006/main" xmlns:r="http://schemas.openxmlformats.org/officeDocument/2006/relationships" xmlns:p="http://schemas.openxmlformats.org/presentationml/2006/main">
+  <p:cSld>
+    <p:spTree>
+      <p:nvGrpSpPr>
+        <p:cNvPr id="1" name=""/>
+        <p:cNvGrpSpPr/>
+        <p:nvPr/>
+      </p:nvGrpSpPr>
+      <p:grpSpPr>
+        <a:xfrm>
+          <a:off x="0" y="0"/>
+          <a:ext cx="0" cy="0"/>
+          <a:chOff x="0" y="0"/>
+          <a:chExt cx="0" cy="0"/>
+        </a:xfrm>
+      </p:grpSpPr>
+      <p:sp>
+        <p:nvSpPr>
           <p:cNvPr id="2" name="Title 1"/>
           <p:cNvSpPr>
             <a:spLocks noGrp="1"/>
@@ -9942,7 +11715,7 @@
           <a:p>
             <a:fld id="{629637A9-119A-49DA-BD12-AAC58B377D80}" type="slidenum">
               <a:rPr lang="en-US" smtClean="0"/>
-              <a:t>20</a:t>
+              <a:t>23</a:t>
             </a:fld>
             <a:endParaRPr lang="en-US" dirty="0"/>
           </a:p>
@@ -10067,7 +11840,7 @@
 </p:sld>
 </file>
 
-<file path=ppt/slides/slide21.xml><?xml version="1.0" encoding="utf-8"?>
+<file path=ppt/slides/slide24.xml><?xml version="1.0" encoding="utf-8"?>
 <p:sld xmlns:a="http://schemas.openxmlformats.org/drawingml/2006/main" xmlns:r="http://schemas.openxmlformats.org/officeDocument/2006/relationships" xmlns:p="http://schemas.openxmlformats.org/presentationml/2006/main">
   <p:cSld>
     <p:spTree>
@@ -10176,7 +11949,7 @@
           <a:p>
             <a:fld id="{629637A9-119A-49DA-BD12-AAC58B377D80}" type="slidenum">
               <a:rPr lang="en-US" smtClean="0"/>
-              <a:t>21</a:t>
+              <a:t>24</a:t>
             </a:fld>
             <a:endParaRPr lang="en-US" dirty="0"/>
           </a:p>
@@ -10241,7 +12014,7 @@
 </p:sld>
 </file>
 
-<file path=ppt/slides/slide22.xml><?xml version="1.0" encoding="utf-8"?>
+<file path=ppt/slides/slide25.xml><?xml version="1.0" encoding="utf-8"?>
 <p:sld xmlns:a="http://schemas.openxmlformats.org/drawingml/2006/main" xmlns:r="http://schemas.openxmlformats.org/officeDocument/2006/relationships" xmlns:p="http://schemas.openxmlformats.org/presentationml/2006/main">
   <p:cSld>
     <p:spTree>
@@ -10297,7 +12070,9 @@
           </a:xfrm>
         </p:spPr>
         <p:txBody>
-          <a:bodyPr/>
+          <a:bodyPr>
+            <a:normAutofit lnSpcReduction="10000"/>
+          </a:bodyPr>
           <a:lstStyle/>
           <a:p>
             <a:r>
@@ -10351,6 +12126,20 @@
             <a:r>
               <a:rPr lang="en-US" dirty="0"/>
               <a:t>Key idea: Allow “slack” in the classification</a:t>
+            </a:r>
+          </a:p>
+          <a:p>
+            <a:pPr lvl="1"/>
+            <a:r>
+              <a:rPr lang="en-US" dirty="0"/>
+              <a:t>Support vector classifier (SVC): Directly use raw features. Good when the original feature space is roughly linearly separable</a:t>
+            </a:r>
+          </a:p>
+          <a:p>
+            <a:pPr lvl="1"/>
+            <a:r>
+              <a:rPr lang="en-US" dirty="0"/>
+              <a:t>Support vector machine (SVM): Map the raw features to some other domain through a kernel function</a:t>
             </a:r>
           </a:p>
           <a:p>
@@ -10375,7 +12164,7 @@
           <a:p>
             <a:fld id="{629637A9-119A-49DA-BD12-AAC58B377D80}" type="slidenum">
               <a:rPr lang="en-US" smtClean="0"/>
-              <a:t>22</a:t>
+              <a:t>25</a:t>
             </a:fld>
             <a:endParaRPr lang="en-US" dirty="0"/>
           </a:p>
@@ -10459,7 +12248,7 @@
 </p:sld>
 </file>
 
-<file path=ppt/slides/slide23.xml><?xml version="1.0" encoding="utf-8"?>
+<file path=ppt/slides/slide26.xml><?xml version="1.0" encoding="utf-8"?>
 <p:sld xmlns:a="http://schemas.openxmlformats.org/drawingml/2006/main" xmlns:r="http://schemas.openxmlformats.org/officeDocument/2006/relationships" xmlns:p="http://schemas.openxmlformats.org/presentationml/2006/main">
   <p:cSld>
     <p:spTree>
@@ -10498,8 +12287,8 @@
           </a:p>
         </p:txBody>
       </p:sp>
-      <mc:AlternateContent xmlns:mc="http://schemas.openxmlformats.org/markup-compatibility/2006" xmlns:a14="http://schemas.microsoft.com/office/drawing/2010/main">
-        <mc:Choice Requires="a14">
+      <mc:AlternateContent xmlns:mc="http://schemas.openxmlformats.org/markup-compatibility/2006">
+        <mc:Choice xmlns:a14="http://schemas.microsoft.com/office/drawing/2010/main" Requires="a14">
           <p:sp>
             <p:nvSpPr>
               <p:cNvPr id="3" name="Content Placeholder 2"/>
@@ -11172,7 +12961,7 @@
                 </a14:m>
                 <a:r>
                   <a:rPr lang="en-US" dirty="0"/>
-                  <a:t>Sample margin too small</a:t>
+                  <a:t>Sample margin too small, small loss</a:t>
                 </a:r>
               </a:p>
               <a:p>
@@ -11245,7 +13034,7 @@
                 </a14:m>
                 <a:r>
                   <a:rPr lang="en-US" dirty="0"/>
-                  <a:t>Sample misclassified</a:t>
+                  <a:t>Sample misclassified, large loss</a:t>
                 </a:r>
               </a:p>
               <a:p>
@@ -11259,7 +13048,7 @@
             </p:txBody>
           </p:sp>
         </mc:Choice>
-        <mc:Fallback xmlns="">
+        <mc:Fallback>
           <p:sp>
             <p:nvSpPr>
               <p:cNvPr id="3" name="Content Placeholder 2"/>
@@ -11278,7 +13067,7 @@
               <a:blipFill>
                 <a:blip r:embed="rId2"/>
                 <a:stretch>
-                  <a:fillRect l="-1642" t="-1549"/>
+                  <a:fillRect l="-1422" t="-1462"/>
                 </a:stretch>
               </a:blipFill>
             </p:spPr>
@@ -11314,7 +13103,7 @@
           <a:p>
             <a:fld id="{629637A9-119A-49DA-BD12-AAC58B377D80}" type="slidenum">
               <a:rPr lang="en-US" smtClean="0"/>
-              <a:t>23</a:t>
+              <a:t>26</a:t>
             </a:fld>
             <a:endParaRPr lang="en-US" dirty="0"/>
           </a:p>
@@ -11829,7 +13618,7 @@
 </p:sld>
 </file>
 
-<file path=ppt/slides/slide24.xml><?xml version="1.0" encoding="utf-8"?>
+<file path=ppt/slides/slide27.xml><?xml version="1.0" encoding="utf-8"?>
 <p:sld xmlns:a="http://schemas.openxmlformats.org/drawingml/2006/main" xmlns:r="http://schemas.openxmlformats.org/officeDocument/2006/relationships" xmlns:p="http://schemas.openxmlformats.org/presentationml/2006/main">
   <p:cSld>
     <p:spTree>
@@ -12482,7 +14271,7 @@
           <a:p>
             <a:fld id="{629637A9-119A-49DA-BD12-AAC58B377D80}" type="slidenum">
               <a:rPr lang="en-US" smtClean="0"/>
-              <a:t>24</a:t>
+              <a:t>27</a:t>
             </a:fld>
             <a:endParaRPr lang="en-US" dirty="0"/>
           </a:p>
@@ -12512,7 +14301,7 @@
           <a:p>
             <a:r>
               <a:rPr lang="en-US" dirty="0"/>
-              <a:t>Hinge loss terms</a:t>
+              <a:t>Hinge loss term</a:t>
             </a:r>
           </a:p>
           <a:p>
@@ -12529,8 +14318,8 @@
           </a:p>
         </p:txBody>
       </p:sp>
-      <mc:AlternateContent xmlns:mc="http://schemas.openxmlformats.org/markup-compatibility/2006" xmlns:a14="http://schemas.microsoft.com/office/drawing/2010/main">
-        <mc:Choice Requires="a14">
+      <mc:AlternateContent xmlns:mc="http://schemas.openxmlformats.org/markup-compatibility/2006">
+        <mc:Choice xmlns:a14="http://schemas.microsoft.com/office/drawing/2010/main" Requires="a14">
           <p:sp>
             <p:nvSpPr>
               <p:cNvPr id="15" name="TextBox 14"/>
@@ -12540,7 +14329,7 @@
             <p:spPr>
               <a:xfrm>
                 <a:off x="7890943" y="3242520"/>
-                <a:ext cx="1676100" cy="923330"/>
+                <a:ext cx="2286523" cy="923330"/>
               </a:xfrm>
               <a:prstGeom prst="rect">
                 <a:avLst/>
@@ -12555,8 +14344,12 @@
               <a:p>
                 <a:pPr/>
                 <a:r>
-                  <a:rPr lang="en-US" dirty="0"/>
-                  <a:t>Controls margin</a:t>
+                  <a:rPr lang="en-US" dirty="0">
+                    <a:solidFill>
+                      <a:srgbClr val="FF0000"/>
+                    </a:solidFill>
+                  </a:rPr>
+                  <a:t>C controls final margin</a:t>
                 </a:r>
                 <a:br>
                   <a:rPr lang="en-US" dirty="0"/>
@@ -12564,60 +14357,59 @@
                 <a:br>
                   <a:rPr lang="en-US" dirty="0"/>
                 </a:br>
+                <a:r>
+                  <a:rPr lang="en-US" dirty="0"/>
+                  <a:t>margin=</a:t>
+                </a:r>
                 <a14:m>
-                  <m:oMathPara xmlns:m="http://schemas.openxmlformats.org/officeDocument/2006/math">
-                    <m:oMathParaPr>
-                      <m:jc m:val="centerGroup"/>
-                    </m:oMathParaPr>
-                    <m:oMath xmlns:m="http://schemas.openxmlformats.org/officeDocument/2006/math">
-                      <m:f>
-                        <m:fPr>
-                          <m:type m:val="lin"/>
-                          <m:ctrlPr>
-                            <a:rPr lang="en-US" i="1" smtClean="0">
-                              <a:latin typeface="Cambria Math" panose="02040503050406030204" pitchFamily="18" charset="0"/>
-                            </a:rPr>
-                          </m:ctrlPr>
-                        </m:fPr>
-                        <m:num>
-                          <m:r>
-                            <a:rPr lang="en-US" b="0" i="1" smtClean="0">
-                              <a:latin typeface="Cambria Math" panose="02040503050406030204" pitchFamily="18" charset="0"/>
-                            </a:rPr>
-                            <m:t>1</m:t>
-                          </m:r>
-                        </m:num>
-                        <m:den>
-                          <m:d>
-                            <m:dPr>
-                              <m:begChr m:val="‖"/>
-                              <m:endChr m:val="‖"/>
-                              <m:ctrlPr>
-                                <a:rPr lang="en-US" i="1">
-                                  <a:latin typeface="Cambria Math" panose="02040503050406030204" pitchFamily="18" charset="0"/>
-                                </a:rPr>
-                              </m:ctrlPr>
-                            </m:dPr>
-                            <m:e>
-                              <m:r>
-                                <a:rPr lang="en-US" b="1" i="1" smtClean="0">
-                                  <a:latin typeface="Cambria Math" panose="02040503050406030204" pitchFamily="18" charset="0"/>
-                                </a:rPr>
-                                <m:t>𝒘</m:t>
-                              </m:r>
-                            </m:e>
-                          </m:d>
-                        </m:den>
-                      </m:f>
-                    </m:oMath>
-                  </m:oMathPara>
+                  <m:oMath xmlns:m="http://schemas.openxmlformats.org/officeDocument/2006/math">
+                    <m:f>
+                      <m:fPr>
+                        <m:type m:val="lin"/>
+                        <m:ctrlPr>
+                          <a:rPr lang="en-US" i="1" smtClean="0">
+                            <a:latin typeface="Cambria Math" panose="02040503050406030204" pitchFamily="18" charset="0"/>
+                          </a:rPr>
+                        </m:ctrlPr>
+                      </m:fPr>
+                      <m:num>
+                        <m:r>
+                          <a:rPr lang="en-US" b="0" i="1" smtClean="0">
+                            <a:latin typeface="Cambria Math" panose="02040503050406030204" pitchFamily="18" charset="0"/>
+                          </a:rPr>
+                          <m:t>1</m:t>
+                        </m:r>
+                      </m:num>
+                      <m:den>
+                        <m:d>
+                          <m:dPr>
+                            <m:begChr m:val="‖"/>
+                            <m:endChr m:val="‖"/>
+                            <m:ctrlPr>
+                              <a:rPr lang="en-US" i="1">
+                                <a:latin typeface="Cambria Math" panose="02040503050406030204" pitchFamily="18" charset="0"/>
+                              </a:rPr>
+                            </m:ctrlPr>
+                          </m:dPr>
+                          <m:e>
+                            <m:r>
+                              <a:rPr lang="en-US" b="1" i="1" smtClean="0">
+                                <a:latin typeface="Cambria Math" panose="02040503050406030204" pitchFamily="18" charset="0"/>
+                              </a:rPr>
+                              <m:t>𝒘</m:t>
+                            </m:r>
+                          </m:e>
+                        </m:d>
+                      </m:den>
+                    </m:f>
+                  </m:oMath>
                 </a14:m>
                 <a:endParaRPr lang="en-US" dirty="0"/>
               </a:p>
             </p:txBody>
           </p:sp>
         </mc:Choice>
-        <mc:Fallback xmlns="">
+        <mc:Fallback>
           <p:sp>
             <p:nvSpPr>
               <p:cNvPr id="15" name="TextBox 14"/>
@@ -12629,7 +14421,7 @@
             <p:spPr>
               <a:xfrm>
                 <a:off x="7890943" y="3242520"/>
-                <a:ext cx="1676100" cy="923330"/>
+                <a:ext cx="2286523" cy="923330"/>
               </a:xfrm>
               <a:prstGeom prst="rect">
                 <a:avLst/>
@@ -12637,7 +14429,7 @@
               <a:blipFill>
                 <a:blip r:embed="rId3"/>
                 <a:stretch>
-                  <a:fillRect l="-2909" t="-3974" r="-2545" b="-70861"/>
+                  <a:fillRect l="-1657" t="-2703" r="-1105" b="-66216"/>
                 </a:stretch>
               </a:blipFill>
             </p:spPr>
@@ -12669,7 +14461,7 @@
 </p:sld>
 </file>
 
-<file path=ppt/slides/slide25.xml><?xml version="1.0" encoding="utf-8"?>
+<file path=ppt/slides/slide28.xml><?xml version="1.0" encoding="utf-8"?>
 <p:sld xmlns:a="http://schemas.openxmlformats.org/drawingml/2006/main" xmlns:r="http://schemas.openxmlformats.org/officeDocument/2006/relationships" xmlns:p="http://schemas.openxmlformats.org/presentationml/2006/main">
   <p:cSld>
     <p:spTree>
@@ -12708,8 +14500,8 @@
           </a:p>
         </p:txBody>
       </p:sp>
-      <mc:AlternateContent xmlns:mc="http://schemas.openxmlformats.org/markup-compatibility/2006" xmlns:a14="http://schemas.microsoft.com/office/drawing/2010/main">
-        <mc:Choice Requires="a14">
+      <mc:AlternateContent xmlns:mc="http://schemas.openxmlformats.org/markup-compatibility/2006">
+        <mc:Choice xmlns:a14="http://schemas.microsoft.com/office/drawing/2010/main" Requires="a14">
           <p:sp>
             <p:nvSpPr>
               <p:cNvPr id="3" name="Content Placeholder 2"/>
@@ -12723,7 +14515,7 @@
             <p:spPr/>
             <p:txBody>
               <a:bodyPr>
-                <a:normAutofit/>
+                <a:normAutofit lnSpcReduction="10000"/>
               </a:bodyPr>
               <a:lstStyle/>
               <a:p>
@@ -13625,6 +15417,79 @@
                 </a:r>
               </a:p>
               <a:p>
+                <a:pPr lvl="1"/>
+                <a:r>
+                  <a:rPr lang="en-US" dirty="0"/>
+                  <a:t>Generally one-norm would have absolute sign over </a:t>
+                </a:r>
+                <a14:m>
+                  <m:oMath xmlns:m="http://schemas.openxmlformats.org/officeDocument/2006/math">
+                    <m:sSub>
+                      <m:sSubPr>
+                        <m:ctrlPr>
+                          <a:rPr lang="en-US" i="1">
+                            <a:latin typeface="Cambria Math" panose="02040503050406030204" pitchFamily="18" charset="0"/>
+                          </a:rPr>
+                        </m:ctrlPr>
+                      </m:sSubPr>
+                      <m:e>
+                        <m:r>
+                          <a:rPr lang="en-US" i="1">
+                            <a:latin typeface="Cambria Math" panose="02040503050406030204" pitchFamily="18" charset="0"/>
+                          </a:rPr>
+                          <m:t>𝜖</m:t>
+                        </m:r>
+                      </m:e>
+                      <m:sub>
+                        <m:r>
+                          <a:rPr lang="en-US" i="1">
+                            <a:latin typeface="Cambria Math" panose="02040503050406030204" pitchFamily="18" charset="0"/>
+                          </a:rPr>
+                          <m:t>𝑖</m:t>
+                        </m:r>
+                      </m:sub>
+                    </m:sSub>
+                  </m:oMath>
+                </a14:m>
+                <a:r>
+                  <a:rPr lang="en-US" dirty="0"/>
+                  <a:t>. But in this case, when the constraint is met, </a:t>
+                </a:r>
+                <a14:m>
+                  <m:oMath xmlns:m="http://schemas.openxmlformats.org/officeDocument/2006/math">
+                    <m:sSub>
+                      <m:sSubPr>
+                        <m:ctrlPr>
+                          <a:rPr lang="en-US" i="1">
+                            <a:latin typeface="Cambria Math" panose="02040503050406030204" pitchFamily="18" charset="0"/>
+                          </a:rPr>
+                        </m:ctrlPr>
+                      </m:sSubPr>
+                      <m:e>
+                        <m:r>
+                          <a:rPr lang="en-US" i="1">
+                            <a:latin typeface="Cambria Math" panose="02040503050406030204" pitchFamily="18" charset="0"/>
+                          </a:rPr>
+                          <m:t>𝜖</m:t>
+                        </m:r>
+                      </m:e>
+                      <m:sub>
+                        <m:r>
+                          <a:rPr lang="en-US" i="1">
+                            <a:latin typeface="Cambria Math" panose="02040503050406030204" pitchFamily="18" charset="0"/>
+                          </a:rPr>
+                          <m:t>𝑖</m:t>
+                        </m:r>
+                      </m:sub>
+                    </m:sSub>
+                  </m:oMath>
+                </a14:m>
+                <a:r>
+                  <a:rPr lang="en-US" dirty="0"/>
+                  <a:t>&gt;=0.</a:t>
+                </a:r>
+              </a:p>
+              <a:p>
                 <a:pPr marL="0" indent="0">
                   <a:buNone/>
                 </a:pPr>
@@ -13633,7 +15498,7 @@
             </p:txBody>
           </p:sp>
         </mc:Choice>
-        <mc:Fallback xmlns="">
+        <mc:Fallback>
           <p:sp>
             <p:nvSpPr>
               <p:cNvPr id="3" name="Content Placeholder 2"/>
@@ -13648,7 +15513,7 @@
               <a:blipFill>
                 <a:blip r:embed="rId2"/>
                 <a:stretch>
-                  <a:fillRect l="-1455" t="-1549" b="-5775"/>
+                  <a:fillRect l="-1261" t="-16959"/>
                 </a:stretch>
               </a:blipFill>
             </p:spPr>
@@ -13684,7 +15549,7 @@
           <a:p>
             <a:fld id="{629637A9-119A-49DA-BD12-AAC58B377D80}" type="slidenum">
               <a:rPr lang="en-US" smtClean="0"/>
-              <a:t>25</a:t>
+              <a:t>28</a:t>
             </a:fld>
             <a:endParaRPr lang="en-US" dirty="0"/>
           </a:p>
@@ -13703,7 +15568,7 @@
 </p:sld>
 </file>
 
-<file path=ppt/slides/slide26.xml><?xml version="1.0" encoding="utf-8"?>
+<file path=ppt/slides/slide29.xml><?xml version="1.0" encoding="utf-8"?>
 <p:sld xmlns:a="http://schemas.openxmlformats.org/drawingml/2006/main" xmlns:r="http://schemas.openxmlformats.org/officeDocument/2006/relationships" xmlns:p="http://schemas.openxmlformats.org/presentationml/2006/main">
   <p:cSld>
     <p:spTree>
@@ -13744,8 +15609,8 @@
           </a:p>
         </p:txBody>
       </p:sp>
-      <mc:AlternateContent xmlns:mc="http://schemas.openxmlformats.org/markup-compatibility/2006" xmlns:a14="http://schemas.microsoft.com/office/drawing/2010/main">
-        <mc:Choice Requires="a14">
+      <mc:AlternateContent xmlns:mc="http://schemas.openxmlformats.org/markup-compatibility/2006">
+        <mc:Choice xmlns:a14="http://schemas.microsoft.com/office/drawing/2010/main" Requires="a14">
           <p:sp>
             <p:nvSpPr>
               <p:cNvPr id="3" name="Content Placeholder 2"/>
@@ -13927,6 +15792,19 @@
                       </m:sSubPr>
                       <m:e>
                         <m:r>
+                          <a:rPr lang="en-US" b="0" i="1" smtClean="0">
+                            <a:latin typeface="Cambria Math" panose="02040503050406030204" pitchFamily="18" charset="0"/>
+                          </a:rPr>
+                          <m:t>0</m:t>
+                        </m:r>
+                        <m:r>
+                          <a:rPr lang="en-US" i="1" smtClean="0">
+                            <a:latin typeface="Cambria Math" panose="02040503050406030204" pitchFamily="18" charset="0"/>
+                            <a:ea typeface="Cambria Math" panose="02040503050406030204" pitchFamily="18" charset="0"/>
+                          </a:rPr>
+                          <m:t>≤</m:t>
+                        </m:r>
+                        <m:r>
                           <a:rPr lang="en-US" i="1">
                             <a:latin typeface="Cambria Math" panose="02040503050406030204" pitchFamily="18" charset="0"/>
                           </a:rPr>
@@ -13943,22 +15821,30 @@
                       </m:sub>
                     </m:sSub>
                     <m:r>
+                      <a:rPr lang="en-US" i="1" smtClean="0">
+                        <a:latin typeface="Cambria Math" panose="02040503050406030204" pitchFamily="18" charset="0"/>
+                        <a:ea typeface="Cambria Math" panose="02040503050406030204" pitchFamily="18" charset="0"/>
+                      </a:rPr>
+                      <m:t>&lt;</m:t>
+                    </m:r>
+                    <m:r>
                       <a:rPr lang="en-US" b="0" i="1" smtClean="0">
                         <a:latin typeface="Cambria Math" panose="02040503050406030204" pitchFamily="18" charset="0"/>
-                      </a:rPr>
-                      <m:t>≥</m:t>
+                        <a:ea typeface="Cambria Math" panose="02040503050406030204" pitchFamily="18" charset="0"/>
+                      </a:rPr>
+                      <m:t>1</m:t>
                     </m:r>
                     <m:r>
                       <a:rPr lang="en-US" i="1">
                         <a:latin typeface="Cambria Math" panose="02040503050406030204" pitchFamily="18" charset="0"/>
                       </a:rPr>
-                      <m:t>0⇒</m:t>
+                      <m:t>⇒</m:t>
                     </m:r>
                   </m:oMath>
                 </a14:m>
                 <a:r>
                   <a:rPr lang="en-US" dirty="0"/>
-                  <a:t> Sample violates the margin</a:t>
+                  <a:t> Sample violates the margin (are inside the margin)</a:t>
                 </a:r>
               </a:p>
               <a:p>
@@ -14037,19 +15923,9 @@
               </a:p>
               <a:p>
                 <a:pPr lvl="1"/>
-                <a14:m>
-                  <m:oMath xmlns:m="http://schemas.openxmlformats.org/officeDocument/2006/math">
-                    <m:r>
-                      <a:rPr lang="en-US" b="0" i="1" smtClean="0">
-                        <a:latin typeface="Cambria Math" panose="02040503050406030204" pitchFamily="18" charset="0"/>
-                      </a:rPr>
-                      <m:t>𝐶</m:t>
-                    </m:r>
-                  </m:oMath>
-                </a14:m>
                 <a:r>
                   <a:rPr lang="en-US" dirty="0"/>
-                  <a:t> large:  Forces minimum number of violations.     Highly fit to data.  Low bias, higher variance</a:t>
+                  <a:t>Balance between first term (violations) and second term (inverse of margin)</a:t>
                 </a:r>
               </a:p>
               <a:p>
@@ -14057,7 +15933,7 @@
                 <a14:m>
                   <m:oMath xmlns:m="http://schemas.openxmlformats.org/officeDocument/2006/math">
                     <m:r>
-                      <a:rPr lang="en-US" i="1">
+                      <a:rPr lang="en-US" b="0" i="1" smtClean="0">
                         <a:latin typeface="Cambria Math" panose="02040503050406030204" pitchFamily="18" charset="0"/>
                       </a:rPr>
                       <m:t>𝐶</m:t>
@@ -14066,7 +15942,38 @@
                 </a14:m>
                 <a:r>
                   <a:rPr lang="en-US" dirty="0"/>
-                  <a:t> small:  Enables more samples violations.     Higher bias, lower variance</a:t>
+                  <a:t> large:  Forces minimum number of violations, but small margin.     </a:t>
+                </a:r>
+              </a:p>
+              <a:p>
+                <a:pPr lvl="2"/>
+                <a:r>
+                  <a:rPr lang="en-US" dirty="0"/>
+                  <a:t>Highly fit to data.  Low bias, higher variance</a:t>
+                </a:r>
+              </a:p>
+              <a:p>
+                <a:pPr lvl="1"/>
+                <a14:m>
+                  <m:oMath xmlns:m="http://schemas.openxmlformats.org/officeDocument/2006/math">
+                    <m:r>
+                      <a:rPr lang="en-US" i="1">
+                        <a:latin typeface="Cambria Math" panose="02040503050406030204" pitchFamily="18" charset="0"/>
+                      </a:rPr>
+                      <m:t>𝐶</m:t>
+                    </m:r>
+                  </m:oMath>
+                </a14:m>
+                <a:r>
+                  <a:rPr lang="en-US" dirty="0"/>
+                  <a:t> small:  Enables more samples violations, but large margin.     </a:t>
+                </a:r>
+              </a:p>
+              <a:p>
+                <a:pPr lvl="2"/>
+                <a:r>
+                  <a:rPr lang="en-US" dirty="0"/>
+                  <a:t>Higher bias, lower variance</a:t>
                 </a:r>
               </a:p>
               <a:p>
@@ -14083,7 +15990,7 @@
             </p:txBody>
           </p:sp>
         </mc:Choice>
-        <mc:Fallback xmlns="">
+        <mc:Fallback>
           <p:sp>
             <p:nvSpPr>
               <p:cNvPr id="3" name="Content Placeholder 2"/>
@@ -14098,7 +16005,7 @@
               <a:blipFill>
                 <a:blip r:embed="rId2"/>
                 <a:stretch>
-                  <a:fillRect l="-1455" t="-11549"/>
+                  <a:fillRect l="-1261" t="-11696"/>
                 </a:stretch>
               </a:blipFill>
             </p:spPr>
@@ -14134,7 +16041,7 @@
           <a:p>
             <a:fld id="{629637A9-119A-49DA-BD12-AAC58B377D80}" type="slidenum">
               <a:rPr lang="en-US" smtClean="0"/>
-              <a:t>26</a:t>
+              <a:t>29</a:t>
             </a:fld>
             <a:endParaRPr lang="en-US" dirty="0"/>
           </a:p>
@@ -14153,7 +16060,181 @@
 </p:sld>
 </file>
 
-<file path=ppt/slides/slide27.xml><?xml version="1.0" encoding="utf-8"?>
+<file path=ppt/slides/slide3.xml><?xml version="1.0" encoding="utf-8"?>
+<p:sld xmlns:a="http://schemas.openxmlformats.org/drawingml/2006/main" xmlns:r="http://schemas.openxmlformats.org/officeDocument/2006/relationships" xmlns:p="http://schemas.openxmlformats.org/presentationml/2006/main">
+  <p:cSld>
+    <p:spTree>
+      <p:nvGrpSpPr>
+        <p:cNvPr id="1" name=""/>
+        <p:cNvGrpSpPr/>
+        <p:nvPr/>
+      </p:nvGrpSpPr>
+      <p:grpSpPr>
+        <a:xfrm>
+          <a:off x="0" y="0"/>
+          <a:ext cx="0" cy="0"/>
+          <a:chOff x="0" y="0"/>
+          <a:chExt cx="0" cy="0"/>
+        </a:xfrm>
+      </p:grpSpPr>
+      <p:sp>
+        <p:nvSpPr>
+          <p:cNvPr id="2" name="Title 1"/>
+          <p:cNvSpPr>
+            <a:spLocks noGrp="1"/>
+          </p:cNvSpPr>
+          <p:nvPr>
+            <p:ph type="title"/>
+          </p:nvPr>
+        </p:nvSpPr>
+        <p:spPr/>
+        <p:txBody>
+          <a:bodyPr/>
+          <a:lstStyle/>
+          <a:p>
+            <a:r>
+              <a:rPr lang="en-US" dirty="0"/>
+              <a:t>Outline</a:t>
+            </a:r>
+          </a:p>
+        </p:txBody>
+      </p:sp>
+      <p:sp>
+        <p:nvSpPr>
+          <p:cNvPr id="3" name="Content Placeholder 2"/>
+          <p:cNvSpPr>
+            <a:spLocks noGrp="1"/>
+          </p:cNvSpPr>
+          <p:nvPr>
+            <p:ph idx="1"/>
+          </p:nvPr>
+        </p:nvSpPr>
+        <p:spPr/>
+        <p:txBody>
+          <a:bodyPr/>
+          <a:lstStyle/>
+          <a:p>
+            <a:r>
+              <a:rPr lang="en-US" dirty="0"/>
+              <a:t>Motivating example:  Recognizing handwritten digits</a:t>
+            </a:r>
+          </a:p>
+          <a:p>
+            <a:pPr lvl="1"/>
+            <a:r>
+              <a:rPr lang="en-US" dirty="0"/>
+              <a:t>Why logistic regression doesn’t work well.</a:t>
+            </a:r>
+          </a:p>
+          <a:p>
+            <a:r>
+              <a:rPr lang="en-US" dirty="0"/>
+              <a:t>Maximum margin classifiers</a:t>
+            </a:r>
+          </a:p>
+          <a:p>
+            <a:r>
+              <a:rPr lang="en-US" dirty="0"/>
+              <a:t>Support vector machines</a:t>
+            </a:r>
+          </a:p>
+          <a:p>
+            <a:r>
+              <a:rPr lang="en-US" dirty="0"/>
+              <a:t>Constrained optimization</a:t>
+            </a:r>
+          </a:p>
+          <a:p>
+            <a:r>
+              <a:rPr lang="en-US" dirty="0"/>
+              <a:t>Kernel trick</a:t>
+            </a:r>
+          </a:p>
+        </p:txBody>
+      </p:sp>
+      <p:sp>
+        <p:nvSpPr>
+          <p:cNvPr id="4" name="Slide Number Placeholder 3"/>
+          <p:cNvSpPr>
+            <a:spLocks noGrp="1"/>
+          </p:cNvSpPr>
+          <p:nvPr>
+            <p:ph type="sldNum" sz="quarter" idx="12"/>
+          </p:nvPr>
+        </p:nvSpPr>
+        <p:spPr/>
+        <p:txBody>
+          <a:bodyPr/>
+          <a:lstStyle/>
+          <a:p>
+            <a:fld id="{629637A9-119A-49DA-BD12-AAC58B377D80}" type="slidenum">
+              <a:rPr lang="en-US" smtClean="0"/>
+              <a:t>3</a:t>
+            </a:fld>
+            <a:endParaRPr lang="en-US" dirty="0"/>
+          </a:p>
+        </p:txBody>
+      </p:sp>
+      <p:sp>
+        <p:nvSpPr>
+          <p:cNvPr id="5" name="Arrow: Right 4"/>
+          <p:cNvSpPr/>
+          <p:nvPr/>
+        </p:nvSpPr>
+        <p:spPr>
+          <a:xfrm>
+            <a:off x="310392" y="1476462"/>
+            <a:ext cx="978408" cy="484632"/>
+          </a:xfrm>
+          <a:prstGeom prst="rightArrow">
+            <a:avLst/>
+          </a:prstGeom>
+          <a:solidFill>
+            <a:schemeClr val="tx2">
+              <a:lumMod val="60000"/>
+              <a:lumOff val="40000"/>
+            </a:schemeClr>
+          </a:solidFill>
+        </p:spPr>
+        <p:style>
+          <a:lnRef idx="2">
+            <a:schemeClr val="accent1">
+              <a:shade val="50000"/>
+            </a:schemeClr>
+          </a:lnRef>
+          <a:fillRef idx="1">
+            <a:schemeClr val="accent1"/>
+          </a:fillRef>
+          <a:effectRef idx="0">
+            <a:schemeClr val="accent1"/>
+          </a:effectRef>
+          <a:fontRef idx="minor">
+            <a:schemeClr val="lt1"/>
+          </a:fontRef>
+        </p:style>
+        <p:txBody>
+          <a:bodyPr rtlCol="0" anchor="ctr"/>
+          <a:lstStyle/>
+          <a:p>
+            <a:pPr algn="ctr"/>
+            <a:endParaRPr lang="en-US"/>
+          </a:p>
+        </p:txBody>
+      </p:sp>
+    </p:spTree>
+    <p:extLst>
+      <p:ext uri="{BB962C8B-B14F-4D97-AF65-F5344CB8AC3E}">
+        <p14:creationId xmlns:p14="http://schemas.microsoft.com/office/powerpoint/2010/main" val="3809131237"/>
+      </p:ext>
+    </p:extLst>
+  </p:cSld>
+  <p:clrMapOvr>
+    <a:masterClrMapping/>
+  </p:clrMapOvr>
+</p:sld>
+</file>
+
+<file path=ppt/slides/slide30.xml><?xml version="1.0" encoding="utf-8"?>
 <p:sld xmlns:a="http://schemas.openxmlformats.org/drawingml/2006/main" xmlns:r="http://schemas.openxmlformats.org/officeDocument/2006/relationships" xmlns:p="http://schemas.openxmlformats.org/presentationml/2006/main">
   <p:cSld>
     <p:spTree>
@@ -14542,7 +16623,7 @@
           <a:p>
             <a:fld id="{629637A9-119A-49DA-BD12-AAC58B377D80}" type="slidenum">
               <a:rPr lang="en-US" smtClean="0"/>
-              <a:t>27</a:t>
+              <a:t>30</a:t>
             </a:fld>
             <a:endParaRPr lang="en-US" dirty="0"/>
           </a:p>
@@ -14585,7 +16666,7 @@
 </p:sld>
 </file>
 
-<file path=ppt/slides/slide28.xml><?xml version="1.0" encoding="utf-8"?>
+<file path=ppt/slides/slide31.xml><?xml version="1.0" encoding="utf-8"?>
 <p:sld xmlns:a="http://schemas.openxmlformats.org/drawingml/2006/main" xmlns:r="http://schemas.openxmlformats.org/officeDocument/2006/relationships" xmlns:p="http://schemas.openxmlformats.org/presentationml/2006/main">
   <p:cSld>
     <p:spTree>
@@ -14672,8 +16753,8 @@
           </p:sp>
         </mc:Fallback>
       </mc:AlternateContent>
-      <mc:AlternateContent xmlns:mc="http://schemas.openxmlformats.org/markup-compatibility/2006" xmlns:a14="http://schemas.microsoft.com/office/drawing/2010/main">
-        <mc:Choice Requires="a14">
+      <mc:AlternateContent xmlns:mc="http://schemas.openxmlformats.org/markup-compatibility/2006">
+        <mc:Choice xmlns:a14="http://schemas.microsoft.com/office/drawing/2010/main" Requires="a14">
           <p:sp>
             <p:nvSpPr>
               <p:cNvPr id="3" name="Content Placeholder 2"/>
@@ -14691,7 +16772,9 @@
               </a:xfrm>
             </p:spPr>
             <p:txBody>
-              <a:bodyPr/>
+              <a:bodyPr>
+                <a:normAutofit lnSpcReduction="10000"/>
+              </a:bodyPr>
               <a:lstStyle/>
               <a:p>
                 <a:r>
@@ -14754,27 +16837,77 @@
                 <a:pPr lvl="1"/>
                 <a:r>
                   <a:rPr lang="en-US" dirty="0"/>
-                  <a:t>Many violations of margin.</a:t>
+                  <a:t>Leads to large margin</a:t>
                 </a:r>
               </a:p>
               <a:p>
                 <a:pPr lvl="1"/>
                 <a:r>
                   <a:rPr lang="en-US" dirty="0"/>
-                  <a:t>Many more SVs</a:t>
+                  <a:t>But allow many violations of margin.</a:t>
                 </a:r>
               </a:p>
               <a:p>
                 <a:pPr lvl="1"/>
                 <a:r>
                   <a:rPr lang="en-US" dirty="0"/>
+                  <a:t>Many more SVs</a:t>
+                </a:r>
+              </a:p>
+              <a:p>
+                <a:pPr lvl="1"/>
+                <a:r>
+                  <a:rPr lang="en-US" dirty="0"/>
                   <a:t>Reduces variance by using more samples</a:t>
                 </a:r>
+              </a:p>
+              <a:p>
+                <a:r>
+                  <a:rPr lang="en-US" dirty="0"/>
+                  <a:t> Large C:  </a:t>
+                </a:r>
+              </a:p>
+              <a:p>
+                <a:pPr lvl="1"/>
+                <a:r>
+                  <a:rPr lang="en-US" dirty="0"/>
+                  <a:t>Leads to small margin</a:t>
+                </a:r>
+              </a:p>
+              <a:p>
+                <a:pPr lvl="1"/>
+                <a:r>
+                  <a:rPr lang="en-US" dirty="0"/>
+                  <a:t>Reduce number of violations, and fewer SVs.     </a:t>
+                </a:r>
+              </a:p>
+              <a:p>
+                <a:pPr lvl="1"/>
+                <a:r>
+                  <a:rPr lang="en-US" dirty="0"/>
+                  <a:t>Highly fit to data.  Low bias, higher variance</a:t>
+                </a:r>
+              </a:p>
+              <a:p>
+                <a:pPr lvl="1"/>
+                <a:r>
+                  <a:rPr lang="en-US" dirty="0"/>
+                  <a:t>More chance to </a:t>
+                </a:r>
+                <a:r>
+                  <a:rPr lang="en-US" dirty="0" err="1"/>
+                  <a:t>overfit</a:t>
+                </a:r>
+                <a:endParaRPr lang="en-US" dirty="0"/>
+              </a:p>
+              <a:p>
+                <a:pPr lvl="1"/>
+                <a:endParaRPr lang="en-US" dirty="0"/>
               </a:p>
             </p:txBody>
           </p:sp>
         </mc:Choice>
-        <mc:Fallback xmlns="">
+        <mc:Fallback>
           <p:sp>
             <p:nvSpPr>
               <p:cNvPr id="3" name="Content Placeholder 2"/>
@@ -14793,7 +16926,7 @@
               <a:blipFill>
                 <a:blip r:embed="rId3"/>
                 <a:stretch>
-                  <a:fillRect l="-2817" t="-1406"/>
+                  <a:fillRect l="-2439" t="-2047"/>
                 </a:stretch>
               </a:blipFill>
             </p:spPr>
@@ -14829,7 +16962,7 @@
           <a:p>
             <a:fld id="{629637A9-119A-49DA-BD12-AAC58B377D80}" type="slidenum">
               <a:rPr lang="en-US" smtClean="0"/>
-              <a:t>28</a:t>
+              <a:t>31</a:t>
             </a:fld>
             <a:endParaRPr lang="en-US" dirty="0"/>
           </a:p>
@@ -15292,7 +17425,7 @@
 </p:sld>
 </file>
 
-<file path=ppt/slides/slide29.xml><?xml version="1.0" encoding="utf-8"?>
+<file path=ppt/slides/slide32.xml><?xml version="1.0" encoding="utf-8"?>
 <p:sld xmlns:a="http://schemas.openxmlformats.org/drawingml/2006/main" xmlns:r="http://schemas.openxmlformats.org/officeDocument/2006/relationships" xmlns:p="http://schemas.openxmlformats.org/presentationml/2006/main">
   <p:cSld>
     <p:spTree>
@@ -15331,8 +17464,8 @@
           </a:p>
         </p:txBody>
       </p:sp>
-      <mc:AlternateContent xmlns:mc="http://schemas.openxmlformats.org/markup-compatibility/2006" xmlns:a14="http://schemas.microsoft.com/office/drawing/2010/main">
-        <mc:Choice Requires="a14">
+      <mc:AlternateContent xmlns:mc="http://schemas.openxmlformats.org/markup-compatibility/2006">
+        <mc:Choice xmlns:a14="http://schemas.microsoft.com/office/drawing/2010/main" Requires="a14">
           <p:sp>
             <p:nvSpPr>
               <p:cNvPr id="3" name="Content Placeholder 2"/>
@@ -15350,7 +17483,7 @@
               <a:p>
                 <a:r>
                   <a:rPr lang="en-US" dirty="0"/>
-                  <a:t>Logistic regression also minimizes a loss function (proof on board):</a:t>
+                  <a:t>Logistic regression also minimizes a loss function:</a:t>
                 </a:r>
                 <a:br>
                   <a:rPr lang="en-US" dirty="0"/>
@@ -15796,7 +17929,7 @@
             </p:txBody>
           </p:sp>
         </mc:Choice>
-        <mc:Fallback xmlns="">
+        <mc:Fallback>
           <p:sp>
             <p:nvSpPr>
               <p:cNvPr id="3" name="Content Placeholder 2"/>
@@ -15811,7 +17944,7 @@
               <a:blipFill>
                 <a:blip r:embed="rId2"/>
                 <a:stretch>
-                  <a:fillRect l="-1455" t="-1549"/>
+                  <a:fillRect l="-1261" t="-12865"/>
                 </a:stretch>
               </a:blipFill>
             </p:spPr>
@@ -15847,7 +17980,7 @@
           <a:p>
             <a:fld id="{629637A9-119A-49DA-BD12-AAC58B377D80}" type="slidenum">
               <a:rPr lang="en-US" smtClean="0"/>
-              <a:t>29</a:t>
+              <a:t>32</a:t>
             </a:fld>
             <a:endParaRPr lang="en-US" dirty="0"/>
           </a:p>
@@ -15890,7 +18023,7 @@
 </p:sld>
 </file>
 
-<file path=ppt/slides/slide3.xml><?xml version="1.0" encoding="utf-8"?>
+<file path=ppt/slides/slide33.xml><?xml version="1.0" encoding="utf-8"?>
 <p:sld xmlns:a="http://schemas.openxmlformats.org/drawingml/2006/main" xmlns:r="http://schemas.openxmlformats.org/officeDocument/2006/relationships" xmlns:p="http://schemas.openxmlformats.org/presentationml/2006/main">
   <p:cSld>
     <p:spTree>
@@ -15999,181 +18132,7 @@
           <a:p>
             <a:fld id="{629637A9-119A-49DA-BD12-AAC58B377D80}" type="slidenum">
               <a:rPr lang="en-US" smtClean="0"/>
-              <a:t>3</a:t>
-            </a:fld>
-            <a:endParaRPr lang="en-US" dirty="0"/>
-          </a:p>
-        </p:txBody>
-      </p:sp>
-      <p:sp>
-        <p:nvSpPr>
-          <p:cNvPr id="5" name="Arrow: Right 4"/>
-          <p:cNvSpPr/>
-          <p:nvPr/>
-        </p:nvSpPr>
-        <p:spPr>
-          <a:xfrm>
-            <a:off x="310392" y="1476462"/>
-            <a:ext cx="978408" cy="484632"/>
-          </a:xfrm>
-          <a:prstGeom prst="rightArrow">
-            <a:avLst/>
-          </a:prstGeom>
-          <a:solidFill>
-            <a:schemeClr val="tx2">
-              <a:lumMod val="60000"/>
-              <a:lumOff val="40000"/>
-            </a:schemeClr>
-          </a:solidFill>
-        </p:spPr>
-        <p:style>
-          <a:lnRef idx="2">
-            <a:schemeClr val="accent1">
-              <a:shade val="50000"/>
-            </a:schemeClr>
-          </a:lnRef>
-          <a:fillRef idx="1">
-            <a:schemeClr val="accent1"/>
-          </a:fillRef>
-          <a:effectRef idx="0">
-            <a:schemeClr val="accent1"/>
-          </a:effectRef>
-          <a:fontRef idx="minor">
-            <a:schemeClr val="lt1"/>
-          </a:fontRef>
-        </p:style>
-        <p:txBody>
-          <a:bodyPr rtlCol="0" anchor="ctr"/>
-          <a:lstStyle/>
-          <a:p>
-            <a:pPr algn="ctr"/>
-            <a:endParaRPr lang="en-US"/>
-          </a:p>
-        </p:txBody>
-      </p:sp>
-    </p:spTree>
-    <p:extLst>
-      <p:ext uri="{BB962C8B-B14F-4D97-AF65-F5344CB8AC3E}">
-        <p14:creationId xmlns:p14="http://schemas.microsoft.com/office/powerpoint/2010/main" val="3809131237"/>
-      </p:ext>
-    </p:extLst>
-  </p:cSld>
-  <p:clrMapOvr>
-    <a:masterClrMapping/>
-  </p:clrMapOvr>
-</p:sld>
-</file>
-
-<file path=ppt/slides/slide30.xml><?xml version="1.0" encoding="utf-8"?>
-<p:sld xmlns:a="http://schemas.openxmlformats.org/drawingml/2006/main" xmlns:r="http://schemas.openxmlformats.org/officeDocument/2006/relationships" xmlns:p="http://schemas.openxmlformats.org/presentationml/2006/main">
-  <p:cSld>
-    <p:spTree>
-      <p:nvGrpSpPr>
-        <p:cNvPr id="1" name=""/>
-        <p:cNvGrpSpPr/>
-        <p:nvPr/>
-      </p:nvGrpSpPr>
-      <p:grpSpPr>
-        <a:xfrm>
-          <a:off x="0" y="0"/>
-          <a:ext cx="0" cy="0"/>
-          <a:chOff x="0" y="0"/>
-          <a:chExt cx="0" cy="0"/>
-        </a:xfrm>
-      </p:grpSpPr>
-      <p:sp>
-        <p:nvSpPr>
-          <p:cNvPr id="2" name="Title 1"/>
-          <p:cNvSpPr>
-            <a:spLocks noGrp="1"/>
-          </p:cNvSpPr>
-          <p:nvPr>
-            <p:ph type="title"/>
-          </p:nvPr>
-        </p:nvSpPr>
-        <p:spPr/>
-        <p:txBody>
-          <a:bodyPr/>
-          <a:lstStyle/>
-          <a:p>
-            <a:r>
-              <a:rPr lang="en-US" dirty="0"/>
-              <a:t>Outline</a:t>
-            </a:r>
-          </a:p>
-        </p:txBody>
-      </p:sp>
-      <p:sp>
-        <p:nvSpPr>
-          <p:cNvPr id="3" name="Content Placeholder 2"/>
-          <p:cNvSpPr>
-            <a:spLocks noGrp="1"/>
-          </p:cNvSpPr>
-          <p:nvPr>
-            <p:ph idx="1"/>
-          </p:nvPr>
-        </p:nvSpPr>
-        <p:spPr/>
-        <p:txBody>
-          <a:bodyPr/>
-          <a:lstStyle/>
-          <a:p>
-            <a:r>
-              <a:rPr lang="en-US" dirty="0"/>
-              <a:t>Motivating example:  Recognizing handwritten digits</a:t>
-            </a:r>
-          </a:p>
-          <a:p>
-            <a:pPr lvl="1"/>
-            <a:r>
-              <a:rPr lang="en-US" dirty="0"/>
-              <a:t>Why logistic regression doesn’t work well.</a:t>
-            </a:r>
-          </a:p>
-          <a:p>
-            <a:r>
-              <a:rPr lang="en-US" dirty="0"/>
-              <a:t>Maximum margin classifiers</a:t>
-            </a:r>
-          </a:p>
-          <a:p>
-            <a:r>
-              <a:rPr lang="en-US" dirty="0"/>
-              <a:t>Support vector machines</a:t>
-            </a:r>
-          </a:p>
-          <a:p>
-            <a:r>
-              <a:rPr lang="en-US" dirty="0"/>
-              <a:t>Constrained optimization</a:t>
-            </a:r>
-          </a:p>
-          <a:p>
-            <a:r>
-              <a:rPr lang="en-US" dirty="0"/>
-              <a:t>Kernel trick</a:t>
-            </a:r>
-          </a:p>
-        </p:txBody>
-      </p:sp>
-      <p:sp>
-        <p:nvSpPr>
-          <p:cNvPr id="4" name="Slide Number Placeholder 3"/>
-          <p:cNvSpPr>
-            <a:spLocks noGrp="1"/>
-          </p:cNvSpPr>
-          <p:nvPr>
-            <p:ph type="sldNum" sz="quarter" idx="12"/>
-          </p:nvPr>
-        </p:nvSpPr>
-        <p:spPr/>
-        <p:txBody>
-          <a:bodyPr/>
-          <a:lstStyle/>
-          <a:p>
-            <a:fld id="{629637A9-119A-49DA-BD12-AAC58B377D80}" type="slidenum">
-              <a:rPr lang="en-US" smtClean="0"/>
-              <a:t>30</a:t>
+              <a:t>33</a:t>
             </a:fld>
             <a:endParaRPr lang="en-US" dirty="0"/>
           </a:p>
@@ -16238,7 +18197,7 @@
 </p:sld>
 </file>
 
-<file path=ppt/slides/slide31.xml><?xml version="1.0" encoding="utf-8"?>
+<file path=ppt/slides/slide34.xml><?xml version="1.0" encoding="utf-8"?>
 <p:sld xmlns:a="http://schemas.openxmlformats.org/drawingml/2006/main" xmlns:r="http://schemas.openxmlformats.org/officeDocument/2006/relationships" xmlns:p="http://schemas.openxmlformats.org/presentationml/2006/main">
   <p:cSld>
     <p:spTree>
@@ -16762,7 +18721,7 @@
           <a:p>
             <a:fld id="{629637A9-119A-49DA-BD12-AAC58B377D80}" type="slidenum">
               <a:rPr lang="en-US" smtClean="0"/>
-              <a:t>31</a:t>
+              <a:t>34</a:t>
             </a:fld>
             <a:endParaRPr lang="en-US" dirty="0"/>
           </a:p>
@@ -16781,7 +18740,7 @@
 </p:sld>
 </file>
 
-<file path=ppt/slides/slide32.xml><?xml version="1.0" encoding="utf-8"?>
+<file path=ppt/slides/slide35.xml><?xml version="1.0" encoding="utf-8"?>
 <p:sld xmlns:a="http://schemas.openxmlformats.org/drawingml/2006/main" xmlns:r="http://schemas.openxmlformats.org/officeDocument/2006/relationships" xmlns:p="http://schemas.openxmlformats.org/presentationml/2006/main">
   <p:cSld>
     <p:spTree>
@@ -16821,8 +18780,8 @@
           </a:p>
         </p:txBody>
       </p:sp>
-      <mc:AlternateContent xmlns:mc="http://schemas.openxmlformats.org/markup-compatibility/2006" xmlns:a14="http://schemas.microsoft.com/office/drawing/2010/main">
-        <mc:Choice Requires="a14">
+      <mc:AlternateContent xmlns:mc="http://schemas.openxmlformats.org/markup-compatibility/2006">
+        <mc:Choice xmlns:a14="http://schemas.microsoft.com/office/drawing/2010/main" Requires="a14">
           <p:sp>
             <p:nvSpPr>
               <p:cNvPr id="3" name="Content Placeholder 2"/>
@@ -16840,7 +18799,7 @@
               <a:p>
                 <a:r>
                   <a:rPr lang="en-US" dirty="0"/>
-                  <a:t>Constrained optimization </a:t>
+                  <a:t>Constrained optimization: Min </a:t>
                 </a:r>
                 <a14:m>
                   <m:oMath xmlns:m="http://schemas.openxmlformats.org/officeDocument/2006/math">
@@ -17504,7 +19463,7 @@
                 <a:pPr lvl="1"/>
                 <a:r>
                   <a:rPr lang="en-US" dirty="0"/>
-                  <a:t>Minimizes a weighted combination of objection and constraint.</a:t>
+                  <a:t>Minimizes a weighted combination of objective and constraint.</a:t>
                 </a:r>
               </a:p>
               <a:p>
@@ -17634,7 +19593,7 @@
             </p:txBody>
           </p:sp>
         </mc:Choice>
-        <mc:Fallback xmlns="">
+        <mc:Fallback>
           <p:sp>
             <p:nvSpPr>
               <p:cNvPr id="3" name="Content Placeholder 2"/>
@@ -17649,7 +19608,7 @@
               <a:blipFill>
                 <a:blip r:embed="rId2"/>
                 <a:stretch>
-                  <a:fillRect l="-1455" t="-1549" b="-845"/>
+                  <a:fillRect l="-1261" t="-1462" b="-877"/>
                 </a:stretch>
               </a:blipFill>
             </p:spPr>
@@ -17685,7 +19644,7 @@
           <a:p>
             <a:fld id="{629637A9-119A-49DA-BD12-AAC58B377D80}" type="slidenum">
               <a:rPr lang="en-US" smtClean="0"/>
-              <a:t>32</a:t>
+              <a:t>35</a:t>
             </a:fld>
             <a:endParaRPr lang="en-US" dirty="0"/>
           </a:p>
@@ -17704,7 +19663,7 @@
 </p:sld>
 </file>
 
-<file path=ppt/slides/slide33.xml><?xml version="1.0" encoding="utf-8"?>
+<file path=ppt/slides/slide36.xml><?xml version="1.0" encoding="utf-8"?>
 <p:sld xmlns:a="http://schemas.openxmlformats.org/drawingml/2006/main" xmlns:r="http://schemas.openxmlformats.org/officeDocument/2006/relationships" xmlns:p="http://schemas.openxmlformats.org/presentationml/2006/main">
   <p:cSld>
     <p:spTree>
@@ -17743,8 +19702,8 @@
           </a:p>
         </p:txBody>
       </p:sp>
-      <mc:AlternateContent xmlns:mc="http://schemas.openxmlformats.org/markup-compatibility/2006" xmlns:a14="http://schemas.microsoft.com/office/drawing/2010/main">
-        <mc:Choice Requires="a14">
+      <mc:AlternateContent xmlns:mc="http://schemas.openxmlformats.org/markup-compatibility/2006">
+        <mc:Choice xmlns:a14="http://schemas.microsoft.com/office/drawing/2010/main" Requires="a14">
           <p:sp>
             <p:nvSpPr>
               <p:cNvPr id="3" name="Content Placeholder 2"/>
@@ -18348,21 +20307,13 @@
                 </a:r>
                 <a:r>
                   <a:rPr lang="en-US" dirty="0"/>
-                  <a:t> of the constrained optimization, they must </a:t>
-                </a:r>
-                <a:r>
-                  <a:rPr lang="en-US" dirty="0" err="1"/>
-                  <a:t>satify</a:t>
-                </a:r>
-                <a:r>
-                  <a:rPr lang="en-US" dirty="0"/>
-                  <a:t> KKT conditions</a:t>
+                  <a:t> of the constrained optimization, they must satisfy KKT conditions</a:t>
                 </a:r>
               </a:p>
             </p:txBody>
           </p:sp>
         </mc:Choice>
-        <mc:Fallback xmlns="">
+        <mc:Fallback>
           <p:sp>
             <p:nvSpPr>
               <p:cNvPr id="3" name="Content Placeholder 2"/>
@@ -18377,7 +20328,7 @@
               <a:blipFill>
                 <a:blip r:embed="rId2"/>
                 <a:stretch>
-                  <a:fillRect l="-1455" t="-1549"/>
+                  <a:fillRect l="-1261" t="-1462"/>
                 </a:stretch>
               </a:blipFill>
             </p:spPr>
@@ -18413,7 +20364,7 @@
           <a:p>
             <a:fld id="{629637A9-119A-49DA-BD12-AAC58B377D80}" type="slidenum">
               <a:rPr lang="en-US" smtClean="0"/>
-              <a:t>33</a:t>
+              <a:t>36</a:t>
             </a:fld>
             <a:endParaRPr lang="en-US" dirty="0"/>
           </a:p>
@@ -18432,7 +20383,7 @@
 </p:sld>
 </file>
 
-<file path=ppt/slides/slide34.xml><?xml version="1.0" encoding="utf-8"?>
+<file path=ppt/slides/slide37.xml><?xml version="1.0" encoding="utf-8"?>
 <p:sld xmlns:a="http://schemas.openxmlformats.org/drawingml/2006/main" xmlns:r="http://schemas.openxmlformats.org/officeDocument/2006/relationships" xmlns:p="http://schemas.openxmlformats.org/presentationml/2006/main">
   <p:cSld>
     <p:spTree>
@@ -18471,8 +20422,8 @@
           </a:p>
         </p:txBody>
       </p:sp>
-      <mc:AlternateContent xmlns:mc="http://schemas.openxmlformats.org/markup-compatibility/2006" xmlns:a14="http://schemas.microsoft.com/office/drawing/2010/main">
-        <mc:Choice Requires="a14">
+      <mc:AlternateContent xmlns:mc="http://schemas.openxmlformats.org/markup-compatibility/2006">
+        <mc:Choice xmlns:a14="http://schemas.microsoft.com/office/drawing/2010/main" Requires="a14">
           <p:sp>
             <p:nvSpPr>
               <p:cNvPr id="3" name="Content Placeholder 2"/>
@@ -18836,7 +20787,86 @@
                     </m:r>
                   </m:oMath>
                 </a14:m>
-                <a:endParaRPr lang="en-US" dirty="0"/>
+                <a:r>
+                  <a:rPr lang="en-US" dirty="0"/>
+                  <a:t> (resulting from setting </a:t>
+                </a:r>
+                <a14:m>
+                  <m:oMath xmlns:m="http://schemas.openxmlformats.org/officeDocument/2006/math">
+                    <m:f>
+                      <m:fPr>
+                        <m:type m:val="lin"/>
+                        <m:ctrlPr>
+                          <a:rPr lang="en-US" i="1">
+                            <a:latin typeface="Cambria Math" panose="02040503050406030204" pitchFamily="18" charset="0"/>
+                          </a:rPr>
+                        </m:ctrlPr>
+                      </m:fPr>
+                      <m:num>
+                        <m:r>
+                          <a:rPr lang="en-US" i="1">
+                            <a:latin typeface="Cambria Math" panose="02040503050406030204" pitchFamily="18" charset="0"/>
+                          </a:rPr>
+                          <m:t>𝜕</m:t>
+                        </m:r>
+                        <m:r>
+                          <a:rPr lang="en-US" i="1">
+                            <a:latin typeface="Cambria Math" panose="02040503050406030204" pitchFamily="18" charset="0"/>
+                          </a:rPr>
+                          <m:t>𝐿</m:t>
+                        </m:r>
+                        <m:r>
+                          <a:rPr lang="en-US" i="1">
+                            <a:latin typeface="Cambria Math" panose="02040503050406030204" pitchFamily="18" charset="0"/>
+                          </a:rPr>
+                          <m:t>(</m:t>
+                        </m:r>
+                        <m:r>
+                          <a:rPr lang="en-US" b="1" i="1">
+                            <a:latin typeface="Cambria Math" panose="02040503050406030204" pitchFamily="18" charset="0"/>
+                          </a:rPr>
+                          <m:t>𝒘</m:t>
+                        </m:r>
+                        <m:r>
+                          <a:rPr lang="en-US" i="1">
+                            <a:latin typeface="Cambria Math" panose="02040503050406030204" pitchFamily="18" charset="0"/>
+                          </a:rPr>
+                          <m:t>,</m:t>
+                        </m:r>
+                        <m:r>
+                          <a:rPr lang="en-US" i="1">
+                            <a:latin typeface="Cambria Math" panose="02040503050406030204" pitchFamily="18" charset="0"/>
+                          </a:rPr>
+                          <m:t>𝜆</m:t>
+                        </m:r>
+                        <m:r>
+                          <a:rPr lang="en-US" i="1">
+                            <a:latin typeface="Cambria Math" panose="02040503050406030204" pitchFamily="18" charset="0"/>
+                          </a:rPr>
+                          <m:t>)</m:t>
+                        </m:r>
+                      </m:num>
+                      <m:den>
+                        <m:r>
+                          <a:rPr lang="en-US" i="1">
+                            <a:latin typeface="Cambria Math" panose="02040503050406030204" pitchFamily="18" charset="0"/>
+                          </a:rPr>
+                          <m:t>𝜕𝜆</m:t>
+                        </m:r>
+                      </m:den>
+                    </m:f>
+                    <m:r>
+                      <a:rPr lang="en-US" i="1">
+                        <a:latin typeface="Cambria Math" panose="02040503050406030204" pitchFamily="18" charset="0"/>
+                      </a:rPr>
+                      <m:t>=0</m:t>
+                    </m:r>
+                  </m:oMath>
+                </a14:m>
+                <a:r>
+                  <a:rPr lang="en-US" dirty="0"/>
+                  <a:t>)</a:t>
+                </a:r>
               </a:p>
               <a:p>
                 <a:pPr lvl="1"/>
@@ -19097,7 +21127,7 @@
             </p:txBody>
           </p:sp>
         </mc:Choice>
-        <mc:Fallback xmlns="">
+        <mc:Fallback>
           <p:sp>
             <p:nvSpPr>
               <p:cNvPr id="3" name="Content Placeholder 2"/>
@@ -19112,7 +21142,7 @@
               <a:blipFill>
                 <a:blip r:embed="rId2"/>
                 <a:stretch>
-                  <a:fillRect l="-1455" t="-1549"/>
+                  <a:fillRect l="-1261" t="-1462"/>
                 </a:stretch>
               </a:blipFill>
             </p:spPr>
@@ -19148,7 +21178,7 @@
           <a:p>
             <a:fld id="{629637A9-119A-49DA-BD12-AAC58B377D80}" type="slidenum">
               <a:rPr lang="en-US" smtClean="0"/>
-              <a:t>34</a:t>
+              <a:t>37</a:t>
             </a:fld>
             <a:endParaRPr lang="en-US" dirty="0"/>
           </a:p>
@@ -19167,7 +21197,7 @@
 </p:sld>
 </file>
 
-<file path=ppt/slides/slide35.xml><?xml version="1.0" encoding="utf-8"?>
+<file path=ppt/slides/slide38.xml><?xml version="1.0" encoding="utf-8"?>
 <p:sld xmlns:a="http://schemas.openxmlformats.org/drawingml/2006/main" xmlns:r="http://schemas.openxmlformats.org/officeDocument/2006/relationships" xmlns:p="http://schemas.openxmlformats.org/presentationml/2006/main">
   <p:cSld>
     <p:spTree>
@@ -19206,8 +21236,8 @@
           </a:p>
         </p:txBody>
       </p:sp>
-      <mc:AlternateContent xmlns:mc="http://schemas.openxmlformats.org/markup-compatibility/2006" xmlns:a14="http://schemas.microsoft.com/office/drawing/2010/main">
-        <mc:Choice Requires="a14">
+      <mc:AlternateContent xmlns:mc="http://schemas.openxmlformats.org/markup-compatibility/2006">
+        <mc:Choice xmlns:a14="http://schemas.microsoft.com/office/drawing/2010/main" Requires="a14">
           <p:sp>
             <p:nvSpPr>
               <p:cNvPr id="3" name="Content Placeholder 2"/>
@@ -19481,7 +21511,7 @@
               <a:p>
                 <a:r>
                   <a:rPr lang="en-US" dirty="0"/>
-                  <a:t>Examples worked on board</a:t>
+                  <a:t>Examples worked on board with illustration</a:t>
                 </a:r>
               </a:p>
               <a:p>
@@ -19490,7 +21520,7 @@
             </p:txBody>
           </p:sp>
         </mc:Choice>
-        <mc:Fallback xmlns="">
+        <mc:Fallback>
           <p:sp>
             <p:nvSpPr>
               <p:cNvPr id="3" name="Content Placeholder 2"/>
@@ -19505,7 +21535,7 @@
               <a:blipFill>
                 <a:blip r:embed="rId2"/>
                 <a:stretch>
-                  <a:fillRect l="-1455" t="-1549"/>
+                  <a:fillRect l="-1261" t="-1462"/>
                 </a:stretch>
               </a:blipFill>
             </p:spPr>
@@ -19541,7 +21571,7 @@
           <a:p>
             <a:fld id="{629637A9-119A-49DA-BD12-AAC58B377D80}" type="slidenum">
               <a:rPr lang="en-US" smtClean="0"/>
-              <a:t>35</a:t>
+              <a:t>38</a:t>
             </a:fld>
             <a:endParaRPr lang="en-US" dirty="0"/>
           </a:p>
@@ -19560,7 +21590,7 @@
 </p:sld>
 </file>
 
-<file path=ppt/slides/slide36.xml><?xml version="1.0" encoding="utf-8"?>
+<file path=ppt/slides/slide39.xml><?xml version="1.0" encoding="utf-8"?>
 <p:sld xmlns:a="http://schemas.openxmlformats.org/drawingml/2006/main" xmlns:r="http://schemas.openxmlformats.org/officeDocument/2006/relationships" xmlns:p="http://schemas.openxmlformats.org/presentationml/2006/main">
   <p:cSld>
     <p:spTree>
@@ -20631,7 +22661,7 @@
           <a:p>
             <a:fld id="{629637A9-119A-49DA-BD12-AAC58B377D80}" type="slidenum">
               <a:rPr lang="en-US" smtClean="0"/>
-              <a:t>36</a:t>
+              <a:t>39</a:t>
             </a:fld>
             <a:endParaRPr lang="en-US" dirty="0"/>
           </a:p>
@@ -20650,7 +22680,205 @@
 </p:sld>
 </file>
 
-<file path=ppt/slides/slide37.xml><?xml version="1.0" encoding="utf-8"?>
+<file path=ppt/slides/slide4.xml><?xml version="1.0" encoding="utf-8"?>
+<p:sld xmlns:a="http://schemas.openxmlformats.org/drawingml/2006/main" xmlns:r="http://schemas.openxmlformats.org/officeDocument/2006/relationships" xmlns:p="http://schemas.openxmlformats.org/presentationml/2006/main">
+  <p:cSld>
+    <p:spTree>
+      <p:nvGrpSpPr>
+        <p:cNvPr id="1" name=""/>
+        <p:cNvGrpSpPr/>
+        <p:nvPr/>
+      </p:nvGrpSpPr>
+      <p:grpSpPr>
+        <a:xfrm>
+          <a:off x="0" y="0"/>
+          <a:ext cx="0" cy="0"/>
+          <a:chOff x="0" y="0"/>
+          <a:chExt cx="0" cy="0"/>
+        </a:xfrm>
+      </p:grpSpPr>
+      <p:sp>
+        <p:nvSpPr>
+          <p:cNvPr id="2" name="Title 1"/>
+          <p:cNvSpPr>
+            <a:spLocks noGrp="1"/>
+          </p:cNvSpPr>
+          <p:nvPr>
+            <p:ph type="title"/>
+          </p:nvPr>
+        </p:nvSpPr>
+        <p:spPr/>
+        <p:txBody>
+          <a:bodyPr/>
+          <a:lstStyle/>
+          <a:p>
+            <a:r>
+              <a:rPr lang="en-US" dirty="0"/>
+              <a:t>MNIST Digit Classification</a:t>
+            </a:r>
+          </a:p>
+        </p:txBody>
+      </p:sp>
+      <p:sp>
+        <p:nvSpPr>
+          <p:cNvPr id="3" name="Content Placeholder 2"/>
+          <p:cNvSpPr>
+            <a:spLocks noGrp="1"/>
+          </p:cNvSpPr>
+          <p:nvPr>
+            <p:ph idx="1"/>
+          </p:nvPr>
+        </p:nvSpPr>
+        <p:spPr>
+          <a:xfrm>
+            <a:off x="6814158" y="1678488"/>
+            <a:ext cx="4534423" cy="4190606"/>
+          </a:xfrm>
+        </p:spPr>
+        <p:txBody>
+          <a:bodyPr/>
+          <a:lstStyle/>
+          <a:p>
+            <a:r>
+              <a:rPr lang="en-US" dirty="0"/>
+              <a:t>Problem:  Recognize hand-written digits</a:t>
+            </a:r>
+          </a:p>
+          <a:p>
+            <a:r>
+              <a:rPr lang="en-US" dirty="0"/>
+              <a:t>Original problem:</a:t>
+            </a:r>
+          </a:p>
+          <a:p>
+            <a:pPr lvl="1"/>
+            <a:r>
+              <a:rPr lang="en-US" dirty="0"/>
+              <a:t>Census forms </a:t>
+            </a:r>
+          </a:p>
+          <a:p>
+            <a:pPr lvl="1"/>
+            <a:r>
+              <a:rPr lang="en-US" dirty="0"/>
+              <a:t>Automated processing</a:t>
+            </a:r>
+          </a:p>
+          <a:p>
+            <a:r>
+              <a:rPr lang="en-US" dirty="0"/>
+              <a:t>Classic machine learning problem</a:t>
+            </a:r>
+          </a:p>
+          <a:p>
+            <a:r>
+              <a:rPr lang="en-US" dirty="0"/>
+              <a:t>Benchmark</a:t>
+            </a:r>
+          </a:p>
+          <a:p>
+            <a:endParaRPr lang="en-US" dirty="0"/>
+          </a:p>
+        </p:txBody>
+      </p:sp>
+      <p:sp>
+        <p:nvSpPr>
+          <p:cNvPr id="4" name="Slide Number Placeholder 3"/>
+          <p:cNvSpPr>
+            <a:spLocks noGrp="1"/>
+          </p:cNvSpPr>
+          <p:nvPr>
+            <p:ph type="sldNum" sz="quarter" idx="12"/>
+          </p:nvPr>
+        </p:nvSpPr>
+        <p:spPr/>
+        <p:txBody>
+          <a:bodyPr/>
+          <a:lstStyle/>
+          <a:p>
+            <a:fld id="{629637A9-119A-49DA-BD12-AAC58B377D80}" type="slidenum">
+              <a:rPr lang="en-US" smtClean="0"/>
+              <a:t>4</a:t>
+            </a:fld>
+            <a:endParaRPr lang="en-US" dirty="0"/>
+          </a:p>
+        </p:txBody>
+      </p:sp>
+      <p:pic>
+        <p:nvPicPr>
+          <p:cNvPr id="5" name="Picture 4"/>
+          <p:cNvPicPr>
+            <a:picLocks noChangeAspect="1"/>
+          </p:cNvPicPr>
+          <p:nvPr/>
+        </p:nvPicPr>
+        <p:blipFill>
+          <a:blip r:embed="rId2"/>
+          <a:stretch>
+            <a:fillRect/>
+          </a:stretch>
+        </p:blipFill>
+        <p:spPr>
+          <a:xfrm>
+            <a:off x="343145" y="1678488"/>
+            <a:ext cx="5957447" cy="3125351"/>
+          </a:xfrm>
+          <a:prstGeom prst="rect">
+            <a:avLst/>
+          </a:prstGeom>
+        </p:spPr>
+      </p:pic>
+      <p:sp>
+        <p:nvSpPr>
+          <p:cNvPr id="6" name="TextBox 5"/>
+          <p:cNvSpPr txBox="1"/>
+          <p:nvPr/>
+        </p:nvSpPr>
+        <p:spPr>
+          <a:xfrm>
+            <a:off x="438411" y="5336088"/>
+            <a:ext cx="5062989" cy="369332"/>
+          </a:xfrm>
+          <a:prstGeom prst="rect">
+            <a:avLst/>
+          </a:prstGeom>
+          <a:noFill/>
+        </p:spPr>
+        <p:txBody>
+          <a:bodyPr wrap="none" rtlCol="0">
+            <a:spAutoFit/>
+          </a:bodyPr>
+          <a:lstStyle/>
+          <a:p>
+            <a:r>
+              <a:rPr lang="en-US" dirty="0"/>
+              <a:t>From Patrick J. </a:t>
+            </a:r>
+            <a:r>
+              <a:rPr lang="en-US" dirty="0" err="1"/>
+              <a:t>Grother</a:t>
+            </a:r>
+            <a:r>
+              <a:rPr lang="en-US" dirty="0"/>
+              <a:t>, NIST Special Database, 1995</a:t>
+            </a:r>
+          </a:p>
+        </p:txBody>
+      </p:sp>
+    </p:spTree>
+    <p:extLst>
+      <p:ext uri="{BB962C8B-B14F-4D97-AF65-F5344CB8AC3E}">
+        <p14:creationId xmlns:p14="http://schemas.microsoft.com/office/powerpoint/2010/main" val="2149150460"/>
+      </p:ext>
+    </p:extLst>
+  </p:cSld>
+  <p:clrMapOvr>
+    <a:masterClrMapping/>
+  </p:clrMapOvr>
+</p:sld>
+</file>
+
+<file path=ppt/slides/slide40.xml><?xml version="1.0" encoding="utf-8"?>
 <p:sld xmlns:a="http://schemas.openxmlformats.org/drawingml/2006/main" xmlns:r="http://schemas.openxmlformats.org/officeDocument/2006/relationships" xmlns:p="http://schemas.openxmlformats.org/presentationml/2006/main">
   <p:cSld>
     <p:spTree>
@@ -21930,7 +24158,7 @@
           <a:p>
             <a:fld id="{629637A9-119A-49DA-BD12-AAC58B377D80}" type="slidenum">
               <a:rPr lang="en-US" smtClean="0"/>
-              <a:t>37</a:t>
+              <a:t>40</a:t>
             </a:fld>
             <a:endParaRPr lang="en-US" dirty="0"/>
           </a:p>
@@ -21949,7 +24177,7 @@
 </p:sld>
 </file>
 
-<file path=ppt/slides/slide38.xml><?xml version="1.0" encoding="utf-8"?>
+<file path=ppt/slides/slide41.xml><?xml version="1.0" encoding="utf-8"?>
 <p:sld xmlns:a="http://schemas.openxmlformats.org/drawingml/2006/main" xmlns:r="http://schemas.openxmlformats.org/officeDocument/2006/relationships" xmlns:p="http://schemas.openxmlformats.org/presentationml/2006/main">
   <p:cSld>
     <p:spTree>
@@ -21983,7 +24211,7 @@
           <a:p>
             <a:r>
               <a:rPr lang="en-US" dirty="0"/>
-              <a:t>Correlation Interpretation of SVM</a:t>
+              <a:t>Support Vectors</a:t>
             </a:r>
           </a:p>
         </p:txBody>
@@ -22009,9 +24237,6 @@
                   <a:rPr lang="en-US" dirty="0"/>
                   <a:t>Classifier weight is:  </a:t>
                 </a:r>
-                <a:br>
-                  <a:rPr lang="en-US" dirty="0"/>
-                </a:br>
                 <a14:m>
                   <m:oMath xmlns:m="http://schemas.openxmlformats.org/officeDocument/2006/math">
                     <m:r>
@@ -22144,110 +24369,9 @@
                 <a:endParaRPr lang="en-US" dirty="0"/>
               </a:p>
               <a:p>
-                <a:endParaRPr lang="en-US" dirty="0"/>
-              </a:p>
-              <a:p>
                 <a:r>
                   <a:rPr lang="en-US" dirty="0"/>
-                  <a:t>Now suppose we are given a new sample </a:t>
-                </a:r>
-                <a14:m>
-                  <m:oMath xmlns:m="http://schemas.openxmlformats.org/officeDocument/2006/math">
-                    <m:r>
-                      <a:rPr lang="en-US" b="1" i="1" smtClean="0">
-                        <a:latin typeface="Cambria Math" panose="02040503050406030204" pitchFamily="18" charset="0"/>
-                      </a:rPr>
-                      <m:t>𝒙</m:t>
-                    </m:r>
-                  </m:oMath>
-                </a14:m>
-                <a:r>
-                  <a:rPr lang="en-US" dirty="0"/>
-                  <a:t> to classify</a:t>
-                </a:r>
-              </a:p>
-              <a:p>
-                <a:r>
-                  <a:rPr lang="en-US" dirty="0"/>
-                  <a:t>Classifier linear discriminant is:</a:t>
-                </a:r>
-              </a:p>
-              <a:p>
-                <a:pPr marL="0" indent="0">
-                  <a:buNone/>
-                </a:pPr>
-                <a:endParaRPr lang="en-US" dirty="0"/>
-              </a:p>
-              <a:p>
-                <a:pPr lvl="1"/>
-                <a:endParaRPr lang="en-US" dirty="0"/>
-              </a:p>
-              <a:p>
-                <a:pPr lvl="1"/>
-                <a:r>
-                  <a:rPr lang="en-US" dirty="0"/>
-                  <a:t>Measure “correlation” </a:t>
-                </a:r>
-                <a14:m>
-                  <m:oMath xmlns:m="http://schemas.openxmlformats.org/officeDocument/2006/math">
-                    <m:sSubSup>
-                      <m:sSubSupPr>
-                        <m:ctrlPr>
-                          <a:rPr lang="en-US" i="1">
-                            <a:latin typeface="Cambria Math" panose="02040503050406030204" pitchFamily="18" charset="0"/>
-                          </a:rPr>
-                        </m:ctrlPr>
-                      </m:sSubSupPr>
-                      <m:e>
-                        <m:r>
-                          <a:rPr lang="en-US" b="1" i="1">
-                            <a:latin typeface="Cambria Math" panose="02040503050406030204" pitchFamily="18" charset="0"/>
-                          </a:rPr>
-                          <m:t>𝒙</m:t>
-                        </m:r>
-                      </m:e>
-                      <m:sub>
-                        <m:r>
-                          <a:rPr lang="en-US" i="1">
-                            <a:latin typeface="Cambria Math" panose="02040503050406030204" pitchFamily="18" charset="0"/>
-                          </a:rPr>
-                          <m:t>𝑖</m:t>
-                        </m:r>
-                      </m:sub>
-                      <m:sup>
-                        <m:r>
-                          <a:rPr lang="en-US" i="1">
-                            <a:latin typeface="Cambria Math" panose="02040503050406030204" pitchFamily="18" charset="0"/>
-                          </a:rPr>
-                          <m:t>𝑇</m:t>
-                        </m:r>
-                      </m:sup>
-                    </m:sSubSup>
-                    <m:r>
-                      <a:rPr lang="en-US" b="1" i="1">
-                        <a:latin typeface="Cambria Math" panose="02040503050406030204" pitchFamily="18" charset="0"/>
-                      </a:rPr>
-                      <m:t>𝒙</m:t>
-                    </m:r>
-                  </m:oMath>
-                </a14:m>
-                <a:r>
-                  <a:rPr lang="en-US" dirty="0"/>
-                  <a:t> of new sample </a:t>
-                </a:r>
-                <a14:m>
-                  <m:oMath xmlns:m="http://schemas.openxmlformats.org/officeDocument/2006/math">
-                    <m:r>
-                      <a:rPr lang="en-US" b="1" i="1">
-                        <a:latin typeface="Cambria Math" panose="02040503050406030204" pitchFamily="18" charset="0"/>
-                      </a:rPr>
-                      <m:t>𝒙</m:t>
-                    </m:r>
-                  </m:oMath>
-                </a14:m>
-                <a:r>
-                  <a:rPr lang="en-US" dirty="0"/>
-                  <a:t> with each </a:t>
+                  <a:t>Can show that </a:t>
                 </a:r>
                 <a14:m>
                   <m:oMath xmlns:m="http://schemas.openxmlformats.org/officeDocument/2006/math">
@@ -22261,10 +24385,10 @@
                       </m:sSubPr>
                       <m:e>
                         <m:r>
-                          <a:rPr lang="en-US" b="1" i="1">
-                            <a:latin typeface="Cambria Math" panose="02040503050406030204" pitchFamily="18" charset="0"/>
-                          </a:rPr>
-                          <m:t>𝒙</m:t>
+                          <a:rPr lang="en-US" i="1">
+                            <a:latin typeface="Cambria Math" panose="02040503050406030204" pitchFamily="18" charset="0"/>
+                          </a:rPr>
+                          <m:t>𝛼</m:t>
                         </m:r>
                       </m:e>
                       <m:sub>
@@ -22276,32 +24400,17 @@
                         </m:r>
                       </m:sub>
                     </m:sSub>
+                    <m:r>
+                      <a:rPr lang="en-US" b="0" i="1" smtClean="0">
+                        <a:latin typeface="Cambria Math" panose="02040503050406030204" pitchFamily="18" charset="0"/>
+                      </a:rPr>
+                      <m:t>&gt;0</m:t>
+                    </m:r>
                   </m:oMath>
                 </a14:m>
                 <a:r>
                   <a:rPr lang="en-US" dirty="0"/>
-                  <a:t> in training data</a:t>
-                </a:r>
-              </a:p>
-              <a:p>
-                <a:pPr lvl="1"/>
-                <a:r>
-                  <a:rPr lang="en-US" dirty="0"/>
-                  <a:t>Weight output </a:t>
-                </a:r>
-                <a14:m>
-                  <m:oMath xmlns:m="http://schemas.openxmlformats.org/officeDocument/2006/math">
-                    <m:r>
-                      <a:rPr lang="en-US" i="1">
-                        <a:latin typeface="Cambria Math" panose="02040503050406030204" pitchFamily="18" charset="0"/>
-                      </a:rPr>
-                      <m:t>𝑧</m:t>
-                    </m:r>
-                  </m:oMath>
-                </a14:m>
-                <a:r>
-                  <a:rPr lang="en-US" dirty="0"/>
-                  <a:t> by the </a:t>
+                  <a:t> only when </a:t>
                 </a:r>
                 <a14:m>
                   <m:oMath xmlns:m="http://schemas.openxmlformats.org/officeDocument/2006/math">
@@ -22315,10 +24424,10 @@
                       </m:sSubPr>
                       <m:e>
                         <m:r>
-                          <a:rPr lang="en-US" i="1">
-                            <a:latin typeface="Cambria Math" panose="02040503050406030204" pitchFamily="18" charset="0"/>
-                          </a:rPr>
-                          <m:t>𝑦</m:t>
+                          <a:rPr lang="en-US" b="1" i="1">
+                            <a:latin typeface="Cambria Math" panose="02040503050406030204" pitchFamily="18" charset="0"/>
+                          </a:rPr>
+                          <m:t>𝒙</m:t>
                         </m:r>
                       </m:e>
                       <m:sub>
@@ -22334,24 +24443,49 @@
                 </a14:m>
                 <a:r>
                   <a:rPr lang="en-US" dirty="0"/>
-                  <a:t> on the samples where </a:t>
+                  <a:t> is a </a:t>
+                </a:r>
+                <a:r>
+                  <a:rPr lang="en-US" dirty="0">
+                    <a:solidFill>
+                      <a:schemeClr val="tx2">
+                        <a:lumMod val="60000"/>
+                        <a:lumOff val="40000"/>
+                      </a:schemeClr>
+                    </a:solidFill>
+                  </a:rPr>
+                  <a:t>support vector</a:t>
+                </a:r>
+              </a:p>
+              <a:p>
+                <a:pPr lvl="1"/>
+                <a:r>
+                  <a:rPr lang="en-US" dirty="0"/>
+                  <a:t>On boundary or violating constraint</a:t>
+                </a:r>
+              </a:p>
+              <a:p>
+                <a:pPr lvl="1"/>
+                <a:r>
+                  <a:rPr lang="en-US" dirty="0"/>
+                  <a:t>Otherwise </a:t>
                 </a:r>
                 <a14:m>
                   <m:oMath xmlns:m="http://schemas.openxmlformats.org/officeDocument/2006/math">
-                    <m:sSubSup>
-                      <m:sSubSupPr>
+                    <m:sSub>
+                      <m:sSubPr>
                         <m:ctrlPr>
                           <a:rPr lang="en-US" i="1">
                             <a:latin typeface="Cambria Math" panose="02040503050406030204" pitchFamily="18" charset="0"/>
                           </a:rPr>
                         </m:ctrlPr>
-                      </m:sSubSupPr>
+                      </m:sSubPr>
                       <m:e>
                         <m:r>
-                          <a:rPr lang="en-US" b="1" i="1">
-                            <a:latin typeface="Cambria Math" panose="02040503050406030204" pitchFamily="18" charset="0"/>
-                          </a:rPr>
-                          <m:t>𝒙</m:t>
+                          <a:rPr lang="en-US" i="1">
+                            <a:latin typeface="Cambria Math" panose="02040503050406030204" pitchFamily="18" charset="0"/>
+                          </a:rPr>
+                          <m:t>𝛼</m:t>
                         </m:r>
                       </m:e>
                       <m:sub>
@@ -22362,27 +24496,29 @@
                           <m:t>𝑖</m:t>
                         </m:r>
                       </m:sub>
-                      <m:sup>
-                        <m:r>
-                          <a:rPr lang="en-US" i="1">
-                            <a:latin typeface="Cambria Math" panose="02040503050406030204" pitchFamily="18" charset="0"/>
-                          </a:rPr>
-                          <m:t>𝑇</m:t>
-                        </m:r>
-                      </m:sup>
-                    </m:sSubSup>
-                    <m:r>
-                      <a:rPr lang="en-US" b="1" i="1">
-                        <a:latin typeface="Cambria Math" panose="02040503050406030204" pitchFamily="18" charset="0"/>
-                      </a:rPr>
-                      <m:t>𝒙</m:t>
+                    </m:sSub>
+                    <m:r>
+                      <a:rPr lang="en-US" b="0" i="1" smtClean="0">
+                        <a:latin typeface="Cambria Math" panose="02040503050406030204" pitchFamily="18" charset="0"/>
+                      </a:rPr>
+                      <m:t>=</m:t>
+                    </m:r>
+                    <m:r>
+                      <a:rPr lang="en-US" i="1">
+                        <a:latin typeface="Cambria Math" panose="02040503050406030204" pitchFamily="18" charset="0"/>
+                      </a:rPr>
+                      <m:t>0</m:t>
                     </m:r>
                   </m:oMath>
                 </a14:m>
                 <a:r>
                   <a:rPr lang="en-US" dirty="0"/>
-                  <a:t>  is large</a:t>
-                </a:r>
+                  <a:t> </a:t>
+                </a:r>
+              </a:p>
+              <a:p>
+                <a:pPr lvl="1"/>
+                <a:endParaRPr lang="en-US" dirty="0"/>
               </a:p>
             </p:txBody>
           </p:sp>
@@ -22402,7 +24538,7 @@
               <a:blipFill>
                 <a:blip r:embed="rId2"/>
                 <a:stretch>
-                  <a:fillRect l="-1455" t="-1549"/>
+                  <a:fillRect l="-1455" t="-11690"/>
                 </a:stretch>
               </a:blipFill>
             </p:spPr>
@@ -22438,16 +24574,40 @@
           <a:p>
             <a:fld id="{629637A9-119A-49DA-BD12-AAC58B377D80}" type="slidenum">
               <a:rPr lang="en-US" smtClean="0"/>
-              <a:t>38</a:t>
+              <a:t>41</a:t>
             </a:fld>
             <a:endParaRPr lang="en-US" dirty="0"/>
           </a:p>
         </p:txBody>
       </p:sp>
+      <p:pic>
+        <p:nvPicPr>
+          <p:cNvPr id="5" name="Picture 4"/>
+          <p:cNvPicPr>
+            <a:picLocks noChangeAspect="1"/>
+          </p:cNvPicPr>
+          <p:nvPr/>
+        </p:nvPicPr>
+        <p:blipFill>
+          <a:blip r:embed="rId3"/>
+          <a:stretch>
+            <a:fillRect/>
+          </a:stretch>
+        </p:blipFill>
+        <p:spPr>
+          <a:xfrm>
+            <a:off x="7263660" y="2275841"/>
+            <a:ext cx="4487354" cy="3378510"/>
+          </a:xfrm>
+          <a:prstGeom prst="rect">
+            <a:avLst/>
+          </a:prstGeom>
+        </p:spPr>
+      </p:pic>
     </p:spTree>
     <p:extLst>
       <p:ext uri="{BB962C8B-B14F-4D97-AF65-F5344CB8AC3E}">
-        <p14:creationId xmlns:p14="http://schemas.microsoft.com/office/powerpoint/2010/main" val="155067144"/>
+        <p14:creationId xmlns:p14="http://schemas.microsoft.com/office/powerpoint/2010/main" val="618057922"/>
       </p:ext>
     </p:extLst>
   </p:cSld>
@@ -22457,7 +24617,7 @@
 </p:sld>
 </file>
 
-<file path=ppt/slides/slide39.xml><?xml version="1.0" encoding="utf-8"?>
+<file path=ppt/slides/slide42.xml><?xml version="1.0" encoding="utf-8"?>
 <p:sld xmlns:a="http://schemas.openxmlformats.org/drawingml/2006/main" xmlns:r="http://schemas.openxmlformats.org/officeDocument/2006/relationships" xmlns:p="http://schemas.openxmlformats.org/presentationml/2006/main">
   <p:cSld>
     <p:spTree>
@@ -22491,13 +24651,13 @@
           <a:p>
             <a:r>
               <a:rPr lang="en-US" dirty="0"/>
-              <a:t>Support Vectors</a:t>
+              <a:t>Correlation Interpretation of SVM</a:t>
             </a:r>
           </a:p>
         </p:txBody>
       </p:sp>
-      <mc:AlternateContent xmlns:mc="http://schemas.openxmlformats.org/markup-compatibility/2006" xmlns:a14="http://schemas.microsoft.com/office/drawing/2010/main">
-        <mc:Choice Requires="a14">
+      <mc:AlternateContent xmlns:mc="http://schemas.openxmlformats.org/markup-compatibility/2006">
+        <mc:Choice xmlns:a14="http://schemas.microsoft.com/office/drawing/2010/main" Requires="a14">
           <p:sp>
             <p:nvSpPr>
               <p:cNvPr id="3" name="Content Placeholder 2"/>
@@ -22510,13 +24670,18 @@
             </p:nvSpPr>
             <p:spPr/>
             <p:txBody>
-              <a:bodyPr/>
+              <a:bodyPr>
+                <a:normAutofit/>
+              </a:bodyPr>
               <a:lstStyle/>
               <a:p>
                 <a:r>
                   <a:rPr lang="en-US" dirty="0"/>
                   <a:t>Classifier weight is:  </a:t>
                 </a:r>
+                <a:br>
+                  <a:rPr lang="en-US" dirty="0"/>
+                </a:br>
                 <a14:m>
                   <m:oMath xmlns:m="http://schemas.openxmlformats.org/officeDocument/2006/math">
                     <m:r>
@@ -22651,7 +24816,443 @@
               <a:p>
                 <a:r>
                   <a:rPr lang="en-US" dirty="0"/>
-                  <a:t>Can show that </a:t>
+                  <a:t>Now suppose we are given a new sample </a:t>
+                </a:r>
+                <a14:m>
+                  <m:oMath xmlns:m="http://schemas.openxmlformats.org/officeDocument/2006/math">
+                    <m:r>
+                      <a:rPr lang="en-US" b="1" i="1" smtClean="0">
+                        <a:latin typeface="Cambria Math" panose="02040503050406030204" pitchFamily="18" charset="0"/>
+                      </a:rPr>
+                      <m:t>𝒙</m:t>
+                    </m:r>
+                  </m:oMath>
+                </a14:m>
+                <a:r>
+                  <a:rPr lang="en-US" dirty="0"/>
+                  <a:t> to classify</a:t>
+                </a:r>
+              </a:p>
+              <a:p>
+                <a:r>
+                  <a:rPr lang="en-US" dirty="0"/>
+                  <a:t>Classifier discriminant function for any test sample </a:t>
+                </a:r>
+                <a14:m>
+                  <m:oMath xmlns:m="http://schemas.openxmlformats.org/officeDocument/2006/math">
+                    <m:r>
+                      <a:rPr lang="en-US" b="1" i="1">
+                        <a:latin typeface="Cambria Math" panose="02040503050406030204" pitchFamily="18" charset="0"/>
+                      </a:rPr>
+                      <m:t>𝒙</m:t>
+                    </m:r>
+                    <m:r>
+                      <a:rPr lang="en-US" b="1" i="1">
+                        <a:latin typeface="Cambria Math" panose="02040503050406030204" pitchFamily="18" charset="0"/>
+                      </a:rPr>
+                      <m:t> </m:t>
+                    </m:r>
+                  </m:oMath>
+                </a14:m>
+                <a:r>
+                  <a:rPr lang="en-US" dirty="0"/>
+                  <a:t>is:</a:t>
+                </a:r>
+              </a:p>
+              <a:p>
+                <a:pPr lvl="1"/>
+                <a:r>
+                  <a:rPr lang="en-US" dirty="0"/>
+                  <a:t> </a:t>
+                </a:r>
+                <a14:m>
+                  <m:oMath xmlns:m="http://schemas.openxmlformats.org/officeDocument/2006/math">
+                    <m:sSubSup>
+                      <m:sSubSupPr>
+                        <m:ctrlPr>
+                          <a:rPr lang="en-US" i="1">
+                            <a:latin typeface="Cambria Math" panose="02040503050406030204" pitchFamily="18" charset="0"/>
+                          </a:rPr>
+                        </m:ctrlPr>
+                      </m:sSubSupPr>
+                      <m:e>
+                        <m:acc>
+                          <m:accPr>
+                            <m:chr m:val="̂"/>
+                            <m:ctrlPr>
+                              <a:rPr lang="en-US" i="1" smtClean="0">
+                                <a:latin typeface="Cambria Math" panose="02040503050406030204" pitchFamily="18" charset="0"/>
+                              </a:rPr>
+                            </m:ctrlPr>
+                          </m:accPr>
+                          <m:e>
+                            <m:r>
+                              <a:rPr lang="en-US" b="0" i="1" smtClean="0">
+                                <a:latin typeface="Cambria Math" panose="02040503050406030204" pitchFamily="18" charset="0"/>
+                              </a:rPr>
+                              <m:t>𝑧</m:t>
+                            </m:r>
+                          </m:e>
+                        </m:acc>
+                        <m:d>
+                          <m:dPr>
+                            <m:ctrlPr>
+                              <a:rPr lang="en-US" b="1" i="1" smtClean="0">
+                                <a:latin typeface="Cambria Math" panose="02040503050406030204" pitchFamily="18" charset="0"/>
+                              </a:rPr>
+                            </m:ctrlPr>
+                          </m:dPr>
+                          <m:e>
+                            <m:r>
+                              <a:rPr lang="en-US" b="1" i="1" smtClean="0">
+                                <a:latin typeface="Cambria Math" panose="02040503050406030204" pitchFamily="18" charset="0"/>
+                              </a:rPr>
+                              <m:t>𝒙</m:t>
+                            </m:r>
+                          </m:e>
+                        </m:d>
+                        <m:r>
+                          <a:rPr lang="en-US" b="1" i="1" smtClean="0">
+                            <a:latin typeface="Cambria Math" panose="02040503050406030204" pitchFamily="18" charset="0"/>
+                          </a:rPr>
+                          <m:t>=</m:t>
+                        </m:r>
+                        <m:r>
+                          <a:rPr lang="en-US" b="1" i="1" smtClean="0">
+                            <a:latin typeface="Cambria Math" panose="02040503050406030204" pitchFamily="18" charset="0"/>
+                          </a:rPr>
+                          <m:t>𝒘</m:t>
+                        </m:r>
+                      </m:e>
+                      <m:sub/>
+                      <m:sup>
+                        <m:r>
+                          <a:rPr lang="en-US" i="1">
+                            <a:latin typeface="Cambria Math" panose="02040503050406030204" pitchFamily="18" charset="0"/>
+                          </a:rPr>
+                          <m:t>𝑇</m:t>
+                        </m:r>
+                      </m:sup>
+                    </m:sSubSup>
+                    <m:r>
+                      <a:rPr lang="en-US" b="1" i="1">
+                        <a:latin typeface="Cambria Math" panose="02040503050406030204" pitchFamily="18" charset="0"/>
+                      </a:rPr>
+                      <m:t>𝒙</m:t>
+                    </m:r>
+                    <m:r>
+                      <a:rPr lang="en-US" b="1" i="1" smtClean="0">
+                        <a:latin typeface="Cambria Math" panose="02040503050406030204" pitchFamily="18" charset="0"/>
+                      </a:rPr>
+                      <m:t>+</m:t>
+                    </m:r>
+                    <m:r>
+                      <a:rPr lang="en-US" b="0" i="1" smtClean="0">
+                        <a:latin typeface="Cambria Math" panose="02040503050406030204" pitchFamily="18" charset="0"/>
+                      </a:rPr>
+                      <m:t>𝑏</m:t>
+                    </m:r>
+                    <m:r>
+                      <a:rPr lang="en-US" b="1" i="1" smtClean="0">
+                        <a:latin typeface="Cambria Math" panose="02040503050406030204" pitchFamily="18" charset="0"/>
+                      </a:rPr>
+                      <m:t>=</m:t>
+                    </m:r>
+                    <m:nary>
+                      <m:naryPr>
+                        <m:chr m:val="∑"/>
+                        <m:subHide m:val="on"/>
+                        <m:supHide m:val="on"/>
+                        <m:ctrlPr>
+                          <a:rPr lang="en-US" b="1" i="1" smtClean="0">
+                            <a:latin typeface="Cambria Math" panose="02040503050406030204" pitchFamily="18" charset="0"/>
+                          </a:rPr>
+                        </m:ctrlPr>
+                      </m:naryPr>
+                      <m:sub/>
+                      <m:sup/>
+                      <m:e>
+                        <m:sSub>
+                          <m:sSubPr>
+                            <m:ctrlPr>
+                              <a:rPr lang="en-US" i="1">
+                                <a:latin typeface="Cambria Math" panose="02040503050406030204" pitchFamily="18" charset="0"/>
+                              </a:rPr>
+                            </m:ctrlPr>
+                          </m:sSubPr>
+                          <m:e>
+                            <m:r>
+                              <a:rPr lang="en-US" i="1">
+                                <a:latin typeface="Cambria Math" panose="02040503050406030204" pitchFamily="18" charset="0"/>
+                              </a:rPr>
+                              <m:t>𝛼</m:t>
+                            </m:r>
+                          </m:e>
+                          <m:sub>
+                            <m:r>
+                              <a:rPr lang="en-US" i="1">
+                                <a:latin typeface="Cambria Math" panose="02040503050406030204" pitchFamily="18" charset="0"/>
+                              </a:rPr>
+                              <m:t>𝑖</m:t>
+                            </m:r>
+                          </m:sub>
+                        </m:sSub>
+                        <m:sSub>
+                          <m:sSubPr>
+                            <m:ctrlPr>
+                              <a:rPr lang="en-US" i="1">
+                                <a:latin typeface="Cambria Math" panose="02040503050406030204" pitchFamily="18" charset="0"/>
+                              </a:rPr>
+                            </m:ctrlPr>
+                          </m:sSubPr>
+                          <m:e>
+                            <m:r>
+                              <a:rPr lang="en-US" i="1">
+                                <a:latin typeface="Cambria Math" panose="02040503050406030204" pitchFamily="18" charset="0"/>
+                              </a:rPr>
+                              <m:t>𝑦</m:t>
+                            </m:r>
+                          </m:e>
+                          <m:sub>
+                            <m:r>
+                              <a:rPr lang="en-US" i="1">
+                                <a:latin typeface="Cambria Math" panose="02040503050406030204" pitchFamily="18" charset="0"/>
+                              </a:rPr>
+                              <m:t>𝑖</m:t>
+                            </m:r>
+                          </m:sub>
+                        </m:sSub>
+                        <m:sSubSup>
+                          <m:sSubSupPr>
+                            <m:ctrlPr>
+                              <a:rPr lang="en-US" i="1">
+                                <a:latin typeface="Cambria Math" panose="02040503050406030204" pitchFamily="18" charset="0"/>
+                              </a:rPr>
+                            </m:ctrlPr>
+                          </m:sSubSupPr>
+                          <m:e>
+                            <m:r>
+                              <a:rPr lang="en-US" b="1" i="1">
+                                <a:latin typeface="Cambria Math" panose="02040503050406030204" pitchFamily="18" charset="0"/>
+                              </a:rPr>
+                              <m:t>𝒙</m:t>
+                            </m:r>
+                          </m:e>
+                          <m:sub>
+                            <m:r>
+                              <a:rPr lang="en-US" i="1">
+                                <a:latin typeface="Cambria Math" panose="02040503050406030204" pitchFamily="18" charset="0"/>
+                              </a:rPr>
+                              <m:t>𝑖</m:t>
+                            </m:r>
+                          </m:sub>
+                          <m:sup>
+                            <m:r>
+                              <a:rPr lang="en-US" i="1">
+                                <a:latin typeface="Cambria Math" panose="02040503050406030204" pitchFamily="18" charset="0"/>
+                              </a:rPr>
+                              <m:t>𝑇</m:t>
+                            </m:r>
+                          </m:sup>
+                        </m:sSubSup>
+                        <m:r>
+                          <a:rPr lang="en-US" b="1" i="1">
+                            <a:latin typeface="Cambria Math" panose="02040503050406030204" pitchFamily="18" charset="0"/>
+                          </a:rPr>
+                          <m:t>𝒙</m:t>
+                        </m:r>
+                      </m:e>
+                    </m:nary>
+                    <m:r>
+                      <a:rPr lang="en-US" b="0" i="0" smtClean="0">
+                        <a:latin typeface="Cambria Math" panose="02040503050406030204" pitchFamily="18" charset="0"/>
+                      </a:rPr>
+                      <m:t>+</m:t>
+                    </m:r>
+                    <m:r>
+                      <a:rPr lang="en-US" i="1">
+                        <a:latin typeface="Cambria Math" panose="02040503050406030204" pitchFamily="18" charset="0"/>
+                      </a:rPr>
+                      <m:t>𝑏</m:t>
+                    </m:r>
+                  </m:oMath>
+                </a14:m>
+                <a:endParaRPr lang="en-US" dirty="0"/>
+              </a:p>
+              <a:p>
+                <a:r>
+                  <a:rPr lang="en-US" dirty="0"/>
+                  <a:t>Classifier output</a:t>
+                </a:r>
+              </a:p>
+              <a:p>
+                <a:pPr lvl="1"/>
+                <a14:m>
+                  <m:oMath xmlns:m="http://schemas.openxmlformats.org/officeDocument/2006/math">
+                    <m:acc>
+                      <m:accPr>
+                        <m:chr m:val="̂"/>
+                        <m:ctrlPr>
+                          <a:rPr lang="en-US" i="1">
+                            <a:latin typeface="Cambria Math" panose="02040503050406030204" pitchFamily="18" charset="0"/>
+                          </a:rPr>
+                        </m:ctrlPr>
+                      </m:accPr>
+                      <m:e>
+                        <m:r>
+                          <a:rPr lang="en-US" b="0" i="1" smtClean="0">
+                            <a:latin typeface="Cambria Math" panose="02040503050406030204" pitchFamily="18" charset="0"/>
+                          </a:rPr>
+                          <m:t>𝑦</m:t>
+                        </m:r>
+                      </m:e>
+                    </m:acc>
+                    <m:d>
+                      <m:dPr>
+                        <m:ctrlPr>
+                          <a:rPr lang="en-US" b="1" i="1">
+                            <a:latin typeface="Cambria Math" panose="02040503050406030204" pitchFamily="18" charset="0"/>
+                          </a:rPr>
+                        </m:ctrlPr>
+                      </m:dPr>
+                      <m:e>
+                        <m:r>
+                          <a:rPr lang="en-US" b="1" i="1">
+                            <a:latin typeface="Cambria Math" panose="02040503050406030204" pitchFamily="18" charset="0"/>
+                          </a:rPr>
+                          <m:t>𝒙</m:t>
+                        </m:r>
+                      </m:e>
+                    </m:d>
+                    <m:r>
+                      <a:rPr lang="en-US" b="0" i="0" smtClean="0">
+                        <a:latin typeface="Cambria Math" panose="02040503050406030204" pitchFamily="18" charset="0"/>
+                      </a:rPr>
+                      <m:t>=</m:t>
+                    </m:r>
+                    <m:r>
+                      <m:rPr>
+                        <m:sty m:val="p"/>
+                      </m:rPr>
+                      <a:rPr lang="en-US" b="0" i="0" smtClean="0">
+                        <a:latin typeface="Cambria Math" panose="02040503050406030204" pitchFamily="18" charset="0"/>
+                      </a:rPr>
+                      <m:t>sign</m:t>
+                    </m:r>
+                    <m:r>
+                      <a:rPr lang="en-US" b="0" i="0" smtClean="0">
+                        <a:latin typeface="Cambria Math" panose="02040503050406030204" pitchFamily="18" charset="0"/>
+                      </a:rPr>
+                      <m:t>(</m:t>
+                    </m:r>
+                    <m:acc>
+                      <m:accPr>
+                        <m:chr m:val="̂"/>
+                        <m:ctrlPr>
+                          <a:rPr lang="en-US" i="1">
+                            <a:latin typeface="Cambria Math" panose="02040503050406030204" pitchFamily="18" charset="0"/>
+                          </a:rPr>
+                        </m:ctrlPr>
+                      </m:accPr>
+                      <m:e>
+                        <m:r>
+                          <a:rPr lang="en-US" i="1">
+                            <a:latin typeface="Cambria Math" panose="02040503050406030204" pitchFamily="18" charset="0"/>
+                          </a:rPr>
+                          <m:t>𝑧</m:t>
+                        </m:r>
+                      </m:e>
+                    </m:acc>
+                    <m:d>
+                      <m:dPr>
+                        <m:ctrlPr>
+                          <a:rPr lang="en-US" b="1" i="1">
+                            <a:latin typeface="Cambria Math" panose="02040503050406030204" pitchFamily="18" charset="0"/>
+                          </a:rPr>
+                        </m:ctrlPr>
+                      </m:dPr>
+                      <m:e>
+                        <m:r>
+                          <a:rPr lang="en-US" b="1" i="1">
+                            <a:latin typeface="Cambria Math" panose="02040503050406030204" pitchFamily="18" charset="0"/>
+                          </a:rPr>
+                          <m:t>𝒙</m:t>
+                        </m:r>
+                      </m:e>
+                    </m:d>
+                  </m:oMath>
+                </a14:m>
+                <a:r>
+                  <a:rPr lang="en-US" dirty="0"/>
+                  <a:t>)</a:t>
+                </a:r>
+              </a:p>
+              <a:p>
+                <a:pPr lvl="1"/>
+                <a:r>
+                  <a:rPr lang="en-US" dirty="0"/>
+                  <a:t>Measure “correlation” </a:t>
+                </a:r>
+                <a14:m>
+                  <m:oMath xmlns:m="http://schemas.openxmlformats.org/officeDocument/2006/math">
+                    <m:sSubSup>
+                      <m:sSubSupPr>
+                        <m:ctrlPr>
+                          <a:rPr lang="en-US" i="1">
+                            <a:latin typeface="Cambria Math" panose="02040503050406030204" pitchFamily="18" charset="0"/>
+                          </a:rPr>
+                        </m:ctrlPr>
+                      </m:sSubSupPr>
+                      <m:e>
+                        <m:r>
+                          <a:rPr lang="en-US" b="1" i="1">
+                            <a:latin typeface="Cambria Math" panose="02040503050406030204" pitchFamily="18" charset="0"/>
+                          </a:rPr>
+                          <m:t>𝒙</m:t>
+                        </m:r>
+                      </m:e>
+                      <m:sub>
+                        <m:r>
+                          <a:rPr lang="en-US" i="1">
+                            <a:latin typeface="Cambria Math" panose="02040503050406030204" pitchFamily="18" charset="0"/>
+                          </a:rPr>
+                          <m:t>𝑖</m:t>
+                        </m:r>
+                      </m:sub>
+                      <m:sup>
+                        <m:r>
+                          <a:rPr lang="en-US" i="1">
+                            <a:latin typeface="Cambria Math" panose="02040503050406030204" pitchFamily="18" charset="0"/>
+                          </a:rPr>
+                          <m:t>𝑇</m:t>
+                        </m:r>
+                      </m:sup>
+                    </m:sSubSup>
+                    <m:r>
+                      <a:rPr lang="en-US" b="1" i="1">
+                        <a:latin typeface="Cambria Math" panose="02040503050406030204" pitchFamily="18" charset="0"/>
+                      </a:rPr>
+                      <m:t>𝒙</m:t>
+                    </m:r>
+                  </m:oMath>
+                </a14:m>
+                <a:r>
+                  <a:rPr lang="en-US" dirty="0"/>
+                  <a:t> of new sample </a:t>
+                </a:r>
+                <a14:m>
+                  <m:oMath xmlns:m="http://schemas.openxmlformats.org/officeDocument/2006/math">
+                    <m:r>
+                      <a:rPr lang="en-US" b="1" i="1">
+                        <a:latin typeface="Cambria Math" panose="02040503050406030204" pitchFamily="18" charset="0"/>
+                      </a:rPr>
+                      <m:t>𝒙</m:t>
+                    </m:r>
+                  </m:oMath>
+                </a14:m>
+                <a:r>
+                  <a:rPr lang="en-US" dirty="0"/>
+                  <a:t> with each support vector </a:t>
                 </a:r>
                 <a14:m>
                   <m:oMath xmlns:m="http://schemas.openxmlformats.org/officeDocument/2006/math">
@@ -22665,45 +25266,6 @@
                       </m:sSubPr>
                       <m:e>
                         <m:r>
-                          <a:rPr lang="en-US" i="1">
-                            <a:latin typeface="Cambria Math" panose="02040503050406030204" pitchFamily="18" charset="0"/>
-                          </a:rPr>
-                          <m:t>𝛼</m:t>
-                        </m:r>
-                      </m:e>
-                      <m:sub>
-                        <m:r>
-                          <a:rPr lang="en-US" i="1">
-                            <a:latin typeface="Cambria Math" panose="02040503050406030204" pitchFamily="18" charset="0"/>
-                          </a:rPr>
-                          <m:t>𝑖</m:t>
-                        </m:r>
-                      </m:sub>
-                    </m:sSub>
-                    <m:r>
-                      <a:rPr lang="en-US" b="0" i="1" smtClean="0">
-                        <a:latin typeface="Cambria Math" panose="02040503050406030204" pitchFamily="18" charset="0"/>
-                      </a:rPr>
-                      <m:t>&gt;0</m:t>
-                    </m:r>
-                  </m:oMath>
-                </a14:m>
-                <a:r>
-                  <a:rPr lang="en-US" dirty="0"/>
-                  <a:t> only when </a:t>
-                </a:r>
-                <a14:m>
-                  <m:oMath xmlns:m="http://schemas.openxmlformats.org/officeDocument/2006/math">
-                    <m:sSub>
-                      <m:sSubPr>
-                        <m:ctrlPr>
-                          <a:rPr lang="en-US" i="1">
-                            <a:latin typeface="Cambria Math" panose="02040503050406030204" pitchFamily="18" charset="0"/>
-                          </a:rPr>
-                        </m:ctrlPr>
-                      </m:sSubPr>
-                      <m:e>
-                        <m:r>
                           <a:rPr lang="en-US" b="1" i="1">
                             <a:latin typeface="Cambria Math" panose="02040503050406030204" pitchFamily="18" charset="0"/>
                           </a:rPr>
@@ -22723,87 +25285,20 @@
                 </a14:m>
                 <a:r>
                   <a:rPr lang="en-US" dirty="0"/>
-                  <a:t> is a </a:t>
-                </a:r>
-                <a:r>
-                  <a:rPr lang="en-US" dirty="0">
-                    <a:solidFill>
-                      <a:schemeClr val="tx2">
-                        <a:lumMod val="60000"/>
-                        <a:lumOff val="40000"/>
-                      </a:schemeClr>
-                    </a:solidFill>
-                  </a:rPr>
-                  <a:t>support vector</a:t>
+                  <a:t> in training data</a:t>
                 </a:r>
               </a:p>
               <a:p>
                 <a:pPr lvl="1"/>
                 <a:r>
                   <a:rPr lang="en-US" dirty="0"/>
-                  <a:t>On boundary or violating constraint</a:t>
-                </a:r>
-              </a:p>
-              <a:p>
-                <a:pPr lvl="1"/>
-                <a:r>
-                  <a:rPr lang="en-US" dirty="0"/>
-                  <a:t>Otherwise </a:t>
-                </a:r>
-                <a14:m>
-                  <m:oMath xmlns:m="http://schemas.openxmlformats.org/officeDocument/2006/math">
-                    <m:sSub>
-                      <m:sSubPr>
-                        <m:ctrlPr>
-                          <a:rPr lang="en-US" i="1">
-                            <a:latin typeface="Cambria Math" panose="02040503050406030204" pitchFamily="18" charset="0"/>
-                          </a:rPr>
-                        </m:ctrlPr>
-                      </m:sSubPr>
-                      <m:e>
-                        <m:r>
-                          <a:rPr lang="en-US" i="1">
-                            <a:latin typeface="Cambria Math" panose="02040503050406030204" pitchFamily="18" charset="0"/>
-                          </a:rPr>
-                          <m:t>𝛼</m:t>
-                        </m:r>
-                      </m:e>
-                      <m:sub>
-                        <m:r>
-                          <a:rPr lang="en-US" i="1">
-                            <a:latin typeface="Cambria Math" panose="02040503050406030204" pitchFamily="18" charset="0"/>
-                          </a:rPr>
-                          <m:t>𝑖</m:t>
-                        </m:r>
-                      </m:sub>
-                    </m:sSub>
-                    <m:r>
-                      <a:rPr lang="en-US" b="0" i="1" smtClean="0">
-                        <a:latin typeface="Cambria Math" panose="02040503050406030204" pitchFamily="18" charset="0"/>
-                      </a:rPr>
-                      <m:t>=</m:t>
-                    </m:r>
-                    <m:r>
-                      <a:rPr lang="en-US" i="1">
-                        <a:latin typeface="Cambria Math" panose="02040503050406030204" pitchFamily="18" charset="0"/>
-                      </a:rPr>
-                      <m:t>0</m:t>
-                    </m:r>
-                  </m:oMath>
-                </a14:m>
-                <a:r>
-                  <a:rPr lang="en-US" dirty="0"/>
-                  <a:t> </a:t>
-                </a:r>
-              </a:p>
-              <a:p>
-                <a:pPr lvl="1"/>
-                <a:endParaRPr lang="en-US" dirty="0"/>
+                  <a:t>Predicted label depends on the weighted average of labels for the support vectors, with weights proportional to the correlation of the test sample with the support vector. </a:t>
+                </a:r>
               </a:p>
             </p:txBody>
           </p:sp>
         </mc:Choice>
-        <mc:Fallback xmlns="">
+        <mc:Fallback>
           <p:sp>
             <p:nvSpPr>
               <p:cNvPr id="3" name="Content Placeholder 2"/>
@@ -22818,7 +25313,7 @@
               <a:blipFill>
                 <a:blip r:embed="rId2"/>
                 <a:stretch>
-                  <a:fillRect l="-1455" t="-11690"/>
+                  <a:fillRect l="-1261" t="-19298"/>
                 </a:stretch>
               </a:blipFill>
             </p:spPr>
@@ -22854,40 +25349,16 @@
           <a:p>
             <a:fld id="{629637A9-119A-49DA-BD12-AAC58B377D80}" type="slidenum">
               <a:rPr lang="en-US" smtClean="0"/>
-              <a:t>39</a:t>
+              <a:t>42</a:t>
             </a:fld>
             <a:endParaRPr lang="en-US" dirty="0"/>
           </a:p>
         </p:txBody>
       </p:sp>
-      <p:pic>
-        <p:nvPicPr>
-          <p:cNvPr id="5" name="Picture 4"/>
-          <p:cNvPicPr>
-            <a:picLocks noChangeAspect="1"/>
-          </p:cNvPicPr>
-          <p:nvPr/>
-        </p:nvPicPr>
-        <p:blipFill>
-          <a:blip r:embed="rId3"/>
-          <a:stretch>
-            <a:fillRect/>
-          </a:stretch>
-        </p:blipFill>
-        <p:spPr>
-          <a:xfrm>
-            <a:off x="7263660" y="2275841"/>
-            <a:ext cx="4487354" cy="3378510"/>
-          </a:xfrm>
-          <a:prstGeom prst="rect">
-            <a:avLst/>
-          </a:prstGeom>
-        </p:spPr>
-      </p:pic>
     </p:spTree>
     <p:extLst>
       <p:ext uri="{BB962C8B-B14F-4D97-AF65-F5344CB8AC3E}">
-        <p14:creationId xmlns:p14="http://schemas.microsoft.com/office/powerpoint/2010/main" val="618057922"/>
+        <p14:creationId xmlns:p14="http://schemas.microsoft.com/office/powerpoint/2010/main" val="155067144"/>
       </p:ext>
     </p:extLst>
   </p:cSld>
@@ -22897,7 +25368,7 @@
 </p:sld>
 </file>
 
-<file path=ppt/slides/slide4.xml><?xml version="1.0" encoding="utf-8"?>
+<file path=ppt/slides/slide43.xml><?xml version="1.0" encoding="utf-8"?>
 <p:sld xmlns:a="http://schemas.openxmlformats.org/drawingml/2006/main" xmlns:r="http://schemas.openxmlformats.org/officeDocument/2006/relationships" xmlns:p="http://schemas.openxmlformats.org/presentationml/2006/main">
   <p:cSld>
     <p:spTree>
@@ -22931,7 +25402,7 @@
           <a:p>
             <a:r>
               <a:rPr lang="en-US" dirty="0"/>
-              <a:t>MNIST Digit Classification</a:t>
+              <a:t>Outline</a:t>
             </a:r>
           </a:p>
         </p:txBody>
@@ -22946,55 +25417,46 @@
             <p:ph idx="1"/>
           </p:nvPr>
         </p:nvSpPr>
-        <p:spPr>
-          <a:xfrm>
-            <a:off x="6814158" y="1678488"/>
-            <a:ext cx="4534423" cy="4190606"/>
-          </a:xfrm>
-        </p:spPr>
+        <p:spPr/>
         <p:txBody>
           <a:bodyPr/>
           <a:lstStyle/>
           <a:p>
             <a:r>
               <a:rPr lang="en-US" dirty="0"/>
-              <a:t>Problem:  Recognize hand-written digits</a:t>
-            </a:r>
-          </a:p>
-          <a:p>
-            <a:r>
-              <a:rPr lang="en-US" dirty="0"/>
-              <a:t>Originally problem:</a:t>
+              <a:t>Motivating example:  Recognizing handwritten digits</a:t>
             </a:r>
           </a:p>
           <a:p>
             <a:pPr lvl="1"/>
             <a:r>
               <a:rPr lang="en-US" dirty="0"/>
-              <a:t>Census forms </a:t>
+              <a:t>Why logistic regression doesn’t work well.</a:t>
             </a:r>
           </a:p>
           <a:p>
-            <a:pPr lvl="1"/>
             <a:r>
               <a:rPr lang="en-US" dirty="0"/>
-              <a:t>Automated processing</a:t>
+              <a:t>Maximum margin classifiers</a:t>
             </a:r>
           </a:p>
           <a:p>
             <a:r>
               <a:rPr lang="en-US" dirty="0"/>
-              <a:t>Classic machine learning problem</a:t>
+              <a:t>Support vector machines</a:t>
             </a:r>
           </a:p>
           <a:p>
             <a:r>
               <a:rPr lang="en-US" dirty="0"/>
-              <a:t>Benchmark</a:t>
+              <a:t>Constrained optimization</a:t>
             </a:r>
           </a:p>
           <a:p>
-            <a:endParaRPr lang="en-US" dirty="0"/>
+            <a:r>
+              <a:rPr lang="en-US" dirty="0"/>
+              <a:t>Kernel trick</a:t>
+            </a:r>
           </a:p>
         </p:txBody>
       </p:sp>
@@ -23015,196 +25477,7 @@
           <a:p>
             <a:fld id="{629637A9-119A-49DA-BD12-AAC58B377D80}" type="slidenum">
               <a:rPr lang="en-US" smtClean="0"/>
-              <a:t>4</a:t>
-            </a:fld>
-            <a:endParaRPr lang="en-US" dirty="0"/>
-          </a:p>
-        </p:txBody>
-      </p:sp>
-      <p:pic>
-        <p:nvPicPr>
-          <p:cNvPr id="5" name="Picture 4"/>
-          <p:cNvPicPr>
-            <a:picLocks noChangeAspect="1"/>
-          </p:cNvPicPr>
-          <p:nvPr/>
-        </p:nvPicPr>
-        <p:blipFill>
-          <a:blip r:embed="rId2"/>
-          <a:stretch>
-            <a:fillRect/>
-          </a:stretch>
-        </p:blipFill>
-        <p:spPr>
-          <a:xfrm>
-            <a:off x="343145" y="1678488"/>
-            <a:ext cx="5957447" cy="3125351"/>
-          </a:xfrm>
-          <a:prstGeom prst="rect">
-            <a:avLst/>
-          </a:prstGeom>
-        </p:spPr>
-      </p:pic>
-      <p:sp>
-        <p:nvSpPr>
-          <p:cNvPr id="6" name="TextBox 5"/>
-          <p:cNvSpPr txBox="1"/>
-          <p:nvPr/>
-        </p:nvSpPr>
-        <p:spPr>
-          <a:xfrm>
-            <a:off x="438411" y="5336088"/>
-            <a:ext cx="5062989" cy="369332"/>
-          </a:xfrm>
-          <a:prstGeom prst="rect">
-            <a:avLst/>
-          </a:prstGeom>
-          <a:noFill/>
-        </p:spPr>
-        <p:txBody>
-          <a:bodyPr wrap="none" rtlCol="0">
-            <a:spAutoFit/>
-          </a:bodyPr>
-          <a:lstStyle/>
-          <a:p>
-            <a:r>
-              <a:rPr lang="en-US" dirty="0"/>
-              <a:t>From Patrick J. </a:t>
-            </a:r>
-            <a:r>
-              <a:rPr lang="en-US" dirty="0" err="1"/>
-              <a:t>Grother</a:t>
-            </a:r>
-            <a:r>
-              <a:rPr lang="en-US" dirty="0"/>
-              <a:t>, NIST Special Database, 1995</a:t>
-            </a:r>
-          </a:p>
-        </p:txBody>
-      </p:sp>
-    </p:spTree>
-    <p:extLst>
-      <p:ext uri="{BB962C8B-B14F-4D97-AF65-F5344CB8AC3E}">
-        <p14:creationId xmlns:p14="http://schemas.microsoft.com/office/powerpoint/2010/main" val="2149150460"/>
-      </p:ext>
-    </p:extLst>
-  </p:cSld>
-  <p:clrMapOvr>
-    <a:masterClrMapping/>
-  </p:clrMapOvr>
-</p:sld>
-</file>
-
-<file path=ppt/slides/slide40.xml><?xml version="1.0" encoding="utf-8"?>
-<p:sld xmlns:a="http://schemas.openxmlformats.org/drawingml/2006/main" xmlns:r="http://schemas.openxmlformats.org/officeDocument/2006/relationships" xmlns:p="http://schemas.openxmlformats.org/presentationml/2006/main">
-  <p:cSld>
-    <p:spTree>
-      <p:nvGrpSpPr>
-        <p:cNvPr id="1" name=""/>
-        <p:cNvGrpSpPr/>
-        <p:nvPr/>
-      </p:nvGrpSpPr>
-      <p:grpSpPr>
-        <a:xfrm>
-          <a:off x="0" y="0"/>
-          <a:ext cx="0" cy="0"/>
-          <a:chOff x="0" y="0"/>
-          <a:chExt cx="0" cy="0"/>
-        </a:xfrm>
-      </p:grpSpPr>
-      <p:sp>
-        <p:nvSpPr>
-          <p:cNvPr id="2" name="Title 1"/>
-          <p:cNvSpPr>
-            <a:spLocks noGrp="1"/>
-          </p:cNvSpPr>
-          <p:nvPr>
-            <p:ph type="title"/>
-          </p:nvPr>
-        </p:nvSpPr>
-        <p:spPr/>
-        <p:txBody>
-          <a:bodyPr/>
-          <a:lstStyle/>
-          <a:p>
-            <a:r>
-              <a:rPr lang="en-US" dirty="0"/>
-              <a:t>Outline</a:t>
-            </a:r>
-          </a:p>
-        </p:txBody>
-      </p:sp>
-      <p:sp>
-        <p:nvSpPr>
-          <p:cNvPr id="3" name="Content Placeholder 2"/>
-          <p:cNvSpPr>
-            <a:spLocks noGrp="1"/>
-          </p:cNvSpPr>
-          <p:nvPr>
-            <p:ph idx="1"/>
-          </p:nvPr>
-        </p:nvSpPr>
-        <p:spPr/>
-        <p:txBody>
-          <a:bodyPr/>
-          <a:lstStyle/>
-          <a:p>
-            <a:r>
-              <a:rPr lang="en-US" dirty="0"/>
-              <a:t>Motivating example:  Recognizing handwritten digits</a:t>
-            </a:r>
-          </a:p>
-          <a:p>
-            <a:pPr lvl="1"/>
-            <a:r>
-              <a:rPr lang="en-US" dirty="0"/>
-              <a:t>Why logistic regression doesn’t work well.</a:t>
-            </a:r>
-          </a:p>
-          <a:p>
-            <a:r>
-              <a:rPr lang="en-US" dirty="0"/>
-              <a:t>Maximum margin classifiers</a:t>
-            </a:r>
-          </a:p>
-          <a:p>
-            <a:r>
-              <a:rPr lang="en-US" dirty="0"/>
-              <a:t>Support vector machines</a:t>
-            </a:r>
-          </a:p>
-          <a:p>
-            <a:r>
-              <a:rPr lang="en-US" dirty="0"/>
-              <a:t>Constrained optimization</a:t>
-            </a:r>
-          </a:p>
-          <a:p>
-            <a:r>
-              <a:rPr lang="en-US" dirty="0"/>
-              <a:t>Kernel trick</a:t>
-            </a:r>
-          </a:p>
-        </p:txBody>
-      </p:sp>
-      <p:sp>
-        <p:nvSpPr>
-          <p:cNvPr id="4" name="Slide Number Placeholder 3"/>
-          <p:cNvSpPr>
-            <a:spLocks noGrp="1"/>
-          </p:cNvSpPr>
-          <p:nvPr>
-            <p:ph type="sldNum" sz="quarter" idx="12"/>
-          </p:nvPr>
-        </p:nvSpPr>
-        <p:spPr/>
-        <p:txBody>
-          <a:bodyPr/>
-          <a:lstStyle/>
-          <a:p>
-            <a:fld id="{629637A9-119A-49DA-BD12-AAC58B377D80}" type="slidenum">
-              <a:rPr lang="en-US" smtClean="0"/>
-              <a:t>40</a:t>
+              <a:t>43</a:t>
             </a:fld>
             <a:endParaRPr lang="en-US" dirty="0"/>
           </a:p>
@@ -23269,7 +25542,7 @@
 </p:sld>
 </file>
 
-<file path=ppt/slides/slide41.xml><?xml version="1.0" encoding="utf-8"?>
+<file path=ppt/slides/slide44.xml><?xml version="1.0" encoding="utf-8"?>
 <p:sld xmlns:a="http://schemas.openxmlformats.org/drawingml/2006/main" xmlns:r="http://schemas.openxmlformats.org/officeDocument/2006/relationships" xmlns:p="http://schemas.openxmlformats.org/presentationml/2006/main">
   <p:cSld>
     <p:spTree>
@@ -23308,8 +25581,8 @@
           </a:p>
         </p:txBody>
       </p:sp>
-      <mc:AlternateContent xmlns:mc="http://schemas.openxmlformats.org/markup-compatibility/2006" xmlns:a14="http://schemas.microsoft.com/office/drawing/2010/main">
-        <mc:Choice Requires="a14">
+      <mc:AlternateContent xmlns:mc="http://schemas.openxmlformats.org/markup-compatibility/2006">
+        <mc:Choice xmlns:a14="http://schemas.microsoft.com/office/drawing/2010/main" Requires="a14">
           <p:sp>
             <p:nvSpPr>
               <p:cNvPr id="3" name="Content Placeholder 2"/>
@@ -23376,7 +25649,7 @@
                 <a:pPr lvl="1"/>
                 <a:r>
                   <a:rPr lang="en-US" dirty="0"/>
-                  <a:t>Enables more rich classifiers</a:t>
+                  <a:t>Enables more rich, non-linear classifiers</a:t>
                 </a:r>
               </a:p>
               <a:p>
@@ -23530,7 +25803,7 @@
             </p:txBody>
           </p:sp>
         </mc:Choice>
-        <mc:Fallback xmlns="">
+        <mc:Fallback>
           <p:sp>
             <p:nvSpPr>
               <p:cNvPr id="3" name="Content Placeholder 2"/>
@@ -23545,7 +25818,7 @@
               <a:blipFill>
                 <a:blip r:embed="rId2"/>
                 <a:stretch>
-                  <a:fillRect l="-1455" t="-1549"/>
+                  <a:fillRect l="-1261" t="-1462"/>
                 </a:stretch>
               </a:blipFill>
             </p:spPr>
@@ -23581,7 +25854,7 @@
           <a:p>
             <a:fld id="{629637A9-119A-49DA-BD12-AAC58B377D80}" type="slidenum">
               <a:rPr lang="en-US" smtClean="0"/>
-              <a:t>41</a:t>
+              <a:t>44</a:t>
             </a:fld>
             <a:endParaRPr lang="en-US" dirty="0"/>
           </a:p>
@@ -23670,7 +25943,7 @@
 </p:sld>
 </file>
 
-<file path=ppt/slides/slide42.xml><?xml version="1.0" encoding="utf-8"?>
+<file path=ppt/slides/slide45.xml><?xml version="1.0" encoding="utf-8"?>
 <p:sld xmlns:a="http://schemas.openxmlformats.org/drawingml/2006/main" xmlns:r="http://schemas.openxmlformats.org/officeDocument/2006/relationships" xmlns:p="http://schemas.openxmlformats.org/presentationml/2006/main">
   <p:cSld>
     <p:spTree>
@@ -24502,7 +26775,7 @@
           <a:p>
             <a:fld id="{629637A9-119A-49DA-BD12-AAC58B377D80}" type="slidenum">
               <a:rPr lang="en-US" smtClean="0"/>
-              <a:t>42</a:t>
+              <a:t>45</a:t>
             </a:fld>
             <a:endParaRPr lang="en-US" dirty="0"/>
           </a:p>
@@ -24689,7 +26962,7 @@
 </p:sld>
 </file>
 
-<file path=ppt/slides/slide43.xml><?xml version="1.0" encoding="utf-8"?>
+<file path=ppt/slides/slide46.xml><?xml version="1.0" encoding="utf-8"?>
 <p:sld xmlns:a="http://schemas.openxmlformats.org/drawingml/2006/main" xmlns:r="http://schemas.openxmlformats.org/officeDocument/2006/relationships" xmlns:p="http://schemas.openxmlformats.org/presentationml/2006/main">
   <p:cSld>
     <p:spTree>
@@ -25496,7 +27769,7 @@
           <a:p>
             <a:fld id="{629637A9-119A-49DA-BD12-AAC58B377D80}" type="slidenum">
               <a:rPr lang="en-US" smtClean="0"/>
-              <a:t>43</a:t>
+              <a:t>46</a:t>
             </a:fld>
             <a:endParaRPr lang="en-US" dirty="0"/>
           </a:p>
@@ -25515,7 +27788,7 @@
 </p:sld>
 </file>
 
-<file path=ppt/slides/slide44.xml><?xml version="1.0" encoding="utf-8"?>
+<file path=ppt/slides/slide47.xml><?xml version="1.0" encoding="utf-8"?>
 <p:sld xmlns:a="http://schemas.openxmlformats.org/drawingml/2006/main" xmlns:r="http://schemas.openxmlformats.org/officeDocument/2006/relationships" xmlns:p="http://schemas.openxmlformats.org/presentationml/2006/main">
   <p:cSld>
     <p:spTree>
@@ -25554,8 +27827,8 @@
           </a:p>
         </p:txBody>
       </p:sp>
-      <mc:AlternateContent xmlns:mc="http://schemas.openxmlformats.org/markup-compatibility/2006" xmlns:a14="http://schemas.microsoft.com/office/drawing/2010/main">
-        <mc:Choice Requires="a14">
+      <mc:AlternateContent xmlns:mc="http://schemas.openxmlformats.org/markup-compatibility/2006">
+        <mc:Choice xmlns:a14="http://schemas.microsoft.com/office/drawing/2010/main" Requires="a14">
           <p:sp>
             <p:nvSpPr>
               <p:cNvPr id="3" name="Content Placeholder 2"/>
@@ -25642,7 +27915,7 @@
                 <a:pPr lvl="1"/>
                 <a:r>
                   <a:rPr lang="en-US" dirty="0"/>
-                  <a:t>measures “distance” between new sample </a:t>
+                  <a:t>measures “similarity” between new sample </a:t>
                 </a:r>
                 <a14:m>
                   <m:oMath xmlns:m="http://schemas.openxmlformats.org/officeDocument/2006/math">
@@ -26190,7 +28463,7 @@
             </p:txBody>
           </p:sp>
         </mc:Choice>
-        <mc:Fallback xmlns="">
+        <mc:Fallback>
           <p:sp>
             <p:nvSpPr>
               <p:cNvPr id="3" name="Content Placeholder 2"/>
@@ -26205,7 +28478,7 @@
               <a:blipFill>
                 <a:blip r:embed="rId2"/>
                 <a:stretch>
-                  <a:fillRect l="-1455" t="-1549"/>
+                  <a:fillRect l="-1261" t="-1462"/>
                 </a:stretch>
               </a:blipFill>
             </p:spPr>
@@ -26241,7 +28514,7 @@
           <a:p>
             <a:fld id="{629637A9-119A-49DA-BD12-AAC58B377D80}" type="slidenum">
               <a:rPr lang="en-US" smtClean="0"/>
-              <a:t>44</a:t>
+              <a:t>47</a:t>
             </a:fld>
             <a:endParaRPr lang="en-US" dirty="0"/>
           </a:p>
@@ -26301,7 +28574,7 @@
 </p:sld>
 </file>
 
-<file path=ppt/slides/slide45.xml><?xml version="1.0" encoding="utf-8"?>
+<file path=ppt/slides/slide48.xml><?xml version="1.0" encoding="utf-8"?>
 <p:sld xmlns:a="http://schemas.openxmlformats.org/drawingml/2006/main" xmlns:r="http://schemas.openxmlformats.org/officeDocument/2006/relationships" xmlns:p="http://schemas.openxmlformats.org/presentationml/2006/main">
   <p:cSld>
     <p:spTree>
@@ -26826,7 +29099,7 @@
           <a:p>
             <a:fld id="{629637A9-119A-49DA-BD12-AAC58B377D80}" type="slidenum">
               <a:rPr lang="en-US" smtClean="0"/>
-              <a:t>45</a:t>
+              <a:t>48</a:t>
             </a:fld>
             <a:endParaRPr lang="en-US" dirty="0"/>
           </a:p>
@@ -26869,7 +29142,388 @@
 </p:sld>
 </file>
 
-<file path=ppt/slides/slide46.xml><?xml version="1.0" encoding="utf-8"?>
+<file path=ppt/slides/slide49.xml><?xml version="1.0" encoding="utf-8"?>
+<p:sld xmlns:a="http://schemas.openxmlformats.org/drawingml/2006/main" xmlns:r="http://schemas.openxmlformats.org/officeDocument/2006/relationships" xmlns:p="http://schemas.openxmlformats.org/presentationml/2006/main">
+  <p:cSld>
+    <p:spTree>
+      <p:nvGrpSpPr>
+        <p:cNvPr id="1" name=""/>
+        <p:cNvGrpSpPr/>
+        <p:nvPr/>
+      </p:nvGrpSpPr>
+      <p:grpSpPr>
+        <a:xfrm>
+          <a:off x="0" y="0"/>
+          <a:ext cx="0" cy="0"/>
+          <a:chOff x="0" y="0"/>
+          <a:chExt cx="0" cy="0"/>
+        </a:xfrm>
+      </p:grpSpPr>
+      <p:pic>
+        <p:nvPicPr>
+          <p:cNvPr id="6146" name="Picture 2" descr="http://1.bp.blogspot.com/_UpN7DfJA0j4/TJs87kbBv7I/AAAAAAAAABQ/bGcjhdxHeqk/s320/mnist_train_10000_-1_1.svm_.png"/>
+          <p:cNvPicPr>
+            <a:picLocks noChangeAspect="1" noChangeArrowheads="1"/>
+          </p:cNvPicPr>
+          <p:nvPr/>
+        </p:nvPicPr>
+        <p:blipFill>
+          <a:blip r:embed="rId2">
+            <a:extLst>
+              <a:ext uri="{28A0092B-C50C-407E-A947-70E740481C1C}">
+                <a14:useLocalDpi xmlns:a14="http://schemas.microsoft.com/office/drawing/2010/main" val="0"/>
+              </a:ext>
+            </a:extLst>
+          </a:blip>
+          <a:srcRect/>
+          <a:stretch>
+            <a:fillRect/>
+          </a:stretch>
+        </p:blipFill>
+        <p:spPr bwMode="auto">
+          <a:xfrm>
+            <a:off x="5872899" y="882209"/>
+            <a:ext cx="6047321" cy="4384308"/>
+          </a:xfrm>
+          <a:prstGeom prst="rect">
+            <a:avLst/>
+          </a:prstGeom>
+          <a:noFill/>
+          <a:extLst>
+            <a:ext uri="{909E8E84-426E-40DD-AFC4-6F175D3DCCD1}">
+              <a14:hiddenFill xmlns:a14="http://schemas.microsoft.com/office/drawing/2010/main">
+                <a:solidFill>
+                  <a:srgbClr val="FFFFFF"/>
+                </a:solidFill>
+              </a14:hiddenFill>
+            </a:ext>
+          </a:extLst>
+        </p:spPr>
+      </p:pic>
+      <p:sp>
+        <p:nvSpPr>
+          <p:cNvPr id="2" name="Title 1"/>
+          <p:cNvSpPr>
+            <a:spLocks noGrp="1"/>
+          </p:cNvSpPr>
+          <p:nvPr>
+            <p:ph type="title"/>
+          </p:nvPr>
+        </p:nvSpPr>
+        <p:spPr/>
+        <p:txBody>
+          <a:bodyPr/>
+          <a:lstStyle/>
+          <a:p>
+            <a:r>
+              <a:rPr lang="en-US" dirty="0"/>
+              <a:t>Parameter Selection</a:t>
+            </a:r>
+          </a:p>
+        </p:txBody>
+      </p:sp>
+      <mc:AlternateContent xmlns:mc="http://schemas.openxmlformats.org/markup-compatibility/2006">
+        <mc:Choice xmlns:a14="http://schemas.microsoft.com/office/drawing/2010/main" Requires="a14">
+          <p:sp>
+            <p:nvSpPr>
+              <p:cNvPr id="3" name="Content Placeholder 2"/>
+              <p:cNvSpPr>
+                <a:spLocks noGrp="1"/>
+              </p:cNvSpPr>
+              <p:nvPr>
+                <p:ph idx="1"/>
+              </p:nvPr>
+            </p:nvSpPr>
+            <p:spPr/>
+            <p:txBody>
+              <a:bodyPr/>
+              <a:lstStyle/>
+              <a:p>
+                <a:r>
+                  <a:rPr lang="en-US" dirty="0"/>
+                  <a:t>Consider SVM with:</a:t>
+                </a:r>
+              </a:p>
+              <a:p>
+                <a:pPr lvl="1"/>
+                <a:r>
+                  <a:rPr lang="en-US" dirty="0"/>
+                  <a:t>Parameter </a:t>
+                </a:r>
+                <a14:m>
+                  <m:oMath xmlns:m="http://schemas.openxmlformats.org/officeDocument/2006/math">
+                    <m:r>
+                      <a:rPr lang="en-US" b="0" i="1" smtClean="0">
+                        <a:latin typeface="Cambria Math" panose="02040503050406030204" pitchFamily="18" charset="0"/>
+                      </a:rPr>
+                      <m:t>𝐶</m:t>
+                    </m:r>
+                    <m:r>
+                      <a:rPr lang="en-US" b="0" i="1" smtClean="0">
+                        <a:latin typeface="Cambria Math" panose="02040503050406030204" pitchFamily="18" charset="0"/>
+                      </a:rPr>
+                      <m:t>&gt;0,</m:t>
+                    </m:r>
+                  </m:oMath>
+                </a14:m>
+                <a:r>
+                  <a:rPr lang="en-US" dirty="0"/>
+                  <a:t> RBF with </a:t>
+                </a:r>
+                <a14:m>
+                  <m:oMath xmlns:m="http://schemas.openxmlformats.org/officeDocument/2006/math">
+                    <m:r>
+                      <a:rPr lang="en-US" b="0" i="1" smtClean="0">
+                        <a:latin typeface="Cambria Math" panose="02040503050406030204" pitchFamily="18" charset="0"/>
+                      </a:rPr>
+                      <m:t>𝛾</m:t>
+                    </m:r>
+                    <m:r>
+                      <a:rPr lang="en-US" i="1">
+                        <a:latin typeface="Cambria Math" panose="02040503050406030204" pitchFamily="18" charset="0"/>
+                      </a:rPr>
+                      <m:t>&gt;0</m:t>
+                    </m:r>
+                  </m:oMath>
+                </a14:m>
+                <a:endParaRPr lang="en-US" dirty="0"/>
+              </a:p>
+              <a:p>
+                <a:r>
+                  <a:rPr lang="en-US" dirty="0"/>
+                  <a:t>Higher </a:t>
+                </a:r>
+                <a14:m>
+                  <m:oMath xmlns:m="http://schemas.openxmlformats.org/officeDocument/2006/math">
+                    <m:r>
+                      <a:rPr lang="en-US" i="1">
+                        <a:latin typeface="Cambria Math" panose="02040503050406030204" pitchFamily="18" charset="0"/>
+                      </a:rPr>
+                      <m:t>𝐶</m:t>
+                    </m:r>
+                  </m:oMath>
+                </a14:m>
+                <a:r>
+                  <a:rPr lang="en-US" dirty="0"/>
+                  <a:t> or </a:t>
+                </a:r>
+                <a14:m>
+                  <m:oMath xmlns:m="http://schemas.openxmlformats.org/officeDocument/2006/math">
+                    <m:r>
+                      <a:rPr lang="en-US" i="1">
+                        <a:latin typeface="Cambria Math" panose="02040503050406030204" pitchFamily="18" charset="0"/>
+                      </a:rPr>
+                      <m:t>𝛾</m:t>
+                    </m:r>
+                  </m:oMath>
+                </a14:m>
+                <a:endParaRPr lang="en-US" dirty="0"/>
+              </a:p>
+              <a:p>
+                <a:pPr lvl="1"/>
+                <a:r>
+                  <a:rPr lang="en-US" dirty="0"/>
+                  <a:t>Fewer SVs</a:t>
+                </a:r>
+              </a:p>
+              <a:p>
+                <a:pPr lvl="1"/>
+                <a:r>
+                  <a:rPr lang="en-US" dirty="0"/>
+                  <a:t>Classifiers averages over smaller set</a:t>
+                </a:r>
+              </a:p>
+              <a:p>
+                <a:pPr lvl="1"/>
+                <a:r>
+                  <a:rPr lang="en-US" dirty="0"/>
+                  <a:t>Lower bias, but higher variance</a:t>
+                </a:r>
+              </a:p>
+              <a:p>
+                <a:r>
+                  <a:rPr lang="en-US" dirty="0"/>
+                  <a:t>Typically select via cross-validation</a:t>
+                </a:r>
+              </a:p>
+              <a:p>
+                <a:pPr lvl="1"/>
+                <a:r>
+                  <a:rPr lang="en-US" dirty="0"/>
+                  <a:t>Try out different </a:t>
+                </a:r>
+                <a14:m>
+                  <m:oMath xmlns:m="http://schemas.openxmlformats.org/officeDocument/2006/math">
+                    <m:r>
+                      <a:rPr lang="en-US" b="0" i="0" smtClean="0">
+                        <a:latin typeface="Cambria Math" panose="02040503050406030204" pitchFamily="18" charset="0"/>
+                      </a:rPr>
+                      <m:t>(</m:t>
+                    </m:r>
+                    <m:r>
+                      <a:rPr lang="en-US" i="1">
+                        <a:latin typeface="Cambria Math" panose="02040503050406030204" pitchFamily="18" charset="0"/>
+                      </a:rPr>
+                      <m:t>𝐶</m:t>
+                    </m:r>
+                    <m:r>
+                      <a:rPr lang="en-US" b="0" i="0" smtClean="0">
+                        <a:latin typeface="Cambria Math" panose="02040503050406030204" pitchFamily="18" charset="0"/>
+                      </a:rPr>
+                      <m:t>,</m:t>
+                    </m:r>
+                  </m:oMath>
+                </a14:m>
+                <a:r>
+                  <a:rPr lang="en-US" dirty="0"/>
+                  <a:t> </a:t>
+                </a:r>
+                <a14:m>
+                  <m:oMath xmlns:m="http://schemas.openxmlformats.org/officeDocument/2006/math">
+                    <m:r>
+                      <a:rPr lang="en-US" i="1">
+                        <a:latin typeface="Cambria Math" panose="02040503050406030204" pitchFamily="18" charset="0"/>
+                      </a:rPr>
+                      <m:t>𝛾</m:t>
+                    </m:r>
+                    <m:r>
+                      <a:rPr lang="en-US" b="0" i="1" smtClean="0">
+                        <a:latin typeface="Cambria Math" panose="02040503050406030204" pitchFamily="18" charset="0"/>
+                      </a:rPr>
+                      <m:t>)</m:t>
+                    </m:r>
+                  </m:oMath>
+                </a14:m>
+                <a:endParaRPr lang="en-US" dirty="0"/>
+              </a:p>
+              <a:p>
+                <a:pPr lvl="1"/>
+                <a:r>
+                  <a:rPr lang="en-US" dirty="0"/>
+                  <a:t>Find which one provides highest accuracy on test set</a:t>
+                </a:r>
+              </a:p>
+              <a:p>
+                <a:r>
+                  <a:rPr lang="en-US" dirty="0"/>
+                  <a:t>Python can automatically do grid search</a:t>
+                </a:r>
+              </a:p>
+              <a:p>
+                <a:pPr lvl="1"/>
+                <a:endParaRPr lang="en-US" dirty="0"/>
+              </a:p>
+              <a:p>
+                <a:pPr lvl="1"/>
+                <a:endParaRPr lang="en-US" dirty="0"/>
+              </a:p>
+              <a:p>
+                <a:pPr lvl="1"/>
+                <a:endParaRPr lang="en-US" dirty="0"/>
+              </a:p>
+            </p:txBody>
+          </p:sp>
+        </mc:Choice>
+        <mc:Fallback>
+          <p:sp>
+            <p:nvSpPr>
+              <p:cNvPr id="3" name="Content Placeholder 2"/>
+              <p:cNvSpPr>
+                <a:spLocks noGrp="1" noRot="1" noChangeAspect="1" noMove="1" noResize="1" noEditPoints="1" noAdjustHandles="1" noChangeArrowheads="1" noChangeShapeType="1" noTextEdit="1"/>
+              </p:cNvSpPr>
+              <p:nvPr>
+                <p:ph idx="1"/>
+              </p:nvPr>
+            </p:nvSpPr>
+            <p:spPr>
+              <a:blipFill>
+                <a:blip r:embed="rId3"/>
+                <a:stretch>
+                  <a:fillRect l="-1261" t="-1462"/>
+                </a:stretch>
+              </a:blipFill>
+            </p:spPr>
+            <p:txBody>
+              <a:bodyPr/>
+              <a:lstStyle/>
+              <a:p>
+                <a:r>
+                  <a:rPr lang="en-US">
+                    <a:noFill/>
+                  </a:rPr>
+                  <a:t> </a:t>
+                </a:r>
+              </a:p>
+            </p:txBody>
+          </p:sp>
+        </mc:Fallback>
+      </mc:AlternateContent>
+      <p:sp>
+        <p:nvSpPr>
+          <p:cNvPr id="4" name="Slide Number Placeholder 3"/>
+          <p:cNvSpPr>
+            <a:spLocks noGrp="1"/>
+          </p:cNvSpPr>
+          <p:nvPr>
+            <p:ph type="sldNum" sz="quarter" idx="12"/>
+          </p:nvPr>
+        </p:nvSpPr>
+        <p:spPr/>
+        <p:txBody>
+          <a:bodyPr/>
+          <a:lstStyle/>
+          <a:p>
+            <a:fld id="{629637A9-119A-49DA-BD12-AAC58B377D80}" type="slidenum">
+              <a:rPr lang="en-US" smtClean="0"/>
+              <a:t>49</a:t>
+            </a:fld>
+            <a:endParaRPr lang="en-US" dirty="0"/>
+          </a:p>
+        </p:txBody>
+      </p:sp>
+      <p:sp>
+        <p:nvSpPr>
+          <p:cNvPr id="5" name="TextBox 4"/>
+          <p:cNvSpPr txBox="1"/>
+          <p:nvPr/>
+        </p:nvSpPr>
+        <p:spPr>
+          <a:xfrm>
+            <a:off x="6563463" y="5209283"/>
+            <a:ext cx="5083379" cy="307777"/>
+          </a:xfrm>
+          <a:prstGeom prst="rect">
+            <a:avLst/>
+          </a:prstGeom>
+          <a:noFill/>
+        </p:spPr>
+        <p:txBody>
+          <a:bodyPr wrap="none" rtlCol="0">
+            <a:spAutoFit/>
+          </a:bodyPr>
+          <a:lstStyle/>
+          <a:p>
+            <a:r>
+              <a:rPr lang="en-US" sz="1400" dirty="0"/>
+              <a:t>http://peekaboo-vision.blogspot.com/2010/09/mnist-for-ever.html</a:t>
+            </a:r>
+          </a:p>
+        </p:txBody>
+      </p:sp>
+    </p:spTree>
+    <p:extLst>
+      <p:ext uri="{BB962C8B-B14F-4D97-AF65-F5344CB8AC3E}">
+        <p14:creationId xmlns:p14="http://schemas.microsoft.com/office/powerpoint/2010/main" val="2106395345"/>
+      </p:ext>
+    </p:extLst>
+  </p:cSld>
+  <p:clrMapOvr>
+    <a:masterClrMapping/>
+  </p:clrMapOvr>
+</p:sld>
+</file>
+
+<file path=ppt/slides/slide5.xml><?xml version="1.0" encoding="utf-8"?>
 <p:sld xmlns:a="http://schemas.openxmlformats.org/drawingml/2006/main" xmlns:r="http://schemas.openxmlformats.org/officeDocument/2006/relationships" xmlns:p="http://schemas.openxmlformats.org/presentationml/2006/main">
   <p:cSld>
     <p:spTree>
@@ -26903,255 +29557,56 @@
           <a:p>
             <a:r>
               <a:rPr lang="en-US" dirty="0"/>
-              <a:t>Parameter Selection</a:t>
+              <a:t>A Widely-Used Benchmark</a:t>
             </a:r>
           </a:p>
         </p:txBody>
       </p:sp>
-      <mc:AlternateContent xmlns:mc="http://schemas.openxmlformats.org/markup-compatibility/2006" xmlns:a14="http://schemas.microsoft.com/office/drawing/2010/main">
-        <mc:Choice Requires="a14">
-          <p:sp>
-            <p:nvSpPr>
-              <p:cNvPr id="3" name="Content Placeholder 2"/>
-              <p:cNvSpPr>
-                <a:spLocks noGrp="1"/>
-              </p:cNvSpPr>
-              <p:nvPr>
-                <p:ph idx="1"/>
-              </p:nvPr>
-            </p:nvSpPr>
-            <p:spPr/>
-            <p:txBody>
-              <a:bodyPr/>
-              <a:lstStyle/>
-              <a:p>
-                <a:r>
-                  <a:rPr lang="en-US" dirty="0"/>
-                  <a:t>Consider SVM with:</a:t>
-                </a:r>
-              </a:p>
-              <a:p>
-                <a:pPr lvl="1"/>
-                <a:r>
-                  <a:rPr lang="en-US" dirty="0"/>
-                  <a:t>Parameter </a:t>
-                </a:r>
-                <a14:m>
-                  <m:oMath xmlns:m="http://schemas.openxmlformats.org/officeDocument/2006/math">
-                    <m:r>
-                      <a:rPr lang="en-US" b="0" i="1" smtClean="0">
-                        <a:latin typeface="Cambria Math" panose="02040503050406030204" pitchFamily="18" charset="0"/>
-                      </a:rPr>
-                      <m:t>𝐶</m:t>
-                    </m:r>
-                    <m:r>
-                      <a:rPr lang="en-US" b="0" i="1" smtClean="0">
-                        <a:latin typeface="Cambria Math" panose="02040503050406030204" pitchFamily="18" charset="0"/>
-                      </a:rPr>
-                      <m:t>&gt;0</m:t>
-                    </m:r>
-                  </m:oMath>
-                </a14:m>
-                <a:r>
-                  <a:rPr lang="en-US" dirty="0"/>
-                  <a:t> RBF with </a:t>
-                </a:r>
-                <a14:m>
-                  <m:oMath xmlns:m="http://schemas.openxmlformats.org/officeDocument/2006/math">
-                    <m:r>
-                      <a:rPr lang="en-US" b="0" i="1" smtClean="0">
-                        <a:latin typeface="Cambria Math" panose="02040503050406030204" pitchFamily="18" charset="0"/>
-                      </a:rPr>
-                      <m:t>𝛾</m:t>
-                    </m:r>
-                    <m:r>
-                      <a:rPr lang="en-US" i="1">
-                        <a:latin typeface="Cambria Math" panose="02040503050406030204" pitchFamily="18" charset="0"/>
-                      </a:rPr>
-                      <m:t>&gt;0</m:t>
-                    </m:r>
-                  </m:oMath>
-                </a14:m>
-                <a:endParaRPr lang="en-US" dirty="0"/>
-              </a:p>
-              <a:p>
-                <a:r>
-                  <a:rPr lang="en-US" dirty="0"/>
-                  <a:t>Higher </a:t>
-                </a:r>
-                <a14:m>
-                  <m:oMath xmlns:m="http://schemas.openxmlformats.org/officeDocument/2006/math">
-                    <m:r>
-                      <a:rPr lang="en-US" i="1">
-                        <a:latin typeface="Cambria Math" panose="02040503050406030204" pitchFamily="18" charset="0"/>
-                      </a:rPr>
-                      <m:t>𝐶</m:t>
-                    </m:r>
-                  </m:oMath>
-                </a14:m>
-                <a:r>
-                  <a:rPr lang="en-US" dirty="0"/>
-                  <a:t> or </a:t>
-                </a:r>
-                <a14:m>
-                  <m:oMath xmlns:m="http://schemas.openxmlformats.org/officeDocument/2006/math">
-                    <m:r>
-                      <a:rPr lang="en-US" i="1">
-                        <a:latin typeface="Cambria Math" panose="02040503050406030204" pitchFamily="18" charset="0"/>
-                      </a:rPr>
-                      <m:t>𝛾</m:t>
-                    </m:r>
-                  </m:oMath>
-                </a14:m>
-                <a:endParaRPr lang="en-US" dirty="0"/>
-              </a:p>
-              <a:p>
-                <a:pPr lvl="1"/>
-                <a:r>
-                  <a:rPr lang="en-US" dirty="0"/>
-                  <a:t>Fewer SVs</a:t>
-                </a:r>
-              </a:p>
-              <a:p>
-                <a:pPr lvl="1"/>
-                <a:r>
-                  <a:rPr lang="en-US" dirty="0"/>
-                  <a:t>Classifiers averages over smaller set</a:t>
-                </a:r>
-              </a:p>
-              <a:p>
-                <a:pPr lvl="1"/>
-                <a:r>
-                  <a:rPr lang="en-US" dirty="0"/>
-                  <a:t>Lower bias, but </a:t>
-                </a:r>
-                <a:r>
-                  <a:rPr lang="en-US" dirty="0" err="1"/>
-                  <a:t>highe</a:t>
-                </a:r>
-                <a:r>
-                  <a:rPr lang="en-US" dirty="0"/>
-                  <a:t> variance</a:t>
-                </a:r>
-              </a:p>
-              <a:p>
-                <a:r>
-                  <a:rPr lang="en-US" dirty="0"/>
-                  <a:t>Typically select via cross-validation</a:t>
-                </a:r>
-              </a:p>
-              <a:p>
-                <a:pPr lvl="1"/>
-                <a:r>
-                  <a:rPr lang="en-US" dirty="0"/>
-                  <a:t>Try out different </a:t>
-                </a:r>
-                <a14:m>
-                  <m:oMath xmlns:m="http://schemas.openxmlformats.org/officeDocument/2006/math">
-                    <m:r>
-                      <a:rPr lang="en-US" b="0" i="0" smtClean="0">
-                        <a:latin typeface="Cambria Math" panose="02040503050406030204" pitchFamily="18" charset="0"/>
-                      </a:rPr>
-                      <m:t>(</m:t>
-                    </m:r>
-                    <m:r>
-                      <a:rPr lang="en-US" i="1">
-                        <a:latin typeface="Cambria Math" panose="02040503050406030204" pitchFamily="18" charset="0"/>
-                      </a:rPr>
-                      <m:t>𝐶</m:t>
-                    </m:r>
-                    <m:r>
-                      <a:rPr lang="en-US" b="0" i="0" smtClean="0">
-                        <a:latin typeface="Cambria Math" panose="02040503050406030204" pitchFamily="18" charset="0"/>
-                      </a:rPr>
-                      <m:t>,</m:t>
-                    </m:r>
-                  </m:oMath>
-                </a14:m>
-                <a:r>
-                  <a:rPr lang="en-US" dirty="0"/>
-                  <a:t> </a:t>
-                </a:r>
-                <a14:m>
-                  <m:oMath xmlns:m="http://schemas.openxmlformats.org/officeDocument/2006/math">
-                    <m:r>
-                      <a:rPr lang="en-US" i="1">
-                        <a:latin typeface="Cambria Math" panose="02040503050406030204" pitchFamily="18" charset="0"/>
-                      </a:rPr>
-                      <m:t>𝛾</m:t>
-                    </m:r>
-                    <m:r>
-                      <a:rPr lang="en-US" b="0" i="1" smtClean="0">
-                        <a:latin typeface="Cambria Math" panose="02040503050406030204" pitchFamily="18" charset="0"/>
-                      </a:rPr>
-                      <m:t>)</m:t>
-                    </m:r>
-                  </m:oMath>
-                </a14:m>
-                <a:endParaRPr lang="en-US" dirty="0"/>
-              </a:p>
-              <a:p>
-                <a:pPr lvl="1"/>
-                <a:r>
-                  <a:rPr lang="en-US" dirty="0"/>
-                  <a:t>Find which one provides highest accuracy on test set</a:t>
-                </a:r>
-              </a:p>
-              <a:p>
-                <a:r>
-                  <a:rPr lang="en-US" dirty="0"/>
-                  <a:t>Python can automatically do grid search</a:t>
-                </a:r>
-              </a:p>
-              <a:p>
-                <a:pPr lvl="1"/>
-                <a:endParaRPr lang="en-US" dirty="0"/>
-              </a:p>
-              <a:p>
-                <a:pPr lvl="1"/>
-                <a:endParaRPr lang="en-US" dirty="0"/>
-              </a:p>
-              <a:p>
-                <a:pPr lvl="1"/>
-                <a:endParaRPr lang="en-US" dirty="0"/>
-              </a:p>
-            </p:txBody>
-          </p:sp>
-        </mc:Choice>
-        <mc:Fallback xmlns="">
-          <p:sp>
-            <p:nvSpPr>
-              <p:cNvPr id="3" name="Content Placeholder 2"/>
-              <p:cNvSpPr>
-                <a:spLocks noGrp="1" noRot="1" noChangeAspect="1" noMove="1" noResize="1" noEditPoints="1" noAdjustHandles="1" noChangeArrowheads="1" noChangeShapeType="1" noTextEdit="1"/>
-              </p:cNvSpPr>
-              <p:nvPr>
-                <p:ph idx="1"/>
-              </p:nvPr>
-            </p:nvSpPr>
-            <p:spPr>
-              <a:blipFill>
-                <a:blip r:embed="rId2"/>
-                <a:stretch>
-                  <a:fillRect l="-1455" t="-1549"/>
-                </a:stretch>
-              </a:blipFill>
-            </p:spPr>
-            <p:txBody>
-              <a:bodyPr/>
-              <a:lstStyle/>
-              <a:p>
-                <a:r>
-                  <a:rPr lang="en-US">
-                    <a:noFill/>
-                  </a:rPr>
-                  <a:t> </a:t>
-                </a:r>
-              </a:p>
-            </p:txBody>
-          </p:sp>
-        </mc:Fallback>
-      </mc:AlternateContent>
+      <p:sp>
+        <p:nvSpPr>
+          <p:cNvPr id="3" name="Content Placeholder 2"/>
+          <p:cNvSpPr>
+            <a:spLocks noGrp="1"/>
+          </p:cNvSpPr>
+          <p:nvPr>
+            <p:ph idx="1"/>
+          </p:nvPr>
+        </p:nvSpPr>
+        <p:spPr>
+          <a:xfrm>
+            <a:off x="7503090" y="1539277"/>
+            <a:ext cx="3652590" cy="4329817"/>
+          </a:xfrm>
+        </p:spPr>
+        <p:txBody>
+          <a:bodyPr/>
+          <a:lstStyle/>
+          <a:p>
+            <a:r>
+              <a:rPr lang="en-US" dirty="0"/>
+              <a:t>We will look at SVM today</a:t>
+            </a:r>
+          </a:p>
+          <a:p>
+            <a:r>
+              <a:rPr lang="en-US" dirty="0"/>
+              <a:t>Not the best algorithm</a:t>
+            </a:r>
+          </a:p>
+          <a:p>
+            <a:r>
+              <a:rPr lang="en-US" dirty="0"/>
+              <a:t>But quite good</a:t>
+            </a:r>
+          </a:p>
+          <a:p>
+            <a:r>
+              <a:rPr lang="en-US" dirty="0"/>
+              <a:t>…and illustrates the main points</a:t>
+            </a:r>
+          </a:p>
+        </p:txBody>
+      </p:sp>
       <p:sp>
         <p:nvSpPr>
           <p:cNvPr id="4" name="Slide Number Placeholder 3"/>
@@ -27169,7 +29624,7 @@
           <a:p>
             <a:fld id="{629637A9-119A-49DA-BD12-AAC58B377D80}" type="slidenum">
               <a:rPr lang="en-US" smtClean="0"/>
-              <a:t>46</a:t>
+              <a:t>5</a:t>
             </a:fld>
             <a:endParaRPr lang="en-US" dirty="0"/>
           </a:p>
@@ -27177,78 +29632,72 @@
       </p:sp>
       <p:pic>
         <p:nvPicPr>
-          <p:cNvPr id="6146" name="Picture 2" descr="http://1.bp.blogspot.com/_UpN7DfJA0j4/TJs87kbBv7I/AAAAAAAAABQ/bGcjhdxHeqk/s320/mnist_train_10000_-1_1.svm_.png"/>
+          <p:cNvPr id="5" name="Picture 4"/>
           <p:cNvPicPr>
-            <a:picLocks noChangeAspect="1" noChangeArrowheads="1"/>
+            <a:picLocks noChangeAspect="1"/>
           </p:cNvPicPr>
           <p:nvPr/>
         </p:nvPicPr>
         <p:blipFill>
-          <a:blip r:embed="rId3">
-            <a:extLst>
-              <a:ext uri="{28A0092B-C50C-407E-A947-70E740481C1C}">
-                <a14:useLocalDpi xmlns:a14="http://schemas.microsoft.com/office/drawing/2010/main" val="0"/>
-              </a:ext>
-            </a:extLst>
-          </a:blip>
-          <a:srcRect/>
+          <a:blip r:embed="rId2"/>
           <a:stretch>
             <a:fillRect/>
           </a:stretch>
         </p:blipFill>
-        <p:spPr bwMode="auto">
+        <p:spPr>
           <a:xfrm>
-            <a:off x="6773368" y="882209"/>
-            <a:ext cx="5146852" cy="3731468"/>
+            <a:off x="489066" y="2718146"/>
+            <a:ext cx="6530791" cy="2699680"/>
           </a:xfrm>
           <a:prstGeom prst="rect">
             <a:avLst/>
           </a:prstGeom>
-          <a:noFill/>
-          <a:extLst>
-            <a:ext uri="{909E8E84-426E-40DD-AFC4-6F175D3DCCD1}">
-              <a14:hiddenFill xmlns:a14="http://schemas.microsoft.com/office/drawing/2010/main">
-                <a:solidFill>
-                  <a:srgbClr val="FFFFFF"/>
-                </a:solidFill>
-              </a14:hiddenFill>
-            </a:ext>
-          </a:extLst>
         </p:spPr>
       </p:pic>
       <p:sp>
         <p:nvSpPr>
-          <p:cNvPr id="5" name="TextBox 4"/>
-          <p:cNvSpPr txBox="1"/>
+          <p:cNvPr id="6" name="Arrow: Right 5"/>
+          <p:cNvSpPr/>
           <p:nvPr/>
         </p:nvSpPr>
         <p:spPr>
-          <a:xfrm>
-            <a:off x="6836841" y="4672251"/>
-            <a:ext cx="5083379" cy="307777"/>
+          <a:xfrm rot="10800000">
+            <a:off x="6772270" y="4108899"/>
+            <a:ext cx="978408" cy="484632"/>
           </a:xfrm>
-          <a:prstGeom prst="rect">
+          <a:prstGeom prst="rightArrow">
             <a:avLst/>
           </a:prstGeom>
-          <a:noFill/>
         </p:spPr>
+        <p:style>
+          <a:lnRef idx="2">
+            <a:schemeClr val="accent1">
+              <a:shade val="50000"/>
+            </a:schemeClr>
+          </a:lnRef>
+          <a:fillRef idx="1">
+            <a:schemeClr val="accent1"/>
+          </a:fillRef>
+          <a:effectRef idx="0">
+            <a:schemeClr val="accent1"/>
+          </a:effectRef>
+          <a:fontRef idx="minor">
+            <a:schemeClr val="lt1"/>
+          </a:fontRef>
+        </p:style>
         <p:txBody>
-          <a:bodyPr wrap="none" rtlCol="0">
-            <a:spAutoFit/>
-          </a:bodyPr>
+          <a:bodyPr rtlCol="0" anchor="ctr"/>
           <a:lstStyle/>
           <a:p>
-            <a:r>
-              <a:rPr lang="en-US" sz="1400" dirty="0"/>
-              <a:t>http://peekaboo-vision.blogspot.com/2010/09/mnist-for-ever.html</a:t>
-            </a:r>
+            <a:pPr algn="ctr"/>
+            <a:endParaRPr lang="en-US"/>
           </a:p>
         </p:txBody>
       </p:sp>
     </p:spTree>
     <p:extLst>
       <p:ext uri="{BB962C8B-B14F-4D97-AF65-F5344CB8AC3E}">
-        <p14:creationId xmlns:p14="http://schemas.microsoft.com/office/powerpoint/2010/main" val="2106395345"/>
+        <p14:creationId xmlns:p14="http://schemas.microsoft.com/office/powerpoint/2010/main" val="1798527756"/>
       </p:ext>
     </p:extLst>
   </p:cSld>
@@ -27258,7 +29707,7 @@
 </p:sld>
 </file>
 
-<file path=ppt/slides/slide47.xml><?xml version="1.0" encoding="utf-8"?>
+<file path=ppt/slides/slide50.xml><?xml version="1.0" encoding="utf-8"?>
 <p:sld xmlns:a="http://schemas.openxmlformats.org/drawingml/2006/main" xmlns:r="http://schemas.openxmlformats.org/officeDocument/2006/relationships" xmlns:p="http://schemas.openxmlformats.org/presentationml/2006/main">
   <p:cSld>
     <p:spTree>
@@ -27297,8 +29746,8 @@
           </a:p>
         </p:txBody>
       </p:sp>
-      <mc:AlternateContent xmlns:mc="http://schemas.openxmlformats.org/markup-compatibility/2006" xmlns:a14="http://schemas.microsoft.com/office/drawing/2010/main">
-        <mc:Choice Requires="a14">
+      <mc:AlternateContent xmlns:mc="http://schemas.openxmlformats.org/markup-compatibility/2006">
+        <mc:Choice xmlns:a14="http://schemas.microsoft.com/office/drawing/2010/main" Requires="a14">
           <p:sp>
             <p:nvSpPr>
               <p:cNvPr id="3" name="Content Placeholder 2"/>
@@ -27416,21 +29865,13 @@
                 <a:pPr lvl="1"/>
                 <a:r>
                   <a:rPr lang="en-US" dirty="0"/>
-                  <a:t>Used in </a:t>
-                </a:r>
-                <a:r>
-                  <a:rPr lang="en-US" dirty="0" err="1"/>
-                  <a:t>sklearn</a:t>
-                </a:r>
-                <a:r>
-                  <a:rPr lang="en-US" dirty="0"/>
-                  <a:t>.  Best results but very slow</a:t>
+                  <a:t>Best results but very slow</a:t>
                 </a:r>
               </a:p>
               <a:p>
                 <a:r>
                   <a:rPr lang="en-US" dirty="0"/>
-                  <a:t>One-vs-all:</a:t>
+                  <a:t>One-vs-rest:</a:t>
                 </a:r>
               </a:p>
               <a:p>
@@ -27504,6 +29945,16 @@
                   </m:oMath>
                 </a14:m>
                 <a:endParaRPr lang="en-US" dirty="0"/>
+              </a:p>
+              <a:p>
+                <a:r>
+                  <a:rPr lang="en-US" dirty="0" err="1"/>
+                  <a:t>Sklearn</a:t>
+                </a:r>
+                <a:r>
+                  <a:rPr lang="en-US" dirty="0"/>
+                  <a:t> has both options</a:t>
+                </a:r>
               </a:p>
               <a:p>
                 <a:pPr lvl="1"/>
@@ -27512,7 +29963,7 @@
             </p:txBody>
           </p:sp>
         </mc:Choice>
-        <mc:Fallback xmlns="">
+        <mc:Fallback>
           <p:sp>
             <p:nvSpPr>
               <p:cNvPr id="3" name="Content Placeholder 2"/>
@@ -27527,7 +29978,7 @@
               <a:blipFill>
                 <a:blip r:embed="rId2"/>
                 <a:stretch>
-                  <a:fillRect l="-1455" t="-1549"/>
+                  <a:fillRect l="-1261" t="-1462"/>
                 </a:stretch>
               </a:blipFill>
             </p:spPr>
@@ -27563,7 +30014,7 @@
           <a:p>
             <a:fld id="{629637A9-119A-49DA-BD12-AAC58B377D80}" type="slidenum">
               <a:rPr lang="en-US" smtClean="0"/>
-              <a:t>47</a:t>
+              <a:t>50</a:t>
             </a:fld>
             <a:endParaRPr lang="en-US" dirty="0"/>
           </a:p>
@@ -27582,7 +30033,7 @@
 </p:sld>
 </file>
 
-<file path=ppt/slides/slide48.xml><?xml version="1.0" encoding="utf-8"?>
+<file path=ppt/slides/slide51.xml><?xml version="1.0" encoding="utf-8"?>
 <p:sld xmlns:a="http://schemas.openxmlformats.org/drawingml/2006/main" xmlns:r="http://schemas.openxmlformats.org/officeDocument/2006/relationships" xmlns:p="http://schemas.openxmlformats.org/presentationml/2006/main">
   <p:cSld>
     <p:spTree>
@@ -27784,7 +30235,7 @@
           <a:p>
             <a:fld id="{629637A9-119A-49DA-BD12-AAC58B377D80}" type="slidenum">
               <a:rPr lang="en-US" smtClean="0"/>
-              <a:t>48</a:t>
+              <a:t>51</a:t>
             </a:fld>
             <a:endParaRPr lang="en-US" dirty="0"/>
           </a:p>
@@ -27899,7 +30350,7 @@
 </p:sld>
 </file>
 
-<file path=ppt/slides/slide49.xml><?xml version="1.0" encoding="utf-8"?>
+<file path=ppt/slides/slide52.xml><?xml version="1.0" encoding="utf-8"?>
 <p:sld xmlns:a="http://schemas.openxmlformats.org/drawingml/2006/main" xmlns:r="http://schemas.openxmlformats.org/officeDocument/2006/relationships" xmlns:p="http://schemas.openxmlformats.org/presentationml/2006/main">
   <p:cSld>
     <p:spTree>
@@ -27982,7 +30433,7 @@
           <a:p>
             <a:fld id="{629637A9-119A-49DA-BD12-AAC58B377D80}" type="slidenum">
               <a:rPr lang="en-US" smtClean="0"/>
-              <a:t>49</a:t>
+              <a:t>52</a:t>
             </a:fld>
             <a:endParaRPr lang="en-US" dirty="0"/>
           </a:p>
@@ -28025,7 +30476,7 @@
 </p:sld>
 </file>
 
-<file path=ppt/slides/slide5.xml><?xml version="1.0" encoding="utf-8"?>
+<file path=ppt/slides/slide53.xml><?xml version="1.0" encoding="utf-8"?>
 <p:sld xmlns:a="http://schemas.openxmlformats.org/drawingml/2006/main" xmlns:r="http://schemas.openxmlformats.org/officeDocument/2006/relationships" xmlns:p="http://schemas.openxmlformats.org/presentationml/2006/main">
   <p:cSld>
     <p:spTree>
@@ -28054,12 +30505,14 @@
         </p:nvSpPr>
         <p:spPr/>
         <p:txBody>
-          <a:bodyPr/>
+          <a:bodyPr>
+            <a:normAutofit/>
+          </a:bodyPr>
           <a:lstStyle/>
           <a:p>
             <a:r>
               <a:rPr lang="en-US" dirty="0"/>
-              <a:t>A Widely-Used Benchmark</a:t>
+              <a:t>What you should know</a:t>
             </a:r>
           </a:p>
         </p:txBody>
@@ -28074,38 +30527,77 @@
             <p:ph idx="1"/>
           </p:nvPr>
         </p:nvSpPr>
-        <p:spPr>
-          <a:xfrm>
-            <a:off x="7503090" y="1539277"/>
-            <a:ext cx="3652590" cy="4329817"/>
-          </a:xfrm>
-        </p:spPr>
+        <p:spPr/>
         <p:txBody>
-          <a:bodyPr/>
+          <a:bodyPr>
+            <a:normAutofit/>
+          </a:bodyPr>
           <a:lstStyle/>
           <a:p>
             <a:r>
               <a:rPr lang="en-US" dirty="0"/>
-              <a:t>We will look at SVM today</a:t>
+              <a:t>Interpret weights in linear classification of images (logistic regression): Match filters</a:t>
             </a:r>
           </a:p>
           <a:p>
             <a:r>
               <a:rPr lang="en-US" dirty="0"/>
-              <a:t>Not the best algorithm</a:t>
+              <a:t>Understand the margin in linear classification and maximum margin classifier</a:t>
             </a:r>
           </a:p>
           <a:p>
             <a:r>
               <a:rPr lang="en-US" dirty="0"/>
-              <a:t>But quite good</a:t>
+              <a:t>SVM classifier: Allow violation of margin by introducing slack variables (More robust than linear classifier)</a:t>
             </a:r>
           </a:p>
           <a:p>
             <a:r>
               <a:rPr lang="en-US" dirty="0"/>
-              <a:t>…and illustrates the main points</a:t>
+              <a:t>Solve constrained optimization using the </a:t>
             </a:r>
+            <a:r>
+              <a:rPr lang="en-US" dirty="0" err="1"/>
+              <a:t>Lagrangian</a:t>
+            </a:r>
+            <a:r>
+              <a:rPr lang="en-US" dirty="0"/>
+              <a:t>.</a:t>
+            </a:r>
+          </a:p>
+          <a:p>
+            <a:pPr lvl="1"/>
+            <a:r>
+              <a:rPr lang="en-US" dirty="0"/>
+              <a:t>Understand KKT conditions for a single constraint</a:t>
+            </a:r>
+          </a:p>
+          <a:p>
+            <a:r>
+              <a:rPr lang="en-US" dirty="0"/>
+              <a:t>Extend to nonlinear classifier by feature transformation:  SVM with nonlinear kernels</a:t>
+            </a:r>
+          </a:p>
+          <a:p>
+            <a:r>
+              <a:rPr lang="en-US" dirty="0"/>
+              <a:t>Select SVM parameters from cross-validation</a:t>
+            </a:r>
+          </a:p>
+          <a:p>
+            <a:endParaRPr lang="en-US" dirty="0"/>
+          </a:p>
+          <a:p>
+            <a:endParaRPr lang="en-US" dirty="0"/>
+          </a:p>
+          <a:p>
+            <a:endParaRPr lang="en-US" dirty="0"/>
+          </a:p>
+          <a:p>
+            <a:endParaRPr lang="en-US" dirty="0"/>
+          </a:p>
+          <a:p>
+            <a:endParaRPr lang="en-US" dirty="0"/>
           </a:p>
         </p:txBody>
       </p:sp>
@@ -28126,80 +30618,16 @@
           <a:p>
             <a:fld id="{629637A9-119A-49DA-BD12-AAC58B377D80}" type="slidenum">
               <a:rPr lang="en-US" smtClean="0"/>
-              <a:t>5</a:t>
+              <a:t>53</a:t>
             </a:fld>
             <a:endParaRPr lang="en-US" dirty="0"/>
-          </a:p>
-        </p:txBody>
-      </p:sp>
-      <p:pic>
-        <p:nvPicPr>
-          <p:cNvPr id="5" name="Picture 4"/>
-          <p:cNvPicPr>
-            <a:picLocks noChangeAspect="1"/>
-          </p:cNvPicPr>
-          <p:nvPr/>
-        </p:nvPicPr>
-        <p:blipFill>
-          <a:blip r:embed="rId2"/>
-          <a:stretch>
-            <a:fillRect/>
-          </a:stretch>
-        </p:blipFill>
-        <p:spPr>
-          <a:xfrm>
-            <a:off x="489066" y="2718146"/>
-            <a:ext cx="6530791" cy="2699680"/>
-          </a:xfrm>
-          <a:prstGeom prst="rect">
-            <a:avLst/>
-          </a:prstGeom>
-        </p:spPr>
-      </p:pic>
-      <p:sp>
-        <p:nvSpPr>
-          <p:cNvPr id="6" name="Arrow: Right 5"/>
-          <p:cNvSpPr/>
-          <p:nvPr/>
-        </p:nvSpPr>
-        <p:spPr>
-          <a:xfrm rot="10800000">
-            <a:off x="6772270" y="4108899"/>
-            <a:ext cx="978408" cy="484632"/>
-          </a:xfrm>
-          <a:prstGeom prst="rightArrow">
-            <a:avLst/>
-          </a:prstGeom>
-        </p:spPr>
-        <p:style>
-          <a:lnRef idx="2">
-            <a:schemeClr val="accent1">
-              <a:shade val="50000"/>
-            </a:schemeClr>
-          </a:lnRef>
-          <a:fillRef idx="1">
-            <a:schemeClr val="accent1"/>
-          </a:fillRef>
-          <a:effectRef idx="0">
-            <a:schemeClr val="accent1"/>
-          </a:effectRef>
-          <a:fontRef idx="minor">
-            <a:schemeClr val="lt1"/>
-          </a:fontRef>
-        </p:style>
-        <p:txBody>
-          <a:bodyPr rtlCol="0" anchor="ctr"/>
-          <a:lstStyle/>
-          <a:p>
-            <a:pPr algn="ctr"/>
-            <a:endParaRPr lang="en-US"/>
           </a:p>
         </p:txBody>
       </p:sp>
     </p:spTree>
     <p:extLst>
       <p:ext uri="{BB962C8B-B14F-4D97-AF65-F5344CB8AC3E}">
-        <p14:creationId xmlns:p14="http://schemas.microsoft.com/office/powerpoint/2010/main" val="1798527756"/>
+        <p14:creationId xmlns:p14="http://schemas.microsoft.com/office/powerpoint/2010/main" val="3951053511"/>
       </p:ext>
     </p:extLst>
   </p:cSld>
@@ -28238,12 +30666,14 @@
         </p:nvSpPr>
         <p:spPr/>
         <p:txBody>
-          <a:bodyPr/>
+          <a:bodyPr>
+            <a:normAutofit fontScale="90000"/>
+          </a:bodyPr>
           <a:lstStyle/>
           <a:p>
             <a:r>
               <a:rPr lang="en-US" dirty="0"/>
-              <a:t>Loading The Data: 8 x 8 Images</a:t>
+              <a:t>Dataset with low resolution: 8 x 8 Images</a:t>
             </a:r>
           </a:p>
         </p:txBody>
@@ -28372,12 +30802,14 @@
         </p:nvSpPr>
         <p:spPr/>
         <p:txBody>
-          <a:bodyPr/>
+          <a:bodyPr>
+            <a:normAutofit fontScale="90000"/>
+          </a:bodyPr>
           <a:lstStyle/>
           <a:p>
             <a:r>
               <a:rPr lang="en-US" dirty="0"/>
-              <a:t>Loading the Data:  28 x 28 Images</a:t>
+              <a:t>Dataset with high resolution:  28 x 28 Images</a:t>
             </a:r>
           </a:p>
         </p:txBody>
@@ -28433,7 +30865,7 @@
           <a:p>
             <a:r>
               <a:rPr lang="en-US" dirty="0"/>
-              <a:t>Each image sample is a row</a:t>
+              <a:t>Each image sample is a row vector, that is formed by stacking 28 rows of an image.</a:t>
             </a:r>
           </a:p>
         </p:txBody>
@@ -30118,6 +32550,80 @@
           </a:p>
         </p:txBody>
       </p:sp>
+      <p:sp>
+        <p:nvSpPr>
+          <p:cNvPr id="3" name="TextBox 2">
+            <a:extLst>
+              <a:ext uri="{FF2B5EF4-FFF2-40B4-BE49-F238E27FC236}">
+                <a16:creationId xmlns:a16="http://schemas.microsoft.com/office/drawing/2014/main" id="{86BD76B6-5223-7545-AC76-51FFE63275CB}"/>
+              </a:ext>
+            </a:extLst>
+          </p:cNvPr>
+          <p:cNvSpPr txBox="1"/>
+          <p:nvPr/>
+        </p:nvSpPr>
+        <p:spPr>
+          <a:xfrm>
+            <a:off x="10002806" y="3918629"/>
+            <a:ext cx="1844637" cy="1754326"/>
+          </a:xfrm>
+          <a:prstGeom prst="rect">
+            <a:avLst/>
+          </a:prstGeom>
+          <a:noFill/>
+        </p:spPr>
+        <p:txBody>
+          <a:bodyPr wrap="square" rtlCol="0">
+            <a:spAutoFit/>
+          </a:bodyPr>
+          <a:lstStyle/>
+          <a:p>
+            <a:r>
+              <a:rPr lang="en-US" dirty="0"/>
+              <a:t>Sample permutation is necessary for this dataset, as the original data is ordered by digits</a:t>
+            </a:r>
+          </a:p>
+        </p:txBody>
+      </p:sp>
+      <p:cxnSp>
+        <p:nvCxnSpPr>
+          <p:cNvPr id="10" name="Straight Arrow Connector 9">
+            <a:extLst>
+              <a:ext uri="{FF2B5EF4-FFF2-40B4-BE49-F238E27FC236}">
+                <a16:creationId xmlns:a16="http://schemas.microsoft.com/office/drawing/2014/main" id="{08A62A49-350E-E64A-9A98-32BE24BC565F}"/>
+              </a:ext>
+            </a:extLst>
+          </p:cNvPr>
+          <p:cNvCxnSpPr/>
+          <p:nvPr/>
+        </p:nvCxnSpPr>
+        <p:spPr>
+          <a:xfrm flipH="1">
+            <a:off x="9101426" y="4496275"/>
+            <a:ext cx="901380" cy="1199"/>
+          </a:xfrm>
+          <a:prstGeom prst="straightConnector1">
+            <a:avLst/>
+          </a:prstGeom>
+          <a:ln>
+            <a:tailEnd type="triangle"/>
+          </a:ln>
+        </p:spPr>
+        <p:style>
+          <a:lnRef idx="1">
+            <a:schemeClr val="accent1"/>
+          </a:lnRef>
+          <a:fillRef idx="0">
+            <a:schemeClr val="accent1"/>
+          </a:fillRef>
+          <a:effectRef idx="0">
+            <a:schemeClr val="accent1"/>
+          </a:effectRef>
+          <a:fontRef idx="minor">
+            <a:schemeClr val="tx1"/>
+          </a:fontRef>
+        </p:style>
+      </p:cxnSp>
     </p:spTree>
     <p:extLst>
       <p:ext uri="{BB962C8B-B14F-4D97-AF65-F5344CB8AC3E}">
